--- a/slides/ppt/07_Swing.pptx
+++ b/slides/ppt/07_Swing.pptx
@@ -53,18 +53,17 @@
     <p:sldId id="306" r:id="rId47"/>
     <p:sldId id="307" r:id="rId48"/>
     <p:sldId id="308" r:id="rId49"/>
-    <p:sldId id="309" r:id="rId50"/>
-    <p:sldId id="310" r:id="rId51"/>
-    <p:sldId id="311" r:id="rId52"/>
-    <p:sldId id="312" r:id="rId53"/>
-    <p:sldId id="313" r:id="rId54"/>
-    <p:sldId id="314" r:id="rId55"/>
-    <p:sldId id="315" r:id="rId56"/>
-    <p:sldId id="316" r:id="rId57"/>
-    <p:sldId id="317" r:id="rId58"/>
-    <p:sldId id="318" r:id="rId59"/>
-    <p:sldId id="319" r:id="rId60"/>
-    <p:sldId id="320" r:id="rId61"/>
+    <p:sldId id="310" r:id="rId50"/>
+    <p:sldId id="311" r:id="rId51"/>
+    <p:sldId id="312" r:id="rId52"/>
+    <p:sldId id="313" r:id="rId53"/>
+    <p:sldId id="314" r:id="rId54"/>
+    <p:sldId id="315" r:id="rId55"/>
+    <p:sldId id="316" r:id="rId56"/>
+    <p:sldId id="317" r:id="rId57"/>
+    <p:sldId id="318" r:id="rId58"/>
+    <p:sldId id="319" r:id="rId59"/>
+    <p:sldId id="320" r:id="rId60"/>
   </p:sldIdLst>
   <p:sldSz cx="9144000" cy="6858000" type="screen4x3"/>
   <p:notesSz cx="6858000" cy="9144000"/>
@@ -7477,31 +7476,41 @@
                 <a:latin typeface="Calibri"/>
                 <a:cs typeface="Calibri"/>
               </a:rPr>
-              <a:t> manages the current look and feel. For examples, look at http://</a:t>
-            </a:r>
-            <a:r>
-              <a:rPr lang="en-US" sz="2400" dirty="0" err="1">
+              <a:t> manages the current look and feel</a:t>
+            </a:r>
+          </a:p>
+          <a:p>
+            <a:pPr lvl="1"/>
+            <a:r>
+              <a:rPr lang="en-US" sz="2000" dirty="0">
                 <a:latin typeface="Calibri"/>
                 <a:cs typeface="Calibri"/>
               </a:rPr>
-              <a:t>www.jyloo.com</a:t>
-            </a:r>
-            <a:r>
-              <a:rPr lang="en-US" sz="2400" dirty="0">
+              <a:t>http://</a:t>
+            </a:r>
+            <a:r>
+              <a:rPr lang="en-US" sz="2000" dirty="0" err="1">
                 <a:latin typeface="Calibri"/>
                 <a:cs typeface="Calibri"/>
               </a:rPr>
-              <a:t>/</a:t>
-            </a:r>
-            <a:r>
-              <a:rPr lang="en-US" sz="2400" dirty="0" err="1">
+              <a:t>www.jyloo.com</a:t>
+            </a:r>
+            <a:r>
+              <a:rPr lang="en-US" sz="2000" dirty="0">
                 <a:latin typeface="Calibri"/>
                 <a:cs typeface="Calibri"/>
               </a:rPr>
+              <a:t>/</a:t>
+            </a:r>
+            <a:r>
+              <a:rPr lang="en-US" sz="2000" dirty="0" err="1">
+                <a:latin typeface="Calibri"/>
+                <a:cs typeface="Calibri"/>
+              </a:rPr>
               <a:t>synthetica</a:t>
             </a:r>
             <a:r>
-              <a:rPr lang="en-US" sz="2400" dirty="0">
+              <a:rPr lang="en-US" sz="2000" dirty="0">
                 <a:latin typeface="Calibri"/>
                 <a:cs typeface="Calibri"/>
               </a:rPr>
@@ -7526,7 +7535,7 @@
                 <a:latin typeface="Consolas"/>
                 <a:cs typeface="Consolas"/>
               </a:rPr>
-              <a:t>// Set Metal Look and Feel</a:t>
+              <a:t>/* Set Metal Look and Feel */</a:t>
             </a:r>
           </a:p>
           <a:p>
@@ -7580,7 +7589,7 @@
                 <a:latin typeface="Consolas"/>
                 <a:cs typeface="Consolas"/>
               </a:rPr>
-              <a:t>// Set Motif Look and Feel</a:t>
+              <a:t>/* Set Motif Look and Feel */</a:t>
             </a:r>
           </a:p>
           <a:p>
@@ -7634,7 +7643,7 @@
                 <a:latin typeface="Consolas"/>
                 <a:cs typeface="Consolas"/>
               </a:rPr>
-              <a:t>// Set Windows Look and Feel</a:t>
+              <a:t>/* Set Windows Look and Feel */</a:t>
             </a:r>
           </a:p>
           <a:p>
@@ -8602,35 +8611,35 @@
               <a:buNone/>
             </a:pPr>
             <a:r>
-              <a:rPr lang="en-US" sz="1100" b="1" dirty="0">
+              <a:rPr lang="en-US" sz="1000" b="1" dirty="0">
                 <a:latin typeface="Consolas"/>
                 <a:cs typeface="Consolas"/>
               </a:rPr>
               <a:t>public class </a:t>
             </a:r>
             <a:r>
-              <a:rPr lang="en-US" sz="1100" b="1" dirty="0" err="1">
-                <a:latin typeface="Consolas"/>
-                <a:cs typeface="Consolas"/>
-              </a:rPr>
-              <a:t>CelsiusConverterBasic</a:t>
-            </a:r>
-            <a:r>
-              <a:rPr lang="en-US" sz="1100" b="1" dirty="0">
+              <a:rPr lang="en-US" sz="1000" b="1" dirty="0" err="1">
+                <a:latin typeface="Consolas"/>
+                <a:cs typeface="Consolas"/>
+              </a:rPr>
+              <a:t>CelsiusConverterBareMinimum</a:t>
+            </a:r>
+            <a:r>
+              <a:rPr lang="en-US" sz="1000" b="1" dirty="0">
                 <a:latin typeface="Consolas"/>
                 <a:cs typeface="Consolas"/>
               </a:rPr>
               <a:t> extends </a:t>
             </a:r>
             <a:r>
-              <a:rPr lang="en-US" sz="1100" b="1" dirty="0" err="1">
+              <a:rPr lang="en-US" sz="1000" b="1" dirty="0" err="1">
                 <a:latin typeface="Consolas"/>
                 <a:cs typeface="Consolas"/>
               </a:rPr>
               <a:t>JFrame</a:t>
             </a:r>
             <a:r>
-              <a:rPr lang="en-US" sz="1100" b="1" dirty="0">
+              <a:rPr lang="en-US" sz="1000" b="1" dirty="0">
                 <a:latin typeface="Consolas"/>
                 <a:cs typeface="Consolas"/>
               </a:rPr>
@@ -8642,25 +8651,53 @@
               <a:buNone/>
             </a:pPr>
             <a:r>
-              <a:rPr lang="en-US" sz="1100" b="1" dirty="0">
-                <a:latin typeface="Consolas"/>
-                <a:cs typeface="Consolas"/>
-              </a:rPr>
-              <a:t>	private static final long </a:t>
-            </a:r>
-            <a:r>
-              <a:rPr lang="en-US" sz="1100" b="1" dirty="0" err="1">
-                <a:latin typeface="Consolas"/>
-                <a:cs typeface="Consolas"/>
-              </a:rPr>
-              <a:t>serialVersionUID</a:t>
-            </a:r>
-            <a:r>
-              <a:rPr lang="en-US" sz="1100" b="1" dirty="0">
-                <a:latin typeface="Consolas"/>
-                <a:cs typeface="Consolas"/>
-              </a:rPr>
-              <a:t> = 1L;</a:t>
+              <a:rPr lang="en-US" sz="1000" b="1" dirty="0">
+                <a:latin typeface="Consolas"/>
+                <a:cs typeface="Consolas"/>
+              </a:rPr>
+              <a:t>	private </a:t>
+            </a:r>
+            <a:r>
+              <a:rPr lang="en-US" sz="1000" b="1" dirty="0" err="1">
+                <a:latin typeface="Consolas"/>
+                <a:cs typeface="Consolas"/>
+              </a:rPr>
+              <a:t>JButton</a:t>
+            </a:r>
+            <a:r>
+              <a:rPr lang="en-US" sz="1000" b="1" dirty="0">
+                <a:latin typeface="Consolas"/>
+                <a:cs typeface="Consolas"/>
+              </a:rPr>
+              <a:t> </a:t>
+            </a:r>
+            <a:r>
+              <a:rPr lang="en-US" sz="1000" b="1" dirty="0" err="1">
+                <a:latin typeface="Consolas"/>
+                <a:cs typeface="Consolas"/>
+              </a:rPr>
+              <a:t>CFButton</a:t>
+            </a:r>
+            <a:r>
+              <a:rPr lang="en-US" sz="1000" b="1" dirty="0">
+                <a:latin typeface="Consolas"/>
+                <a:cs typeface="Consolas"/>
+              </a:rPr>
+              <a:t>, </a:t>
+            </a:r>
+            <a:r>
+              <a:rPr lang="en-US" sz="1000" b="1" dirty="0" err="1">
+                <a:latin typeface="Consolas"/>
+                <a:cs typeface="Consolas"/>
+              </a:rPr>
+              <a:t>FCButton</a:t>
+            </a:r>
+            <a:r>
+              <a:rPr lang="en-US" sz="1000" b="1" dirty="0">
+                <a:latin typeface="Consolas"/>
+                <a:cs typeface="Consolas"/>
+              </a:rPr>
+              <a:t>;</a:t>
             </a:r>
           </a:p>
           <a:p>
@@ -8668,35 +8705,49 @@
               <a:buNone/>
             </a:pPr>
             <a:r>
-              <a:rPr lang="en-US" sz="1100" b="1" dirty="0">
+              <a:rPr lang="en-US" sz="1000" b="1" dirty="0">
                 <a:latin typeface="Consolas"/>
                 <a:cs typeface="Consolas"/>
               </a:rPr>
               <a:t>	private </a:t>
             </a:r>
             <a:r>
-              <a:rPr lang="en-US" sz="1100" b="1" dirty="0" err="1">
-                <a:latin typeface="Consolas"/>
-                <a:cs typeface="Consolas"/>
-              </a:rPr>
-              <a:t>JButton</a:t>
-            </a:r>
-            <a:r>
-              <a:rPr lang="en-US" sz="1100" b="1" dirty="0">
+              <a:rPr lang="en-US" sz="1000" b="1" dirty="0" err="1">
+                <a:latin typeface="Consolas"/>
+                <a:cs typeface="Consolas"/>
+              </a:rPr>
+              <a:t>JTextField</a:t>
+            </a:r>
+            <a:r>
+              <a:rPr lang="en-US" sz="1000" b="1" dirty="0">
                 <a:latin typeface="Consolas"/>
                 <a:cs typeface="Consolas"/>
               </a:rPr>
               <a:t> </a:t>
             </a:r>
             <a:r>
-              <a:rPr lang="en-US" sz="1100" b="1" dirty="0" err="1">
-                <a:latin typeface="Consolas"/>
-                <a:cs typeface="Consolas"/>
-              </a:rPr>
-              <a:t>CFButton</a:t>
-            </a:r>
-            <a:r>
-              <a:rPr lang="en-US" sz="1100" b="1" dirty="0">
+              <a:rPr lang="en-US" sz="1000" b="1" dirty="0" err="1">
+                <a:latin typeface="Consolas"/>
+                <a:cs typeface="Consolas"/>
+              </a:rPr>
+              <a:t>fahrenheitTF</a:t>
+            </a:r>
+            <a:r>
+              <a:rPr lang="en-US" sz="1000" b="1" dirty="0">
+                <a:latin typeface="Consolas"/>
+                <a:cs typeface="Consolas"/>
+              </a:rPr>
+              <a:t>, </a:t>
+            </a:r>
+            <a:r>
+              <a:rPr lang="en-US" sz="1000" b="1" dirty="0" err="1">
+                <a:latin typeface="Consolas"/>
+                <a:cs typeface="Consolas"/>
+              </a:rPr>
+              <a:t>celsiusTF</a:t>
+            </a:r>
+            <a:r>
+              <a:rPr lang="en-US" sz="1000" b="1" dirty="0">
                 <a:latin typeface="Consolas"/>
                 <a:cs typeface="Consolas"/>
               </a:rPr>
@@ -8707,61 +8758,7 @@
             <a:pPr marL="0" indent="0">
               <a:buNone/>
             </a:pPr>
-            <a:r>
-              <a:rPr lang="en-US" sz="1100" b="1" dirty="0">
-                <a:latin typeface="Consolas"/>
-                <a:cs typeface="Consolas"/>
-              </a:rPr>
-              <a:t>	private </a:t>
-            </a:r>
-            <a:r>
-              <a:rPr lang="en-US" sz="1100" b="1" dirty="0" err="1">
-                <a:latin typeface="Consolas"/>
-                <a:cs typeface="Consolas"/>
-              </a:rPr>
-              <a:t>JTextField</a:t>
-            </a:r>
-            <a:r>
-              <a:rPr lang="en-US" sz="1100" b="1" dirty="0">
-                <a:latin typeface="Consolas"/>
-                <a:cs typeface="Consolas"/>
-              </a:rPr>
-              <a:t> </a:t>
-            </a:r>
-            <a:r>
-              <a:rPr lang="en-US" sz="1100" b="1" dirty="0" err="1">
-                <a:latin typeface="Consolas"/>
-                <a:cs typeface="Consolas"/>
-              </a:rPr>
-              <a:t>fahrenheitTF</a:t>
-            </a:r>
-            <a:r>
-              <a:rPr lang="en-US" sz="1100" b="1" dirty="0">
-                <a:latin typeface="Consolas"/>
-                <a:cs typeface="Consolas"/>
-              </a:rPr>
-              <a:t>, </a:t>
-            </a:r>
-            <a:r>
-              <a:rPr lang="en-US" sz="1100" b="1" dirty="0" err="1">
-                <a:latin typeface="Consolas"/>
-                <a:cs typeface="Consolas"/>
-              </a:rPr>
-              <a:t>celsiusTF</a:t>
-            </a:r>
-            <a:r>
-              <a:rPr lang="en-US" sz="1100" b="1" dirty="0">
-                <a:latin typeface="Consolas"/>
-                <a:cs typeface="Consolas"/>
-              </a:rPr>
-              <a:t>;</a:t>
-            </a:r>
-          </a:p>
-          <a:p>
-            <a:pPr marL="0" indent="0">
-              <a:buNone/>
-            </a:pPr>
-            <a:endParaRPr lang="en-US" sz="1100" b="1" dirty="0">
+            <a:endParaRPr lang="en-US" sz="1000" b="1" dirty="0">
               <a:latin typeface="Consolas"/>
               <a:cs typeface="Consolas"/>
             </a:endParaRPr>
@@ -8771,21 +8768,21 @@
               <a:buNone/>
             </a:pPr>
             <a:r>
-              <a:rPr lang="en-US" sz="1100" b="1" dirty="0">
+              <a:rPr lang="en-US" sz="1000" b="1" dirty="0">
                 <a:latin typeface="Consolas"/>
                 <a:cs typeface="Consolas"/>
               </a:rPr>
               <a:t>	public </a:t>
             </a:r>
             <a:r>
-              <a:rPr lang="en-US" sz="1100" b="1" dirty="0" err="1">
-                <a:latin typeface="Consolas"/>
-                <a:cs typeface="Consolas"/>
-              </a:rPr>
-              <a:t>CelsiusConverterBasic</a:t>
-            </a:r>
-            <a:r>
-              <a:rPr lang="en-US" sz="1100" b="1" dirty="0">
+              <a:rPr lang="en-US" sz="1000" b="1" dirty="0" err="1">
+                <a:latin typeface="Consolas"/>
+                <a:cs typeface="Consolas"/>
+              </a:rPr>
+              <a:t>CelsiusConverterBareMinimum</a:t>
+            </a:r>
+            <a:r>
+              <a:rPr lang="en-US" sz="1000" b="1" dirty="0">
                 <a:latin typeface="Consolas"/>
                 <a:cs typeface="Consolas"/>
               </a:rPr>
@@ -8797,7 +8794,7 @@
               <a:buNone/>
             </a:pPr>
             <a:r>
-              <a:rPr lang="en-US" sz="1100" b="1" dirty="0">
+              <a:rPr lang="en-US" sz="1000" b="1" dirty="0">
                 <a:latin typeface="Consolas"/>
                 <a:cs typeface="Consolas"/>
               </a:rPr>
@@ -8809,35 +8806,35 @@
               <a:buNone/>
             </a:pPr>
             <a:r>
-              <a:rPr lang="en-US" sz="1100" b="1" dirty="0">
+              <a:rPr lang="en-US" sz="1000" b="1" dirty="0">
                 <a:latin typeface="Consolas"/>
                 <a:cs typeface="Consolas"/>
               </a:rPr>
               <a:t>		</a:t>
             </a:r>
             <a:r>
-              <a:rPr lang="en-US" sz="1100" b="1" dirty="0" err="1">
+              <a:rPr lang="en-US" sz="1000" b="1" dirty="0" err="1">
                 <a:latin typeface="Consolas"/>
                 <a:cs typeface="Consolas"/>
               </a:rPr>
               <a:t>celsiusTF</a:t>
             </a:r>
             <a:r>
-              <a:rPr lang="en-US" sz="1100" b="1" dirty="0">
+              <a:rPr lang="en-US" sz="1000" b="1" dirty="0">
                 <a:latin typeface="Consolas"/>
                 <a:cs typeface="Consolas"/>
               </a:rPr>
               <a:t> = new </a:t>
             </a:r>
             <a:r>
-              <a:rPr lang="en-US" sz="1100" b="1" dirty="0" err="1">
+              <a:rPr lang="en-US" sz="1000" b="1" dirty="0" err="1">
                 <a:latin typeface="Consolas"/>
                 <a:cs typeface="Consolas"/>
               </a:rPr>
               <a:t>JTextField</a:t>
             </a:r>
             <a:r>
-              <a:rPr lang="en-US" sz="1100" b="1" dirty="0">
+              <a:rPr lang="en-US" sz="1000" b="1" dirty="0">
                 <a:latin typeface="Consolas"/>
                 <a:cs typeface="Consolas"/>
               </a:rPr>
@@ -8849,35 +8846,35 @@
               <a:buNone/>
             </a:pPr>
             <a:r>
-              <a:rPr lang="en-US" sz="1100" b="1" dirty="0">
+              <a:rPr lang="en-US" sz="1000" b="1" dirty="0">
                 <a:latin typeface="Consolas"/>
                 <a:cs typeface="Consolas"/>
               </a:rPr>
               <a:t>		</a:t>
             </a:r>
             <a:r>
-              <a:rPr lang="en-US" sz="1100" b="1" dirty="0" err="1">
+              <a:rPr lang="en-US" sz="1000" b="1" dirty="0" err="1">
                 <a:latin typeface="Consolas"/>
                 <a:cs typeface="Consolas"/>
               </a:rPr>
               <a:t>fahrenheitTF</a:t>
             </a:r>
             <a:r>
-              <a:rPr lang="en-US" sz="1100" b="1" dirty="0">
+              <a:rPr lang="en-US" sz="1000" b="1" dirty="0">
                 <a:latin typeface="Consolas"/>
                 <a:cs typeface="Consolas"/>
               </a:rPr>
               <a:t> = new </a:t>
             </a:r>
             <a:r>
-              <a:rPr lang="en-US" sz="1100" b="1" dirty="0" err="1">
+              <a:rPr lang="en-US" sz="1000" b="1" dirty="0" err="1">
                 <a:latin typeface="Consolas"/>
                 <a:cs typeface="Consolas"/>
               </a:rPr>
               <a:t>JTextField</a:t>
             </a:r>
             <a:r>
-              <a:rPr lang="en-US" sz="1100" b="1" dirty="0">
+              <a:rPr lang="en-US" sz="1000" b="1" dirty="0">
                 <a:latin typeface="Consolas"/>
                 <a:cs typeface="Consolas"/>
               </a:rPr>
@@ -8889,35 +8886,35 @@
               <a:buNone/>
             </a:pPr>
             <a:r>
-              <a:rPr lang="en-US" sz="1100" b="1" dirty="0">
+              <a:rPr lang="en-US" sz="1000" b="1" dirty="0">
                 <a:latin typeface="Consolas"/>
                 <a:cs typeface="Consolas"/>
               </a:rPr>
               <a:t>		</a:t>
             </a:r>
             <a:r>
-              <a:rPr lang="en-US" sz="1100" b="1" dirty="0" err="1">
+              <a:rPr lang="en-US" sz="1000" b="1" dirty="0" err="1">
                 <a:latin typeface="Consolas"/>
                 <a:cs typeface="Consolas"/>
               </a:rPr>
               <a:t>CFButton</a:t>
             </a:r>
             <a:r>
-              <a:rPr lang="en-US" sz="1100" b="1" dirty="0">
+              <a:rPr lang="en-US" sz="1000" b="1" dirty="0">
                 <a:latin typeface="Consolas"/>
                 <a:cs typeface="Consolas"/>
               </a:rPr>
               <a:t> = new </a:t>
             </a:r>
             <a:r>
-              <a:rPr lang="en-US" sz="1100" b="1" dirty="0" err="1">
+              <a:rPr lang="en-US" sz="1000" b="1" dirty="0" err="1">
                 <a:latin typeface="Consolas"/>
                 <a:cs typeface="Consolas"/>
               </a:rPr>
               <a:t>JButton</a:t>
             </a:r>
             <a:r>
-              <a:rPr lang="en-US" sz="1100" b="1" dirty="0">
+              <a:rPr lang="en-US" sz="1000" b="1" dirty="0">
                 <a:latin typeface="Consolas"/>
                 <a:cs typeface="Consolas"/>
               </a:rPr>
@@ -8928,7 +8925,47 @@
             <a:pPr marL="0" indent="0">
               <a:buNone/>
             </a:pPr>
-            <a:endParaRPr lang="en-US" sz="1100" b="1" dirty="0">
+            <a:r>
+              <a:rPr lang="en-US" sz="1000" b="1" dirty="0">
+                <a:latin typeface="Consolas"/>
+                <a:cs typeface="Consolas"/>
+              </a:rPr>
+              <a:t>		</a:t>
+            </a:r>
+            <a:r>
+              <a:rPr lang="en-US" sz="1000" b="1" dirty="0" err="1">
+                <a:latin typeface="Consolas"/>
+                <a:cs typeface="Consolas"/>
+              </a:rPr>
+              <a:t>FCButton</a:t>
+            </a:r>
+            <a:r>
+              <a:rPr lang="en-US" sz="1000" b="1" dirty="0">
+                <a:latin typeface="Consolas"/>
+                <a:cs typeface="Consolas"/>
+              </a:rPr>
+              <a:t> = new </a:t>
+            </a:r>
+            <a:r>
+              <a:rPr lang="en-US" sz="1000" b="1" dirty="0" err="1">
+                <a:latin typeface="Consolas"/>
+                <a:cs typeface="Consolas"/>
+              </a:rPr>
+              <a:t>JButton</a:t>
+            </a:r>
+            <a:r>
+              <a:rPr lang="en-US" sz="1000" b="1" dirty="0">
+                <a:latin typeface="Consolas"/>
+                <a:cs typeface="Consolas"/>
+              </a:rPr>
+              <a:t>("°F-&gt;°C");</a:t>
+            </a:r>
+          </a:p>
+          <a:p>
+            <a:pPr marL="0" indent="0">
+              <a:buNone/>
+            </a:pPr>
+            <a:endParaRPr lang="en-US" sz="1000" b="1" dirty="0">
               <a:latin typeface="Consolas"/>
               <a:cs typeface="Consolas"/>
             </a:endParaRPr>
@@ -8938,35 +8975,35 @@
               <a:buNone/>
             </a:pPr>
             <a:r>
-              <a:rPr lang="en-US" sz="1100" b="1" dirty="0">
+              <a:rPr lang="en-US" sz="1000" b="1" dirty="0">
                 <a:latin typeface="Consolas"/>
                 <a:cs typeface="Consolas"/>
               </a:rPr>
               <a:t>		</a:t>
             </a:r>
             <a:r>
-              <a:rPr lang="en-US" sz="1100" b="1" dirty="0" err="1">
+              <a:rPr lang="en-US" sz="1000" b="1" dirty="0" err="1">
                 <a:latin typeface="Consolas"/>
                 <a:cs typeface="Consolas"/>
               </a:rPr>
               <a:t>JPanel</a:t>
             </a:r>
             <a:r>
-              <a:rPr lang="en-US" sz="1100" b="1" dirty="0">
+              <a:rPr lang="en-US" sz="1000" b="1" dirty="0">
                 <a:latin typeface="Consolas"/>
                 <a:cs typeface="Consolas"/>
               </a:rPr>
               <a:t> p1 = new </a:t>
             </a:r>
             <a:r>
-              <a:rPr lang="en-US" sz="1100" b="1" dirty="0" err="1">
+              <a:rPr lang="en-US" sz="1000" b="1" dirty="0" err="1">
                 <a:latin typeface="Consolas"/>
                 <a:cs typeface="Consolas"/>
               </a:rPr>
               <a:t>JPanel</a:t>
             </a:r>
             <a:r>
-              <a:rPr lang="en-US" sz="1100" b="1" dirty="0">
+              <a:rPr lang="en-US" sz="1000" b="1" dirty="0">
                 <a:latin typeface="Consolas"/>
                 <a:cs typeface="Consolas"/>
               </a:rPr>
@@ -8978,21 +9015,21 @@
               <a:buNone/>
             </a:pPr>
             <a:r>
-              <a:rPr lang="en-US" sz="1100" b="1" dirty="0">
+              <a:rPr lang="en-US" sz="1000" b="1" dirty="0">
                 <a:latin typeface="Consolas"/>
                 <a:cs typeface="Consolas"/>
               </a:rPr>
               <a:t>		p1.add(</a:t>
             </a:r>
             <a:r>
-              <a:rPr lang="en-US" sz="1100" b="1" dirty="0" err="1">
+              <a:rPr lang="en-US" sz="1000" b="1" dirty="0" err="1">
                 <a:latin typeface="Consolas"/>
                 <a:cs typeface="Consolas"/>
               </a:rPr>
               <a:t>celsiusTF</a:t>
             </a:r>
             <a:r>
-              <a:rPr lang="en-US" sz="1100" b="1" dirty="0">
+              <a:rPr lang="en-US" sz="1000" b="1" dirty="0">
                 <a:latin typeface="Consolas"/>
                 <a:cs typeface="Consolas"/>
               </a:rPr>
@@ -9004,21 +9041,21 @@
               <a:buNone/>
             </a:pPr>
             <a:r>
-              <a:rPr lang="en-US" sz="1100" b="1" dirty="0">
+              <a:rPr lang="en-US" sz="1000" b="1" dirty="0">
                 <a:latin typeface="Consolas"/>
                 <a:cs typeface="Consolas"/>
               </a:rPr>
               <a:t>		p1.add(new </a:t>
             </a:r>
             <a:r>
-              <a:rPr lang="en-US" sz="1100" b="1" dirty="0" err="1">
+              <a:rPr lang="en-US" sz="1000" b="1" dirty="0" err="1">
                 <a:latin typeface="Consolas"/>
                 <a:cs typeface="Consolas"/>
               </a:rPr>
               <a:t>JLabel</a:t>
             </a:r>
             <a:r>
-              <a:rPr lang="en-US" sz="1100" b="1" dirty="0">
+              <a:rPr lang="en-US" sz="1000" b="1" dirty="0">
                 <a:latin typeface="Consolas"/>
                 <a:cs typeface="Consolas"/>
               </a:rPr>
@@ -9030,21 +9067,21 @@
               <a:buNone/>
             </a:pPr>
             <a:r>
-              <a:rPr lang="en-US" sz="1100" b="1" dirty="0">
+              <a:rPr lang="en-US" sz="1000" b="1" dirty="0">
                 <a:latin typeface="Consolas"/>
                 <a:cs typeface="Consolas"/>
               </a:rPr>
               <a:t>		p1.add(</a:t>
             </a:r>
             <a:r>
-              <a:rPr lang="en-US" sz="1100" b="1" dirty="0" err="1">
+              <a:rPr lang="en-US" sz="1000" b="1" dirty="0" err="1">
                 <a:latin typeface="Consolas"/>
                 <a:cs typeface="Consolas"/>
               </a:rPr>
               <a:t>fahrenheitTF</a:t>
             </a:r>
             <a:r>
-              <a:rPr lang="en-US" sz="1100" b="1" dirty="0">
+              <a:rPr lang="en-US" sz="1000" b="1" dirty="0">
                 <a:latin typeface="Consolas"/>
                 <a:cs typeface="Consolas"/>
               </a:rPr>
@@ -9056,21 +9093,21 @@
               <a:buNone/>
             </a:pPr>
             <a:r>
-              <a:rPr lang="en-US" sz="1100" b="1" dirty="0">
+              <a:rPr lang="en-US" sz="1000" b="1" dirty="0">
                 <a:latin typeface="Consolas"/>
                 <a:cs typeface="Consolas"/>
               </a:rPr>
               <a:t>		p1.add(new </a:t>
             </a:r>
             <a:r>
-              <a:rPr lang="en-US" sz="1100" b="1" dirty="0" err="1">
+              <a:rPr lang="en-US" sz="1000" b="1" dirty="0" err="1">
                 <a:latin typeface="Consolas"/>
                 <a:cs typeface="Consolas"/>
               </a:rPr>
               <a:t>JLabel</a:t>
             </a:r>
             <a:r>
-              <a:rPr lang="en-US" sz="1100" b="1" dirty="0">
+              <a:rPr lang="en-US" sz="1000" b="1" dirty="0">
                 <a:latin typeface="Consolas"/>
                 <a:cs typeface="Consolas"/>
               </a:rPr>
@@ -9082,21 +9119,21 @@
               <a:buNone/>
             </a:pPr>
             <a:r>
-              <a:rPr lang="en-US" sz="1100" b="1" dirty="0">
+              <a:rPr lang="en-US" sz="1000" b="1" dirty="0">
                 <a:latin typeface="Consolas"/>
                 <a:cs typeface="Consolas"/>
               </a:rPr>
               <a:t>		p1.add(</a:t>
             </a:r>
             <a:r>
-              <a:rPr lang="en-US" sz="1100" b="1" dirty="0" err="1">
+              <a:rPr lang="en-US" sz="1000" b="1" dirty="0" err="1">
                 <a:latin typeface="Consolas"/>
                 <a:cs typeface="Consolas"/>
               </a:rPr>
               <a:t>CFButton</a:t>
             </a:r>
             <a:r>
-              <a:rPr lang="en-US" sz="1100" b="1" dirty="0">
+              <a:rPr lang="en-US" sz="1000" b="1" dirty="0">
                 <a:latin typeface="Consolas"/>
                 <a:cs typeface="Consolas"/>
               </a:rPr>
@@ -9107,7 +9144,33 @@
             <a:pPr marL="0" indent="0">
               <a:buNone/>
             </a:pPr>
-            <a:endParaRPr lang="en-US" sz="1100" b="1" dirty="0">
+            <a:r>
+              <a:rPr lang="en-US" sz="1000" b="1" dirty="0">
+                <a:latin typeface="Consolas"/>
+                <a:cs typeface="Consolas"/>
+              </a:rPr>
+              <a:t>		p1.add(</a:t>
+            </a:r>
+            <a:r>
+              <a:rPr lang="en-US" sz="1000" b="1" dirty="0" err="1">
+                <a:latin typeface="Consolas"/>
+                <a:cs typeface="Consolas"/>
+              </a:rPr>
+              <a:t>FCButton</a:t>
+            </a:r>
+            <a:r>
+              <a:rPr lang="en-US" sz="1000" b="1" dirty="0">
+                <a:latin typeface="Consolas"/>
+                <a:cs typeface="Consolas"/>
+              </a:rPr>
+              <a:t>);</a:t>
+            </a:r>
+          </a:p>
+          <a:p>
+            <a:pPr marL="0" indent="0">
+              <a:buNone/>
+            </a:pPr>
+            <a:endParaRPr lang="en-US" sz="1000" b="1" dirty="0">
               <a:latin typeface="Consolas"/>
               <a:cs typeface="Consolas"/>
             </a:endParaRPr>
@@ -9117,11 +9180,25 @@
               <a:buNone/>
             </a:pPr>
             <a:r>
-              <a:rPr lang="en-US" sz="1100" b="1" dirty="0">
-                <a:latin typeface="Consolas"/>
-                <a:cs typeface="Consolas"/>
-              </a:rPr>
-              <a:t>		add(p1);</a:t>
+              <a:rPr lang="en-US" sz="1000" b="1" dirty="0">
+                <a:latin typeface="Consolas"/>
+                <a:cs typeface="Consolas"/>
+              </a:rPr>
+              <a:t>		</a:t>
+            </a:r>
+            <a:r>
+              <a:rPr lang="en-US" sz="1000" b="1" dirty="0" err="1">
+                <a:latin typeface="Consolas"/>
+                <a:cs typeface="Consolas"/>
+              </a:rPr>
+              <a:t>setContentPane</a:t>
+            </a:r>
+            <a:r>
+              <a:rPr lang="en-US" sz="1000" b="1" dirty="0">
+                <a:latin typeface="Consolas"/>
+                <a:cs typeface="Consolas"/>
+              </a:rPr>
+              <a:t>(p1);</a:t>
             </a:r>
           </a:p>
           <a:p>
@@ -9129,35 +9206,35 @@
               <a:buNone/>
             </a:pPr>
             <a:r>
-              <a:rPr lang="en-US" sz="1100" b="1" dirty="0">
+              <a:rPr lang="en-US" sz="1000" b="1" dirty="0">
                 <a:latin typeface="Consolas"/>
                 <a:cs typeface="Consolas"/>
               </a:rPr>
               <a:t>		</a:t>
             </a:r>
             <a:r>
-              <a:rPr lang="en-US" sz="1100" b="1" dirty="0" err="1">
+              <a:rPr lang="en-US" sz="1000" b="1" dirty="0" err="1">
                 <a:latin typeface="Consolas"/>
                 <a:cs typeface="Consolas"/>
               </a:rPr>
               <a:t>setDefaultCloseOperation</a:t>
             </a:r>
             <a:r>
-              <a:rPr lang="en-US" sz="1100" b="1" dirty="0">
+              <a:rPr lang="en-US" sz="1000" b="1" dirty="0">
                 <a:latin typeface="Consolas"/>
                 <a:cs typeface="Consolas"/>
               </a:rPr>
               <a:t>(</a:t>
             </a:r>
             <a:r>
-              <a:rPr lang="en-US" sz="1100" b="1" dirty="0" err="1">
+              <a:rPr lang="en-US" sz="1000" b="1" dirty="0" err="1">
                 <a:latin typeface="Consolas"/>
                 <a:cs typeface="Consolas"/>
               </a:rPr>
               <a:t>WindowConstants.EXIT_ON_CLOSE</a:t>
             </a:r>
             <a:r>
-              <a:rPr lang="en-US" sz="1100" b="1" dirty="0">
+              <a:rPr lang="en-US" sz="1000" b="1" dirty="0">
                 <a:latin typeface="Consolas"/>
                 <a:cs typeface="Consolas"/>
               </a:rPr>
@@ -9169,25 +9246,25 @@
               <a:buNone/>
             </a:pPr>
             <a:r>
-              <a:rPr lang="en-US" sz="1100" b="1" dirty="0">
+              <a:rPr lang="en-US" sz="1000" b="1" dirty="0">
                 <a:latin typeface="Consolas"/>
                 <a:cs typeface="Consolas"/>
               </a:rPr>
               <a:t>		</a:t>
             </a:r>
             <a:r>
-              <a:rPr lang="en-US" sz="1100" b="1" dirty="0" err="1">
+              <a:rPr lang="en-US" sz="1000" b="1" dirty="0" err="1">
                 <a:latin typeface="Consolas"/>
                 <a:cs typeface="Consolas"/>
               </a:rPr>
               <a:t>setSize</a:t>
             </a:r>
             <a:r>
-              <a:rPr lang="en-US" sz="1100" b="1" dirty="0">
-                <a:latin typeface="Consolas"/>
-                <a:cs typeface="Consolas"/>
-              </a:rPr>
-              <a:t>(250, 75);</a:t>
+              <a:rPr lang="en-US" sz="1000" b="1" dirty="0">
+                <a:latin typeface="Consolas"/>
+                <a:cs typeface="Consolas"/>
+              </a:rPr>
+              <a:t>(350, 75);</a:t>
             </a:r>
           </a:p>
           <a:p>
@@ -9195,21 +9272,21 @@
               <a:buNone/>
             </a:pPr>
             <a:r>
-              <a:rPr lang="en-US" sz="1100" b="1" dirty="0">
+              <a:rPr lang="en-US" sz="1000" b="1" dirty="0">
                 <a:latin typeface="Consolas"/>
                 <a:cs typeface="Consolas"/>
               </a:rPr>
               <a:t>		</a:t>
             </a:r>
             <a:r>
-              <a:rPr lang="en-US" sz="1100" b="1" dirty="0" err="1">
+              <a:rPr lang="en-US" sz="1000" b="1" dirty="0" err="1">
                 <a:latin typeface="Consolas"/>
                 <a:cs typeface="Consolas"/>
               </a:rPr>
               <a:t>setVisible</a:t>
             </a:r>
             <a:r>
-              <a:rPr lang="en-US" sz="1100" b="1" dirty="0">
+              <a:rPr lang="en-US" sz="1000" b="1" dirty="0">
                 <a:latin typeface="Consolas"/>
                 <a:cs typeface="Consolas"/>
               </a:rPr>
@@ -9221,7 +9298,7 @@
               <a:buNone/>
             </a:pPr>
             <a:r>
-              <a:rPr lang="en-US" sz="1100" b="1" dirty="0">
+              <a:rPr lang="en-US" sz="1000" b="1" dirty="0">
                 <a:latin typeface="Consolas"/>
                 <a:cs typeface="Consolas"/>
               </a:rPr>
@@ -9233,7 +9310,7 @@
               <a:buNone/>
             </a:pPr>
             <a:r>
-              <a:rPr lang="en-US" sz="1100" b="1" dirty="0">
+              <a:rPr lang="en-US" sz="1000" b="1" dirty="0">
                 <a:latin typeface="Consolas"/>
                 <a:cs typeface="Consolas"/>
               </a:rPr>
@@ -9244,7 +9321,13 @@
       </p:sp>
       <p:pic>
         <p:nvPicPr>
-          <p:cNvPr id="6" name="Picture 5"/>
+          <p:cNvPr id="5" name="Picture 4">
+            <a:extLst>
+              <a:ext uri="{FF2B5EF4-FFF2-40B4-BE49-F238E27FC236}">
+                <a16:creationId xmlns:a16="http://schemas.microsoft.com/office/drawing/2014/main" id="{D859735C-D55B-5149-8FFD-0660FE1DA766}"/>
+              </a:ext>
+            </a:extLst>
+          </p:cNvPr>
           <p:cNvPicPr>
             <a:picLocks noChangeAspect="1"/>
           </p:cNvPicPr>
@@ -9258,8 +9341,8 @@
         </p:blipFill>
         <p:spPr>
           <a:xfrm>
-            <a:off x="4568638" y="3712493"/>
-            <a:ext cx="4118162" cy="1691495"/>
+            <a:off x="4572000" y="3112824"/>
+            <a:ext cx="4429684" cy="1703725"/>
           </a:xfrm>
           <a:prstGeom prst="rect">
             <a:avLst/>
@@ -9335,7 +9418,7 @@
         <p:spPr/>
         <p:txBody>
           <a:bodyPr>
-            <a:normAutofit fontScale="70000" lnSpcReduction="20000"/>
+            <a:normAutofit fontScale="62500" lnSpcReduction="20000"/>
           </a:bodyPr>
           <a:lstStyle/>
           <a:p>
@@ -9345,7 +9428,7 @@
                   <a:srgbClr val="E46C0A"/>
                 </a:solidFill>
               </a:rPr>
-              <a:t>setcontentpane</a:t>
+              <a:t>getContentPane</a:t>
             </a:r>
             <a:r>
               <a:rPr lang="en-US" dirty="0">
@@ -9353,6 +9436,39 @@
                   <a:srgbClr val="E46C0A"/>
                 </a:solidFill>
               </a:rPr>
+              <a:t>()</a:t>
+            </a:r>
+          </a:p>
+          <a:p>
+            <a:pPr lvl="1"/>
+            <a:r>
+              <a:rPr lang="en-US" dirty="0"/>
+              <a:t>retrieves the primary </a:t>
+            </a:r>
+            <a:r>
+              <a:rPr lang="en-US" dirty="0" err="1"/>
+              <a:t>JPanel</a:t>
+            </a:r>
+            <a:r>
+              <a:rPr lang="en-US" dirty="0"/>
+              <a:t> </a:t>
+            </a:r>
+          </a:p>
+          <a:p>
+            <a:r>
+              <a:rPr lang="en-US" dirty="0" err="1">
+                <a:solidFill>
+                  <a:srgbClr val="E46C0A"/>
+                </a:solidFill>
+              </a:rPr>
+              <a:t>setContentPane</a:t>
+            </a:r>
+            <a:r>
+              <a:rPr lang="en-US" dirty="0">
+                <a:solidFill>
+                  <a:srgbClr val="E46C0A"/>
+                </a:solidFill>
+              </a:rPr>
               <a:t>(Container c)</a:t>
             </a:r>
           </a:p>
@@ -9360,15 +9476,7 @@
             <a:pPr lvl="1"/>
             <a:r>
               <a:rPr lang="en-US" dirty="0"/>
-              <a:t>sets the </a:t>
-            </a:r>
-            <a:r>
-              <a:rPr lang="en-US" dirty="0" err="1"/>
-              <a:t>ContentPane</a:t>
-            </a:r>
-            <a:r>
-              <a:rPr lang="en-US" dirty="0"/>
-              <a:t>. It is a a secondary container, usually a </a:t>
+              <a:t>sets the primary </a:t>
             </a:r>
             <a:r>
               <a:rPr lang="en-US" dirty="0" err="1"/>
@@ -9392,13 +9500,16 @@
             <a:pPr lvl="1"/>
             <a:r>
               <a:rPr lang="en-US" dirty="0"/>
-              <a:t>add a component to </a:t>
+              <a:t>add a component to the primary </a:t>
             </a:r>
             <a:r>
               <a:rPr lang="en-US" dirty="0" err="1"/>
-              <a:t>ContentPane</a:t>
-            </a:r>
-            <a:endParaRPr lang="en-US" dirty="0"/>
+              <a:t>JPanel</a:t>
+            </a:r>
+            <a:r>
+              <a:rPr lang="en-US" dirty="0"/>
+              <a:t> </a:t>
+            </a:r>
           </a:p>
           <a:p>
             <a:r>
@@ -10091,6 +10202,361 @@
           </a:prstGeom>
         </p:spPr>
       </p:pic>
+      <p:sp>
+        <p:nvSpPr>
+          <p:cNvPr id="3" name="TextBox 2">
+            <a:extLst>
+              <a:ext uri="{FF2B5EF4-FFF2-40B4-BE49-F238E27FC236}">
+                <a16:creationId xmlns:a16="http://schemas.microsoft.com/office/drawing/2014/main" id="{3C508C5A-A945-AD4C-B52F-775042AEAB9C}"/>
+              </a:ext>
+            </a:extLst>
+          </p:cNvPr>
+          <p:cNvSpPr txBox="1"/>
+          <p:nvPr/>
+        </p:nvSpPr>
+        <p:spPr>
+          <a:xfrm>
+            <a:off x="4954772" y="1459218"/>
+            <a:ext cx="1130438" cy="369332"/>
+          </a:xfrm>
+          <a:prstGeom prst="rect">
+            <a:avLst/>
+          </a:prstGeom>
+          <a:noFill/>
+        </p:spPr>
+        <p:txBody>
+          <a:bodyPr wrap="none" rtlCol="0">
+            <a:spAutoFit/>
+          </a:bodyPr>
+          <a:lstStyle/>
+          <a:p>
+            <a:r>
+              <a:rPr lang="en-GB" dirty="0" err="1">
+                <a:solidFill>
+                  <a:srgbClr val="FF0000"/>
+                </a:solidFill>
+              </a:rPr>
+              <a:t>JMenuBar</a:t>
+            </a:r>
+            <a:endParaRPr lang="en-GB" dirty="0">
+              <a:solidFill>
+                <a:srgbClr val="FF0000"/>
+              </a:solidFill>
+            </a:endParaRPr>
+          </a:p>
+        </p:txBody>
+      </p:sp>
+      <p:sp>
+        <p:nvSpPr>
+          <p:cNvPr id="5" name="TextBox 4">
+            <a:extLst>
+              <a:ext uri="{FF2B5EF4-FFF2-40B4-BE49-F238E27FC236}">
+                <a16:creationId xmlns:a16="http://schemas.microsoft.com/office/drawing/2014/main" id="{29AD628E-1B92-B547-B9E2-268B91F26F0A}"/>
+              </a:ext>
+            </a:extLst>
+          </p:cNvPr>
+          <p:cNvSpPr txBox="1"/>
+          <p:nvPr/>
+        </p:nvSpPr>
+        <p:spPr>
+          <a:xfrm>
+            <a:off x="5645889" y="3966343"/>
+            <a:ext cx="1246560" cy="369332"/>
+          </a:xfrm>
+          <a:prstGeom prst="rect">
+            <a:avLst/>
+          </a:prstGeom>
+          <a:noFill/>
+        </p:spPr>
+        <p:txBody>
+          <a:bodyPr wrap="none" rtlCol="0">
+            <a:spAutoFit/>
+          </a:bodyPr>
+          <a:lstStyle/>
+          <a:p>
+            <a:r>
+              <a:rPr lang="en-GB" dirty="0" err="1">
+                <a:solidFill>
+                  <a:srgbClr val="FF0000"/>
+                </a:solidFill>
+              </a:rPr>
+              <a:t>JMenuItem</a:t>
+            </a:r>
+            <a:endParaRPr lang="en-GB" dirty="0">
+              <a:solidFill>
+                <a:srgbClr val="FF0000"/>
+              </a:solidFill>
+            </a:endParaRPr>
+          </a:p>
+        </p:txBody>
+      </p:sp>
+      <p:sp>
+        <p:nvSpPr>
+          <p:cNvPr id="6" name="TextBox 5">
+            <a:extLst>
+              <a:ext uri="{FF2B5EF4-FFF2-40B4-BE49-F238E27FC236}">
+                <a16:creationId xmlns:a16="http://schemas.microsoft.com/office/drawing/2014/main" id="{0B190C51-A4CB-1442-BF74-C36AF82E51B7}"/>
+              </a:ext>
+            </a:extLst>
+          </p:cNvPr>
+          <p:cNvSpPr txBox="1"/>
+          <p:nvPr/>
+        </p:nvSpPr>
+        <p:spPr>
+          <a:xfrm>
+            <a:off x="3129516" y="1464059"/>
+            <a:ext cx="814647" cy="369332"/>
+          </a:xfrm>
+          <a:prstGeom prst="rect">
+            <a:avLst/>
+          </a:prstGeom>
+          <a:noFill/>
+        </p:spPr>
+        <p:txBody>
+          <a:bodyPr wrap="none" rtlCol="0">
+            <a:spAutoFit/>
+          </a:bodyPr>
+          <a:lstStyle/>
+          <a:p>
+            <a:r>
+              <a:rPr lang="en-GB" dirty="0" err="1">
+                <a:solidFill>
+                  <a:srgbClr val="FF0000"/>
+                </a:solidFill>
+              </a:rPr>
+              <a:t>JMenu</a:t>
+            </a:r>
+            <a:endParaRPr lang="en-GB" dirty="0">
+              <a:solidFill>
+                <a:srgbClr val="FF0000"/>
+              </a:solidFill>
+            </a:endParaRPr>
+          </a:p>
+        </p:txBody>
+      </p:sp>
+      <p:cxnSp>
+        <p:nvCxnSpPr>
+          <p:cNvPr id="8" name="Straight Arrow Connector 7">
+            <a:extLst>
+              <a:ext uri="{FF2B5EF4-FFF2-40B4-BE49-F238E27FC236}">
+                <a16:creationId xmlns:a16="http://schemas.microsoft.com/office/drawing/2014/main" id="{7E168BC8-1DE4-EE4F-AE7F-746222E7EF9E}"/>
+              </a:ext>
+            </a:extLst>
+          </p:cNvPr>
+          <p:cNvCxnSpPr>
+            <a:stCxn id="3" idx="2"/>
+          </p:cNvCxnSpPr>
+          <p:nvPr/>
+        </p:nvCxnSpPr>
+        <p:spPr>
+          <a:xfrm>
+            <a:off x="5519991" y="1828550"/>
+            <a:ext cx="0" cy="701998"/>
+          </a:xfrm>
+          <a:prstGeom prst="straightConnector1">
+            <a:avLst/>
+          </a:prstGeom>
+          <a:ln>
+            <a:solidFill>
+              <a:srgbClr val="FF0000"/>
+            </a:solidFill>
+            <a:tailEnd type="triangle"/>
+          </a:ln>
+        </p:spPr>
+        <p:style>
+          <a:lnRef idx="2">
+            <a:schemeClr val="accent1"/>
+          </a:lnRef>
+          <a:fillRef idx="0">
+            <a:schemeClr val="accent1"/>
+          </a:fillRef>
+          <a:effectRef idx="1">
+            <a:schemeClr val="accent1"/>
+          </a:effectRef>
+          <a:fontRef idx="minor">
+            <a:schemeClr val="tx1"/>
+          </a:fontRef>
+        </p:style>
+      </p:cxnSp>
+      <p:cxnSp>
+        <p:nvCxnSpPr>
+          <p:cNvPr id="9" name="Straight Arrow Connector 8">
+            <a:extLst>
+              <a:ext uri="{FF2B5EF4-FFF2-40B4-BE49-F238E27FC236}">
+                <a16:creationId xmlns:a16="http://schemas.microsoft.com/office/drawing/2014/main" id="{084817AD-FE7A-F840-BDAC-72438B049574}"/>
+              </a:ext>
+            </a:extLst>
+          </p:cNvPr>
+          <p:cNvCxnSpPr>
+            <a:cxnSpLocks/>
+            <a:stCxn id="6" idx="2"/>
+          </p:cNvCxnSpPr>
+          <p:nvPr/>
+        </p:nvCxnSpPr>
+        <p:spPr>
+          <a:xfrm flipH="1">
+            <a:off x="2743200" y="1833391"/>
+            <a:ext cx="793640" cy="580200"/>
+          </a:xfrm>
+          <a:prstGeom prst="straightConnector1">
+            <a:avLst/>
+          </a:prstGeom>
+          <a:ln>
+            <a:solidFill>
+              <a:srgbClr val="FF0000"/>
+            </a:solidFill>
+            <a:tailEnd type="triangle"/>
+          </a:ln>
+        </p:spPr>
+        <p:style>
+          <a:lnRef idx="2">
+            <a:schemeClr val="accent1"/>
+          </a:lnRef>
+          <a:fillRef idx="0">
+            <a:schemeClr val="accent1"/>
+          </a:fillRef>
+          <a:effectRef idx="1">
+            <a:schemeClr val="accent1"/>
+          </a:effectRef>
+          <a:fontRef idx="minor">
+            <a:schemeClr val="tx1"/>
+          </a:fontRef>
+        </p:style>
+      </p:cxnSp>
+      <p:cxnSp>
+        <p:nvCxnSpPr>
+          <p:cNvPr id="12" name="Straight Arrow Connector 11">
+            <a:extLst>
+              <a:ext uri="{FF2B5EF4-FFF2-40B4-BE49-F238E27FC236}">
+                <a16:creationId xmlns:a16="http://schemas.microsoft.com/office/drawing/2014/main" id="{C41A299F-54F0-D14C-88CA-CC0D0B51D760}"/>
+              </a:ext>
+            </a:extLst>
+          </p:cNvPr>
+          <p:cNvCxnSpPr>
+            <a:cxnSpLocks/>
+            <a:stCxn id="6" idx="2"/>
+          </p:cNvCxnSpPr>
+          <p:nvPr/>
+        </p:nvCxnSpPr>
+        <p:spPr>
+          <a:xfrm flipH="1">
+            <a:off x="1817321" y="1833391"/>
+            <a:ext cx="1719519" cy="580200"/>
+          </a:xfrm>
+          <a:prstGeom prst="straightConnector1">
+            <a:avLst/>
+          </a:prstGeom>
+          <a:ln>
+            <a:solidFill>
+              <a:srgbClr val="FF0000"/>
+            </a:solidFill>
+            <a:tailEnd type="triangle"/>
+          </a:ln>
+        </p:spPr>
+        <p:style>
+          <a:lnRef idx="2">
+            <a:schemeClr val="accent1"/>
+          </a:lnRef>
+          <a:fillRef idx="0">
+            <a:schemeClr val="accent1"/>
+          </a:fillRef>
+          <a:effectRef idx="1">
+            <a:schemeClr val="accent1"/>
+          </a:effectRef>
+          <a:fontRef idx="minor">
+            <a:schemeClr val="tx1"/>
+          </a:fontRef>
+        </p:style>
+      </p:cxnSp>
+      <p:cxnSp>
+        <p:nvCxnSpPr>
+          <p:cNvPr id="15" name="Straight Arrow Connector 14">
+            <a:extLst>
+              <a:ext uri="{FF2B5EF4-FFF2-40B4-BE49-F238E27FC236}">
+                <a16:creationId xmlns:a16="http://schemas.microsoft.com/office/drawing/2014/main" id="{AD3ECE19-EA42-3241-A8D8-B17DA225C156}"/>
+              </a:ext>
+            </a:extLst>
+          </p:cNvPr>
+          <p:cNvCxnSpPr>
+            <a:cxnSpLocks/>
+            <a:stCxn id="5" idx="1"/>
+          </p:cNvCxnSpPr>
+          <p:nvPr/>
+        </p:nvCxnSpPr>
+        <p:spPr>
+          <a:xfrm flipH="1" flipV="1">
+            <a:off x="3763926" y="2838893"/>
+            <a:ext cx="1881963" cy="1312116"/>
+          </a:xfrm>
+          <a:prstGeom prst="straightConnector1">
+            <a:avLst/>
+          </a:prstGeom>
+          <a:ln>
+            <a:solidFill>
+              <a:srgbClr val="FF0000"/>
+            </a:solidFill>
+            <a:tailEnd type="triangle"/>
+          </a:ln>
+        </p:spPr>
+        <p:style>
+          <a:lnRef idx="2">
+            <a:schemeClr val="accent1"/>
+          </a:lnRef>
+          <a:fillRef idx="0">
+            <a:schemeClr val="accent1"/>
+          </a:fillRef>
+          <a:effectRef idx="1">
+            <a:schemeClr val="accent1"/>
+          </a:effectRef>
+          <a:fontRef idx="minor">
+            <a:schemeClr val="tx1"/>
+          </a:fontRef>
+        </p:style>
+      </p:cxnSp>
+      <p:cxnSp>
+        <p:nvCxnSpPr>
+          <p:cNvPr id="20" name="Straight Arrow Connector 19">
+            <a:extLst>
+              <a:ext uri="{FF2B5EF4-FFF2-40B4-BE49-F238E27FC236}">
+                <a16:creationId xmlns:a16="http://schemas.microsoft.com/office/drawing/2014/main" id="{D9FDF7B9-2B5C-0E4D-838E-D98A82582DCE}"/>
+              </a:ext>
+            </a:extLst>
+          </p:cNvPr>
+          <p:cNvCxnSpPr>
+            <a:cxnSpLocks/>
+          </p:cNvCxnSpPr>
+          <p:nvPr/>
+        </p:nvCxnSpPr>
+        <p:spPr>
+          <a:xfrm flipH="1">
+            <a:off x="3370523" y="4151009"/>
+            <a:ext cx="2275367" cy="1127450"/>
+          </a:xfrm>
+          <a:prstGeom prst="straightConnector1">
+            <a:avLst/>
+          </a:prstGeom>
+          <a:ln>
+            <a:solidFill>
+              <a:srgbClr val="FF0000"/>
+            </a:solidFill>
+            <a:tailEnd type="triangle"/>
+          </a:ln>
+        </p:spPr>
+        <p:style>
+          <a:lnRef idx="2">
+            <a:schemeClr val="accent1"/>
+          </a:lnRef>
+          <a:fillRef idx="0">
+            <a:schemeClr val="accent1"/>
+          </a:fillRef>
+          <a:effectRef idx="1">
+            <a:schemeClr val="accent1"/>
+          </a:effectRef>
+          <a:fontRef idx="minor">
+            <a:schemeClr val="tx1"/>
+          </a:fontRef>
+        </p:style>
+      </p:cxnSp>
     </p:spTree>
     <p:extLst>
       <p:ext uri="{BB962C8B-B14F-4D97-AF65-F5344CB8AC3E}">
@@ -10172,32 +10638,13 @@
             <a:r>
               <a:rPr lang="en-US" dirty="0">
                 <a:solidFill>
-                  <a:srgbClr val="E46C0A"/>
-                </a:solidFill>
-              </a:rPr>
-              <a:t>Three components </a:t>
-            </a:r>
-            <a:r>
-              <a:rPr lang="en-US" dirty="0"/>
-              <a:t>are involved in a </a:t>
-            </a:r>
-            <a:r>
-              <a:rPr lang="en-US" dirty="0">
-                <a:solidFill>
                   <a:schemeClr val="accent6">
                     <a:lumMod val="75000"/>
                   </a:schemeClr>
                 </a:solidFill>
               </a:rPr>
-              <a:t>hierarchical fashion</a:t>
-            </a:r>
-            <a:r>
-              <a:rPr lang="en-US" dirty="0"/>
-              <a:t>: </a:t>
-            </a:r>
-          </a:p>
-          <a:p>
-            <a:pPr lvl="1"/>
+              <a:t>In composing menus, three components are hierarchically involved: </a:t>
+            </a:r>
             <a:r>
               <a:rPr lang="en-US" dirty="0" err="1"/>
               <a:t>JMenuBar</a:t>
@@ -10618,8 +11065,8 @@
           <a:lstStyle/>
           <a:p>
             <a:r>
-              <a:rPr lang="en-US" dirty="0"/>
-              <a:t>Applications need to provide information, advise the user, etc.</a:t>
+              <a:rPr lang="en-US" sz="2800" dirty="0"/>
+              <a:t>Applications need to provide information, feedback and advise to their users!</a:t>
             </a:r>
           </a:p>
           <a:p>
@@ -10709,7 +11156,7 @@
         </p:blipFill>
         <p:spPr>
           <a:xfrm>
-            <a:off x="5533514" y="2566799"/>
+            <a:off x="5607945" y="2683762"/>
             <a:ext cx="2552700" cy="1162050"/>
           </a:xfrm>
           <a:prstGeom prst="rect">
@@ -10793,7 +11240,7 @@
                   <a:srgbClr val="E46C0A"/>
                 </a:solidFill>
               </a:rPr>
-              <a:t>Dialogs are a better choice than instantiating other </a:t>
+              <a:t>Dialogs are a better choice than instantiating multiple </a:t>
             </a:r>
             <a:r>
               <a:rPr lang="en-US" dirty="0" err="1">
@@ -10839,7 +11286,15 @@
             </a:r>
             <a:r>
               <a:rPr lang="en-US" dirty="0"/>
-              <a:t>, even though the majority is done using helper classes (e.g., </a:t>
+              <a:t>, and can be generally composed following the same guidelines seen for </a:t>
+            </a:r>
+            <a:r>
+              <a:rPr lang="en-US" dirty="0" err="1"/>
+              <a:t>JFrames</a:t>
+            </a:r>
+            <a:r>
+              <a:rPr lang="en-US" dirty="0"/>
+              <a:t>. Nevertheless, the majority is built automatically using helper classes (e.g., </a:t>
             </a:r>
             <a:r>
               <a:rPr lang="en-US" dirty="0" err="1">
@@ -10996,10 +11451,8 @@
             </a:r>
             <a:r>
               <a:rPr lang="en-US" sz="2800" dirty="0"/>
-              <a:t> provides support for laying out standard dialogs, providing icons, specifying the dialog title and text, and customizing the button text.</a:t>
-            </a:r>
-          </a:p>
-          <a:p>
+              <a:t> provides support for laying out standard dialogs with icons, buttons, title and text.</a:t>
+            </a:r>
             <a:endParaRPr lang="en-US" dirty="0"/>
           </a:p>
         </p:txBody>
@@ -11159,19 +11612,13 @@
         <p:spPr/>
         <p:txBody>
           <a:bodyPr>
-            <a:normAutofit fontScale="92500"/>
+            <a:normAutofit lnSpcReduction="10000"/>
           </a:bodyPr>
           <a:lstStyle/>
           <a:p>
             <a:r>
               <a:rPr lang="en-US" dirty="0"/>
-              <a:t>Displays a modal dialog with the specified buttons, icons, message, title, and so on. With this method, you can change the text that appears on the buttons of standard dialogs. You can also perform many other kinds</a:t>
-            </a:r>
-          </a:p>
-          <a:p>
-            <a:r>
-              <a:rPr lang="en-US" dirty="0"/>
-              <a:t>of customization.</a:t>
+              <a:t>Displays a modal dialog with the specified buttons, icons, message, title, and so on. With this method, you can change the text that appears on the buttons of standard dialogs. You can also perform many other kinds of customization.</a:t>
             </a:r>
           </a:p>
           <a:p>
@@ -11510,21 +11957,7 @@
             <a:pPr lvl="1"/>
             <a:r>
               <a:rPr lang="en-US" dirty="0"/>
-              <a:t>Event management:</a:t>
-            </a:r>
-          </a:p>
-          <a:p>
-            <a:pPr lvl="2"/>
-            <a:r>
-              <a:rPr lang="en-US" dirty="0"/>
-              <a:t>System-generated events</a:t>
-            </a:r>
-          </a:p>
-          <a:p>
-            <a:pPr lvl="2"/>
-            <a:r>
-              <a:rPr lang="en-US" dirty="0"/>
-              <a:t>UI-generated events</a:t>
+              <a:t>Event management</a:t>
             </a:r>
           </a:p>
           <a:p>
@@ -11601,7 +12034,9 @@
         </p:nvSpPr>
         <p:spPr/>
         <p:txBody>
-          <a:bodyPr/>
+          <a:bodyPr>
+            <a:normAutofit/>
+          </a:bodyPr>
           <a:lstStyle/>
           <a:p>
             <a:r>
@@ -11610,35 +12045,168 @@
             </a:r>
           </a:p>
           <a:p>
-            <a:pPr lvl="1"/>
-            <a:r>
-              <a:rPr lang="en-US" sz="1800" dirty="0" err="1">
-                <a:latin typeface="Consolas"/>
-                <a:cs typeface="Consolas"/>
+            <a:pPr marL="0" indent="0">
+              <a:buNone/>
+            </a:pPr>
+            <a:r>
+              <a:rPr lang="it-IT" sz="2000" dirty="0" err="1">
+                <a:latin typeface="Consolas" panose="020B0609020204030204" pitchFamily="49" charset="0"/>
+                <a:cs typeface="Consolas" panose="020B0609020204030204" pitchFamily="49" charset="0"/>
+              </a:rPr>
+              <a:t>JFileChooser</a:t>
+            </a:r>
+            <a:r>
+              <a:rPr lang="it-IT" sz="2000" dirty="0">
+                <a:latin typeface="Consolas" panose="020B0609020204030204" pitchFamily="49" charset="0"/>
+                <a:cs typeface="Consolas" panose="020B0609020204030204" pitchFamily="49" charset="0"/>
+              </a:rPr>
+              <a:t> open = new </a:t>
+            </a:r>
+            <a:r>
+              <a:rPr lang="it-IT" sz="2000" dirty="0" err="1">
+                <a:latin typeface="Consolas" panose="020B0609020204030204" pitchFamily="49" charset="0"/>
+                <a:cs typeface="Consolas" panose="020B0609020204030204" pitchFamily="49" charset="0"/>
+              </a:rPr>
+              <a:t>JFileChooser</a:t>
+            </a:r>
+            <a:r>
+              <a:rPr lang="it-IT" sz="2000" dirty="0">
+                <a:latin typeface="Consolas" panose="020B0609020204030204" pitchFamily="49" charset="0"/>
+                <a:cs typeface="Consolas" panose="020B0609020204030204" pitchFamily="49" charset="0"/>
+              </a:rPr>
+              <a:t>(); </a:t>
+            </a:r>
+          </a:p>
+          <a:p>
+            <a:pPr marL="0" indent="0">
+              <a:buNone/>
+            </a:pPr>
+            <a:r>
+              <a:rPr lang="it-IT" sz="2000" dirty="0" err="1">
+                <a:latin typeface="Consolas" panose="020B0609020204030204" pitchFamily="49" charset="0"/>
+                <a:cs typeface="Consolas" panose="020B0609020204030204" pitchFamily="49" charset="0"/>
               </a:rPr>
               <a:t>int</a:t>
             </a:r>
             <a:r>
-              <a:rPr lang="en-US" sz="1800" dirty="0">
-                <a:latin typeface="Consolas"/>
-                <a:cs typeface="Consolas"/>
-              </a:rPr>
-              <a:t> result = </a:t>
-            </a:r>
-            <a:r>
-              <a:rPr lang="en-US" sz="1800" dirty="0" err="1">
-                <a:latin typeface="Consolas"/>
-                <a:cs typeface="Consolas"/>
-              </a:rPr>
-              <a:t>fileChooser.showOpenDialog</a:t>
-            </a:r>
-            <a:r>
-              <a:rPr lang="en-US" sz="1800" dirty="0">
-                <a:latin typeface="Consolas"/>
-                <a:cs typeface="Consolas"/>
-              </a:rPr>
-              <a:t>(Component parent); </a:t>
-            </a:r>
+              <a:rPr lang="it-IT" sz="2000" dirty="0">
+                <a:latin typeface="Consolas" panose="020B0609020204030204" pitchFamily="49" charset="0"/>
+                <a:cs typeface="Consolas" panose="020B0609020204030204" pitchFamily="49" charset="0"/>
+              </a:rPr>
+              <a:t> option = </a:t>
+            </a:r>
+            <a:r>
+              <a:rPr lang="it-IT" sz="2000" dirty="0" err="1">
+                <a:latin typeface="Consolas" panose="020B0609020204030204" pitchFamily="49" charset="0"/>
+                <a:cs typeface="Consolas" panose="020B0609020204030204" pitchFamily="49" charset="0"/>
+              </a:rPr>
+              <a:t>open.showOpenDialog</a:t>
+            </a:r>
+            <a:r>
+              <a:rPr lang="it-IT" sz="2000" dirty="0">
+                <a:latin typeface="Consolas" panose="020B0609020204030204" pitchFamily="49" charset="0"/>
+                <a:cs typeface="Consolas" panose="020B0609020204030204" pitchFamily="49" charset="0"/>
+              </a:rPr>
+              <a:t>(</a:t>
+            </a:r>
+            <a:r>
+              <a:rPr lang="it-IT" sz="2000" dirty="0" err="1">
+                <a:latin typeface="Consolas" panose="020B0609020204030204" pitchFamily="49" charset="0"/>
+                <a:cs typeface="Consolas" panose="020B0609020204030204" pitchFamily="49" charset="0"/>
+              </a:rPr>
+              <a:t>this</a:t>
+            </a:r>
+            <a:r>
+              <a:rPr lang="it-IT" sz="2000" dirty="0">
+                <a:latin typeface="Consolas" panose="020B0609020204030204" pitchFamily="49" charset="0"/>
+                <a:cs typeface="Consolas" panose="020B0609020204030204" pitchFamily="49" charset="0"/>
+              </a:rPr>
+              <a:t>); </a:t>
+            </a:r>
+          </a:p>
+          <a:p>
+            <a:pPr marL="0" indent="0">
+              <a:buNone/>
+            </a:pPr>
+            <a:r>
+              <a:rPr lang="it-IT" sz="2000" dirty="0" err="1">
+                <a:latin typeface="Consolas" panose="020B0609020204030204" pitchFamily="49" charset="0"/>
+                <a:cs typeface="Consolas" panose="020B0609020204030204" pitchFamily="49" charset="0"/>
+              </a:rPr>
+              <a:t>if</a:t>
+            </a:r>
+            <a:r>
+              <a:rPr lang="it-IT" sz="2000" dirty="0">
+                <a:latin typeface="Consolas" panose="020B0609020204030204" pitchFamily="49" charset="0"/>
+                <a:cs typeface="Consolas" panose="020B0609020204030204" pitchFamily="49" charset="0"/>
+              </a:rPr>
+              <a:t> (option == </a:t>
+            </a:r>
+            <a:r>
+              <a:rPr lang="it-IT" sz="2000" dirty="0" err="1">
+                <a:latin typeface="Consolas" panose="020B0609020204030204" pitchFamily="49" charset="0"/>
+                <a:cs typeface="Consolas" panose="020B0609020204030204" pitchFamily="49" charset="0"/>
+              </a:rPr>
+              <a:t>JFileChooser.</a:t>
+            </a:r>
+            <a:r>
+              <a:rPr lang="it-IT" sz="2000" i="1" dirty="0" err="1">
+                <a:latin typeface="Consolas" panose="020B0609020204030204" pitchFamily="49" charset="0"/>
+                <a:cs typeface="Consolas" panose="020B0609020204030204" pitchFamily="49" charset="0"/>
+              </a:rPr>
+              <a:t>APPROVE_OPTION</a:t>
+            </a:r>
+            <a:r>
+              <a:rPr lang="it-IT" sz="2000" dirty="0">
+                <a:latin typeface="Consolas" panose="020B0609020204030204" pitchFamily="49" charset="0"/>
+                <a:cs typeface="Consolas" panose="020B0609020204030204" pitchFamily="49" charset="0"/>
+              </a:rPr>
+              <a:t>) {</a:t>
+            </a:r>
+          </a:p>
+          <a:p>
+            <a:pPr marL="0" indent="0">
+              <a:buNone/>
+            </a:pPr>
+            <a:r>
+              <a:rPr lang="it-IT" sz="2000" dirty="0">
+                <a:latin typeface="Consolas" panose="020B0609020204030204" pitchFamily="49" charset="0"/>
+                <a:cs typeface="Consolas" panose="020B0609020204030204" pitchFamily="49" charset="0"/>
+              </a:rPr>
+              <a:t>	/* do </a:t>
+            </a:r>
+            <a:r>
+              <a:rPr lang="it-IT" sz="2000" dirty="0" err="1">
+                <a:latin typeface="Consolas" panose="020B0609020204030204" pitchFamily="49" charset="0"/>
+                <a:cs typeface="Consolas" panose="020B0609020204030204" pitchFamily="49" charset="0"/>
+              </a:rPr>
+              <a:t>stuff</a:t>
+            </a:r>
+            <a:r>
+              <a:rPr lang="it-IT" sz="2000" dirty="0">
+                <a:latin typeface="Consolas" panose="020B0609020204030204" pitchFamily="49" charset="0"/>
+                <a:cs typeface="Consolas" panose="020B0609020204030204" pitchFamily="49" charset="0"/>
+              </a:rPr>
+              <a:t> */</a:t>
+            </a:r>
+          </a:p>
+          <a:p>
+            <a:pPr marL="0" indent="0">
+              <a:buNone/>
+            </a:pPr>
+            <a:r>
+              <a:rPr lang="it-IT" sz="2000" dirty="0">
+                <a:latin typeface="Consolas" panose="020B0609020204030204" pitchFamily="49" charset="0"/>
+                <a:cs typeface="Consolas" panose="020B0609020204030204" pitchFamily="49" charset="0"/>
+              </a:rPr>
+              <a:t>}</a:t>
+            </a:r>
+          </a:p>
+          <a:p>
+            <a:pPr marL="0" indent="0">
+              <a:buNone/>
+            </a:pPr>
+            <a:endParaRPr lang="en-US" dirty="0"/>
           </a:p>
         </p:txBody>
       </p:sp>
@@ -11664,8 +12232,8 @@
         </p:blipFill>
         <p:spPr>
           <a:xfrm>
-            <a:off x="3040118" y="2678509"/>
-            <a:ext cx="5646682" cy="3963332"/>
+            <a:off x="4040372" y="3380575"/>
+            <a:ext cx="4646428" cy="3261266"/>
           </a:xfrm>
           <a:prstGeom prst="rect">
             <a:avLst/>
@@ -11748,7 +12316,9 @@
             </a:r>
           </a:p>
           <a:p>
-            <a:pPr lvl="1"/>
+            <a:pPr marL="457200" lvl="1" indent="0">
+              <a:buNone/>
+            </a:pPr>
             <a:r>
               <a:rPr lang="en-US" sz="2000" dirty="0">
                 <a:latin typeface="Consolas"/>
@@ -11905,11 +12475,11 @@
                   </a:schemeClr>
                 </a:solidFill>
               </a:rPr>
-              <a:t>Java runs to many different platforms. </a:t>
-            </a:r>
-            <a:r>
-              <a:rPr lang="en-US" dirty="0"/>
-              <a:t>Android, for example, runs on either 65” TVs or 6” smartphones (very different screen size!)</a:t>
+              <a:t>Java runs on many different platforms. </a:t>
+            </a:r>
+            <a:r>
+              <a:rPr lang="en-US" dirty="0"/>
+              <a:t>Android Apps which are programmed in Java, for example, run on either 65” TVs or 6” smartphones (very different screen size!)</a:t>
             </a:r>
           </a:p>
         </p:txBody>
@@ -11966,7 +12536,7 @@
         </p:blipFill>
         <p:spPr>
           <a:xfrm>
-            <a:off x="5230729" y="4212416"/>
+            <a:off x="5230729" y="4435699"/>
             <a:ext cx="2933700" cy="2438400"/>
           </a:xfrm>
           <a:prstGeom prst="rect">
@@ -12044,7 +12614,13 @@
           <a:lstStyle/>
           <a:p>
             <a:r>
-              <a:rPr lang="en-US" sz="2800" dirty="0"/>
+              <a:rPr lang="en-US" sz="2800" dirty="0">
+                <a:solidFill>
+                  <a:schemeClr val="accent6">
+                    <a:lumMod val="75000"/>
+                  </a:schemeClr>
+                </a:solidFill>
+              </a:rPr>
               <a:t>A layout manager determines the disposal of the components in a container</a:t>
             </a:r>
           </a:p>
@@ -12069,11 +12645,23 @@
           </a:p>
           <a:p>
             <a:r>
-              <a:rPr lang="en-US" sz="2800" dirty="0" err="1"/>
+              <a:rPr lang="en-US" sz="2800" dirty="0" err="1">
+                <a:solidFill>
+                  <a:schemeClr val="accent6">
+                    <a:lumMod val="75000"/>
+                  </a:schemeClr>
+                </a:solidFill>
+              </a:rPr>
               <a:t>JPanels</a:t>
             </a:r>
             <a:r>
-              <a:rPr lang="en-US" sz="2800" dirty="0"/>
+              <a:rPr lang="en-US" sz="2800" dirty="0">
+                <a:solidFill>
+                  <a:schemeClr val="accent6">
+                    <a:lumMod val="75000"/>
+                  </a:schemeClr>
+                </a:solidFill>
+              </a:rPr>
               <a:t> are containers supporting layouts</a:t>
             </a:r>
           </a:p>
@@ -12081,7 +12669,7 @@
             <a:pPr lvl="1"/>
             <a:r>
               <a:rPr lang="en-US" sz="2400" dirty="0"/>
-              <a:t>Different panels can have different layout managers</a:t>
+              <a:t>Different panels can have different layouts</a:t>
             </a:r>
           </a:p>
           <a:p>
@@ -12093,6 +12681,14 @@
             <a:r>
               <a:rPr lang="en-US" sz="2400" dirty="0" err="1"/>
               <a:t>JPanel</a:t>
+            </a:r>
+            <a:r>
+              <a:rPr lang="en-US" sz="2400" dirty="0"/>
+              <a:t> via the </a:t>
+            </a:r>
+            <a:r>
+              <a:rPr lang="en-US" sz="2400" dirty="0" err="1"/>
+              <a:t>Jpanel</a:t>
             </a:r>
             <a:r>
               <a:rPr lang="en-US" sz="2400" dirty="0"/>
@@ -12579,7 +13175,7 @@
             <a:pPr lvl="1"/>
             <a:r>
               <a:rPr lang="en-US" dirty="0"/>
-              <a:t>align: Alignment of basis (</a:t>
+              <a:t>align: Alignment (</a:t>
             </a:r>
             <a:r>
               <a:rPr lang="en-US" dirty="0" err="1"/>
@@ -12784,8 +13380,18 @@
           <a:lstStyle/>
           <a:p>
             <a:r>
-              <a:rPr lang="en-US" dirty="0"/>
-              <a:t>Splits into five areas (PAGE_START, PAGE_END, LINE_START, LINE_END, CENTER). </a:t>
+              <a:rPr lang="en-US" dirty="0">
+                <a:solidFill>
+                  <a:schemeClr val="accent6">
+                    <a:lumMod val="75000"/>
+                  </a:schemeClr>
+                </a:solidFill>
+              </a:rPr>
+              <a:t>Splits a container into five areas </a:t>
+            </a:r>
+            <a:r>
+              <a:rPr lang="en-US" dirty="0"/>
+              <a:t>(PAGE_START, PAGE_END, LINE_START, LINE_END, CENTER). </a:t>
             </a:r>
           </a:p>
           <a:p>
@@ -12931,6 +13537,11 @@
             </a:r>
             <a:r>
               <a:rPr lang="en-US" sz="2400" dirty="0" err="1">
+                <a:solidFill>
+                  <a:schemeClr val="accent6">
+                    <a:lumMod val="75000"/>
+                  </a:schemeClr>
+                </a:solidFill>
                 <a:latin typeface="Consolas"/>
                 <a:cs typeface="Consolas"/>
               </a:rPr>
@@ -12978,6 +13589,11 @@
             </a:r>
             <a:r>
               <a:rPr lang="en-US" sz="2400" dirty="0" err="1">
+                <a:solidFill>
+                  <a:schemeClr val="accent6">
+                    <a:lumMod val="75000"/>
+                  </a:schemeClr>
+                </a:solidFill>
                 <a:latin typeface="Consolas"/>
                 <a:cs typeface="Consolas"/>
               </a:rPr>
@@ -13164,12 +13780,18 @@
         <p:spPr/>
         <p:txBody>
           <a:bodyPr>
-            <a:normAutofit fontScale="85000" lnSpcReduction="10000"/>
+            <a:normAutofit fontScale="85000" lnSpcReduction="20000"/>
           </a:bodyPr>
           <a:lstStyle/>
           <a:p>
             <a:r>
-              <a:rPr lang="en-US" dirty="0"/>
+              <a:rPr lang="en-US" dirty="0">
+                <a:solidFill>
+                  <a:schemeClr val="accent6">
+                    <a:lumMod val="75000"/>
+                  </a:schemeClr>
+                </a:solidFill>
+              </a:rPr>
               <a:t>Splits the visual area in a grid of rows and columns </a:t>
             </a:r>
           </a:p>
@@ -13177,7 +13799,7 @@
             <a:pPr lvl="1"/>
             <a:r>
               <a:rPr lang="en-US" dirty="0"/>
-              <a:t>Starts from the box in the top left</a:t>
+              <a:t>Starts filling from the top-left cell</a:t>
             </a:r>
           </a:p>
           <a:p>
@@ -13314,7 +13936,14 @@
             <a:pPr lvl="1"/>
             <a:r>
               <a:rPr lang="en-US" dirty="0"/>
-              <a:t>rows: number of row; cols: number of columns;</a:t>
+              <a:t>rows: number of row</a:t>
+            </a:r>
+          </a:p>
+          <a:p>
+            <a:pPr lvl="1"/>
+            <a:r>
+              <a:rPr lang="en-US" dirty="0"/>
+              <a:t>cols: number of columns</a:t>
             </a:r>
           </a:p>
           <a:p>
@@ -13718,7 +14347,7 @@
                 <a:latin typeface="Consolas"/>
                 <a:cs typeface="Consolas"/>
               </a:rPr>
-              <a:t> pane = new </a:t>
+              <a:t> p = new </a:t>
             </a:r>
             <a:r>
               <a:rPr lang="en-US" sz="2200" dirty="0" err="1">
@@ -13850,7 +14479,7 @@
                 <a:latin typeface="Consolas"/>
                 <a:cs typeface="Consolas"/>
               </a:rPr>
-              <a:t>pane.add</a:t>
+              <a:t>p.add</a:t>
             </a:r>
             <a:r>
               <a:rPr lang="en-US" sz="2200" dirty="0">
@@ -13951,24 +14580,24 @@
           <a:lstStyle/>
           <a:p>
             <a:r>
-              <a:rPr lang="en-US" sz="2800" dirty="0" err="1"/>
+              <a:rPr lang="en-US" sz="2200" dirty="0" err="1"/>
               <a:t>CardLayout</a:t>
             </a:r>
             <a:r>
-              <a:rPr lang="en-US" sz="2800" dirty="0"/>
-              <a:t> allows to have different panels in the frame, but only one showed at time</a:t>
+              <a:rPr lang="en-US" sz="2200" dirty="0"/>
+              <a:t> allows to have different panels in one frame, but only one showed at time</a:t>
             </a:r>
           </a:p>
           <a:p>
             <a:pPr lvl="1"/>
             <a:r>
-              <a:rPr lang="en-US" sz="2400" dirty="0"/>
-              <a:t>￼￼￼￼￼the panels are called cards</a:t>
-            </a:r>
-          </a:p>
-          <a:p>
-            <a:r>
-              <a:rPr lang="en-US" sz="2800" dirty="0"/>
+              <a:rPr lang="en-US" sz="2200" dirty="0"/>
+              <a:t>Panels are called cards</a:t>
+            </a:r>
+          </a:p>
+          <a:p>
+            <a:r>
+              <a:rPr lang="en-US" sz="2200" dirty="0"/>
               <a:t>Methodology:</a:t>
             </a:r>
           </a:p>
@@ -13977,42 +14606,42 @@
               <a:buNone/>
             </a:pPr>
             <a:r>
-              <a:rPr lang="en-US" sz="2400" dirty="0" err="1">
+              <a:rPr lang="en-US" sz="2200" dirty="0" err="1">
                 <a:latin typeface="Consolas"/>
                 <a:cs typeface="Consolas"/>
               </a:rPr>
               <a:t>JPanel</a:t>
             </a:r>
             <a:r>
-              <a:rPr lang="en-US" sz="2400" dirty="0">
+              <a:rPr lang="en-US" sz="2200" dirty="0">
                 <a:latin typeface="Consolas"/>
                 <a:cs typeface="Consolas"/>
               </a:rPr>
               <a:t> p = new </a:t>
             </a:r>
             <a:r>
-              <a:rPr lang="en-US" sz="2400" dirty="0" err="1">
+              <a:rPr lang="en-US" sz="2200" dirty="0" err="1">
                 <a:latin typeface="Consolas"/>
                 <a:cs typeface="Consolas"/>
               </a:rPr>
               <a:t>JPanel</a:t>
             </a:r>
             <a:r>
-              <a:rPr lang="en-US" sz="2400" dirty="0">
+              <a:rPr lang="en-US" sz="2200" dirty="0">
                 <a:latin typeface="Consolas"/>
                 <a:cs typeface="Consolas"/>
               </a:rPr>
               <a:t>(new </a:t>
             </a:r>
             <a:r>
-              <a:rPr lang="en-US" sz="2400" dirty="0" err="1">
+              <a:rPr lang="en-US" sz="2200" dirty="0" err="1">
                 <a:latin typeface="Consolas"/>
                 <a:cs typeface="Consolas"/>
               </a:rPr>
               <a:t>CardLayout</a:t>
             </a:r>
             <a:r>
-              <a:rPr lang="en-US" sz="2400" dirty="0">
+              <a:rPr lang="en-US" sz="2200" dirty="0">
                 <a:latin typeface="Consolas"/>
                 <a:cs typeface="Consolas"/>
               </a:rPr>
@@ -14024,28 +14653,28 @@
               <a:buNone/>
             </a:pPr>
             <a:r>
-              <a:rPr lang="en-US" sz="2400" dirty="0" err="1">
+              <a:rPr lang="en-US" sz="2200" dirty="0" err="1">
                 <a:latin typeface="Consolas"/>
                 <a:cs typeface="Consolas"/>
               </a:rPr>
               <a:t>p.add</a:t>
             </a:r>
             <a:r>
-              <a:rPr lang="en-US" sz="2400" dirty="0">
+              <a:rPr lang="en-US" sz="2200" dirty="0">
                 <a:latin typeface="Consolas"/>
                 <a:cs typeface="Consolas"/>
               </a:rPr>
               <a:t>(“Panel1”, new </a:t>
             </a:r>
             <a:r>
-              <a:rPr lang="en-US" sz="2400" dirty="0" err="1">
+              <a:rPr lang="en-US" sz="2200" dirty="0" err="1">
                 <a:latin typeface="Consolas"/>
                 <a:cs typeface="Consolas"/>
               </a:rPr>
               <a:t>JPanel</a:t>
             </a:r>
             <a:r>
-              <a:rPr lang="en-US" sz="2400" dirty="0">
+              <a:rPr lang="en-US" sz="2200" dirty="0">
                 <a:latin typeface="Consolas"/>
                 <a:cs typeface="Consolas"/>
               </a:rPr>
@@ -14057,28 +14686,28 @@
               <a:buNone/>
             </a:pPr>
             <a:r>
-              <a:rPr lang="en-US" sz="2400" dirty="0" err="1">
+              <a:rPr lang="en-US" sz="2200" dirty="0" err="1">
                 <a:latin typeface="Consolas"/>
                 <a:cs typeface="Consolas"/>
               </a:rPr>
               <a:t>p.add</a:t>
             </a:r>
             <a:r>
-              <a:rPr lang="en-US" sz="2400" dirty="0">
+              <a:rPr lang="en-US" sz="2200" dirty="0">
                 <a:latin typeface="Consolas"/>
                 <a:cs typeface="Consolas"/>
               </a:rPr>
               <a:t>(“Panel2”, new </a:t>
             </a:r>
             <a:r>
-              <a:rPr lang="en-US" sz="2400" dirty="0" err="1">
+              <a:rPr lang="en-US" sz="2200" dirty="0" err="1">
                 <a:latin typeface="Consolas"/>
                 <a:cs typeface="Consolas"/>
               </a:rPr>
               <a:t>JPanel</a:t>
             </a:r>
             <a:r>
-              <a:rPr lang="en-US" sz="2400" dirty="0">
+              <a:rPr lang="en-US" sz="2200" dirty="0">
                 <a:latin typeface="Consolas"/>
                 <a:cs typeface="Consolas"/>
               </a:rPr>
@@ -14089,7 +14718,7 @@
             <a:pPr marL="457200" lvl="1" indent="0">
               <a:buNone/>
             </a:pPr>
-            <a:endParaRPr lang="en-US" sz="2400" dirty="0"/>
+            <a:endParaRPr lang="en-US" sz="2200" dirty="0"/>
           </a:p>
         </p:txBody>
       </p:sp>
@@ -14115,7 +14744,7 @@
         </p:blipFill>
         <p:spPr>
           <a:xfrm>
-            <a:off x="1848516" y="4982873"/>
+            <a:off x="1742189" y="4770217"/>
             <a:ext cx="7200900" cy="1562100"/>
           </a:xfrm>
           <a:prstGeom prst="rect">
@@ -14382,7 +15011,7 @@
           <a:p>
             <a:r>
               <a:rPr lang="en-US" dirty="0"/>
-              <a:t>Events are classified by </a:t>
+              <a:t>Events are classified by a </a:t>
             </a:r>
             <a:r>
               <a:rPr lang="en-US" dirty="0">
@@ -14392,7 +15021,27 @@
                   </a:schemeClr>
                 </a:solidFill>
               </a:rPr>
-              <a:t>type </a:t>
+              <a:t>subtype of </a:t>
+            </a:r>
+            <a:r>
+              <a:rPr lang="en-US" dirty="0" err="1">
+                <a:solidFill>
+                  <a:schemeClr val="accent6">
+                    <a:lumMod val="75000"/>
+                  </a:schemeClr>
+                </a:solidFill>
+              </a:rPr>
+              <a:t>AWTEvent</a:t>
+            </a:r>
+            <a:r>
+              <a:rPr lang="en-US" dirty="0">
+                <a:solidFill>
+                  <a:schemeClr val="accent6">
+                    <a:lumMod val="75000"/>
+                  </a:schemeClr>
+                </a:solidFill>
+              </a:rPr>
+              <a:t> </a:t>
             </a:r>
           </a:p>
           <a:p>
@@ -14486,7 +15135,7 @@
             </a:r>
             <a:r>
               <a:rPr lang="en-US" dirty="0"/>
-              <a:t>(the event is passed as a parameter)</a:t>
+              <a:t>(the event is passed to listeners as a parameter)</a:t>
             </a:r>
           </a:p>
           <a:p>
@@ -14738,7 +15387,13 @@
           <a:p>
             <a:r>
               <a:rPr lang="en-US" dirty="0"/>
-              <a:t>Events are organized by type and need specific listeners</a:t>
+              <a:t>Events are organized by type </a:t>
+            </a:r>
+          </a:p>
+          <a:p>
+            <a:r>
+              <a:rPr lang="en-US" dirty="0"/>
+              <a:t>Events need specific listener methods </a:t>
             </a:r>
           </a:p>
           <a:p>
@@ -14818,47 +15473,1076 @@
         </p:nvSpPr>
         <p:spPr/>
         <p:txBody>
+          <a:bodyPr/>
+          <a:lstStyle/>
+          <a:p>
+            <a:r>
+              <a:rPr lang="en-US" dirty="0"/>
+              <a:t>A complete example</a:t>
+            </a:r>
+          </a:p>
+        </p:txBody>
+      </p:sp>
+      <p:sp>
+        <p:nvSpPr>
+          <p:cNvPr id="3" name="Content Placeholder 2"/>
+          <p:cNvSpPr>
+            <a:spLocks noGrp="1"/>
+          </p:cNvSpPr>
+          <p:nvPr>
+            <p:ph idx="1"/>
+          </p:nvPr>
+        </p:nvSpPr>
+        <p:spPr/>
+        <p:txBody>
           <a:bodyPr>
-            <a:normAutofit/>
+            <a:noAutofit/>
           </a:bodyPr>
           <a:lstStyle/>
           <a:p>
-            <a:r>
-              <a:rPr lang="en-US" dirty="0"/>
-              <a:t>“selection” and “activation”</a:t>
-            </a:r>
+            <a:pPr marL="0" indent="0">
+              <a:buNone/>
+            </a:pPr>
+            <a:r>
+              <a:rPr lang="en-US" sz="800" dirty="0">
+                <a:latin typeface="Consolas"/>
+                <a:cs typeface="Consolas"/>
+              </a:rPr>
+              <a:t>public class </a:t>
+            </a:r>
+            <a:r>
+              <a:rPr lang="en-US" sz="800" dirty="0" err="1">
+                <a:latin typeface="Consolas"/>
+                <a:cs typeface="Consolas"/>
+              </a:rPr>
+              <a:t>CelsiusConverterFull</a:t>
+            </a:r>
+            <a:r>
+              <a:rPr lang="en-US" sz="800" dirty="0">
+                <a:latin typeface="Consolas"/>
+                <a:cs typeface="Consolas"/>
+              </a:rPr>
+              <a:t> extends </a:t>
+            </a:r>
+            <a:r>
+              <a:rPr lang="en-US" sz="800" dirty="0" err="1">
+                <a:latin typeface="Consolas"/>
+                <a:cs typeface="Consolas"/>
+              </a:rPr>
+              <a:t>JFrame</a:t>
+            </a:r>
+            <a:r>
+              <a:rPr lang="en-US" sz="800" dirty="0">
+                <a:latin typeface="Consolas"/>
+                <a:cs typeface="Consolas"/>
+              </a:rPr>
+              <a:t> </a:t>
+            </a:r>
+            <a:r>
+              <a:rPr lang="en-US" sz="800" dirty="0">
+                <a:solidFill>
+                  <a:schemeClr val="accent6">
+                    <a:lumMod val="75000"/>
+                  </a:schemeClr>
+                </a:solidFill>
+                <a:latin typeface="Consolas"/>
+                <a:cs typeface="Consolas"/>
+              </a:rPr>
+              <a:t>implements ActionListener </a:t>
+            </a:r>
+            <a:r>
+              <a:rPr lang="en-US" sz="800" dirty="0">
+                <a:latin typeface="Consolas"/>
+                <a:cs typeface="Consolas"/>
+              </a:rPr>
+              <a:t>{</a:t>
+            </a:r>
+          </a:p>
+          <a:p>
+            <a:pPr marL="0" indent="0">
+              <a:buNone/>
+            </a:pPr>
+            <a:r>
+              <a:rPr lang="en-US" sz="800" dirty="0">
+                <a:latin typeface="Consolas"/>
+                <a:cs typeface="Consolas"/>
+              </a:rPr>
+              <a:t>	private </a:t>
+            </a:r>
+            <a:r>
+              <a:rPr lang="en-US" sz="800" dirty="0" err="1">
+                <a:latin typeface="Consolas"/>
+                <a:cs typeface="Consolas"/>
+              </a:rPr>
+              <a:t>JButton</a:t>
+            </a:r>
+            <a:r>
+              <a:rPr lang="en-US" sz="800" dirty="0">
+                <a:latin typeface="Consolas"/>
+                <a:cs typeface="Consolas"/>
+              </a:rPr>
+              <a:t> </a:t>
+            </a:r>
+            <a:r>
+              <a:rPr lang="en-US" sz="800" dirty="0" err="1">
+                <a:latin typeface="Consolas"/>
+                <a:cs typeface="Consolas"/>
+              </a:rPr>
+              <a:t>CFButton</a:t>
+            </a:r>
+            <a:r>
+              <a:rPr lang="en-US" sz="800" dirty="0">
+                <a:latin typeface="Consolas"/>
+                <a:cs typeface="Consolas"/>
+              </a:rPr>
+              <a:t>;</a:t>
+            </a:r>
+          </a:p>
+          <a:p>
+            <a:pPr marL="0" indent="0">
+              <a:buNone/>
+            </a:pPr>
+            <a:r>
+              <a:rPr lang="en-US" sz="800" dirty="0">
+                <a:latin typeface="Consolas"/>
+                <a:cs typeface="Consolas"/>
+              </a:rPr>
+              <a:t>	private </a:t>
+            </a:r>
+            <a:r>
+              <a:rPr lang="en-US" sz="800" dirty="0" err="1">
+                <a:latin typeface="Consolas"/>
+                <a:cs typeface="Consolas"/>
+              </a:rPr>
+              <a:t>JButton</a:t>
+            </a:r>
+            <a:r>
+              <a:rPr lang="en-US" sz="800" dirty="0">
+                <a:latin typeface="Consolas"/>
+                <a:cs typeface="Consolas"/>
+              </a:rPr>
+              <a:t> </a:t>
+            </a:r>
+            <a:r>
+              <a:rPr lang="en-US" sz="800" dirty="0" err="1">
+                <a:latin typeface="Consolas"/>
+                <a:cs typeface="Consolas"/>
+              </a:rPr>
+              <a:t>FCButton</a:t>
+            </a:r>
+            <a:r>
+              <a:rPr lang="en-US" sz="800" dirty="0">
+                <a:latin typeface="Consolas"/>
+                <a:cs typeface="Consolas"/>
+              </a:rPr>
+              <a:t>;</a:t>
+            </a:r>
+          </a:p>
+          <a:p>
+            <a:pPr marL="0" indent="0">
+              <a:buNone/>
+            </a:pPr>
+            <a:r>
+              <a:rPr lang="en-US" sz="800" dirty="0">
+                <a:latin typeface="Consolas"/>
+                <a:cs typeface="Consolas"/>
+              </a:rPr>
+              <a:t>	private </a:t>
+            </a:r>
+            <a:r>
+              <a:rPr lang="en-US" sz="800" dirty="0" err="1">
+                <a:latin typeface="Consolas"/>
+                <a:cs typeface="Consolas"/>
+              </a:rPr>
+              <a:t>JTextField</a:t>
+            </a:r>
+            <a:r>
+              <a:rPr lang="en-US" sz="800" dirty="0">
+                <a:latin typeface="Consolas"/>
+                <a:cs typeface="Consolas"/>
+              </a:rPr>
+              <a:t> </a:t>
+            </a:r>
+            <a:r>
+              <a:rPr lang="en-US" sz="800" dirty="0" err="1">
+                <a:latin typeface="Consolas"/>
+                <a:cs typeface="Consolas"/>
+              </a:rPr>
+              <a:t>fahrenheitTF</a:t>
+            </a:r>
+            <a:r>
+              <a:rPr lang="en-US" sz="800" dirty="0">
+                <a:latin typeface="Consolas"/>
+                <a:cs typeface="Consolas"/>
+              </a:rPr>
+              <a:t>;</a:t>
+            </a:r>
+          </a:p>
+          <a:p>
+            <a:pPr marL="0" indent="0">
+              <a:buNone/>
+            </a:pPr>
+            <a:r>
+              <a:rPr lang="en-US" sz="800" dirty="0">
+                <a:latin typeface="Consolas"/>
+                <a:cs typeface="Consolas"/>
+              </a:rPr>
+              <a:t>	private </a:t>
+            </a:r>
+            <a:r>
+              <a:rPr lang="en-US" sz="800" dirty="0" err="1">
+                <a:latin typeface="Consolas"/>
+                <a:cs typeface="Consolas"/>
+              </a:rPr>
+              <a:t>JTextField</a:t>
+            </a:r>
+            <a:r>
+              <a:rPr lang="en-US" sz="800" dirty="0">
+                <a:latin typeface="Consolas"/>
+                <a:cs typeface="Consolas"/>
+              </a:rPr>
+              <a:t> </a:t>
+            </a:r>
+            <a:r>
+              <a:rPr lang="en-US" sz="800" dirty="0" err="1">
+                <a:latin typeface="Consolas"/>
+                <a:cs typeface="Consolas"/>
+              </a:rPr>
+              <a:t>celsiusTF</a:t>
+            </a:r>
+            <a:r>
+              <a:rPr lang="en-US" sz="800" dirty="0">
+                <a:latin typeface="Consolas"/>
+                <a:cs typeface="Consolas"/>
+              </a:rPr>
+              <a:t>;</a:t>
+            </a:r>
+          </a:p>
+          <a:p>
+            <a:pPr marL="0" indent="0">
+              <a:buNone/>
+            </a:pPr>
+            <a:endParaRPr lang="en-US" sz="800" dirty="0">
+              <a:latin typeface="Consolas"/>
+              <a:cs typeface="Consolas"/>
+            </a:endParaRPr>
+          </a:p>
+          <a:p>
+            <a:pPr marL="0" indent="0">
+              <a:buNone/>
+            </a:pPr>
+            <a:r>
+              <a:rPr lang="en-US" sz="800" dirty="0">
+                <a:latin typeface="Consolas"/>
+                <a:cs typeface="Consolas"/>
+              </a:rPr>
+              <a:t>	public </a:t>
+            </a:r>
+            <a:r>
+              <a:rPr lang="en-US" sz="800" dirty="0" err="1">
+                <a:latin typeface="Consolas"/>
+                <a:cs typeface="Consolas"/>
+              </a:rPr>
+              <a:t>CelsiusConverterFull</a:t>
+            </a:r>
+            <a:r>
+              <a:rPr lang="en-US" sz="800" dirty="0">
+                <a:latin typeface="Consolas"/>
+                <a:cs typeface="Consolas"/>
+              </a:rPr>
+              <a:t>() {</a:t>
+            </a:r>
+          </a:p>
+          <a:p>
+            <a:pPr marL="0" indent="0">
+              <a:buNone/>
+            </a:pPr>
+            <a:r>
+              <a:rPr lang="en-US" sz="800" dirty="0">
+                <a:latin typeface="Consolas"/>
+                <a:cs typeface="Consolas"/>
+              </a:rPr>
+              <a:t>		super("Celsius Converter");</a:t>
+            </a:r>
+          </a:p>
+          <a:p>
+            <a:pPr marL="0" indent="0">
+              <a:buNone/>
+            </a:pPr>
+            <a:r>
+              <a:rPr lang="en-US" sz="800" dirty="0">
+                <a:latin typeface="Consolas"/>
+                <a:cs typeface="Consolas"/>
+              </a:rPr>
+              <a:t>		</a:t>
+            </a:r>
+            <a:r>
+              <a:rPr lang="en-US" sz="800" dirty="0" err="1">
+                <a:latin typeface="Consolas"/>
+                <a:cs typeface="Consolas"/>
+              </a:rPr>
+              <a:t>celsiusTF</a:t>
+            </a:r>
+            <a:r>
+              <a:rPr lang="en-US" sz="800" dirty="0">
+                <a:latin typeface="Consolas"/>
+                <a:cs typeface="Consolas"/>
+              </a:rPr>
+              <a:t> = new </a:t>
+            </a:r>
+            <a:r>
+              <a:rPr lang="en-US" sz="800" dirty="0" err="1">
+                <a:latin typeface="Consolas"/>
+                <a:cs typeface="Consolas"/>
+              </a:rPr>
+              <a:t>JTextField</a:t>
+            </a:r>
+            <a:r>
+              <a:rPr lang="en-US" sz="800" dirty="0">
+                <a:latin typeface="Consolas"/>
+                <a:cs typeface="Consolas"/>
+              </a:rPr>
+              <a:t>("0");</a:t>
+            </a:r>
+          </a:p>
+          <a:p>
+            <a:pPr marL="0" indent="0">
+              <a:buNone/>
+            </a:pPr>
+            <a:r>
+              <a:rPr lang="en-US" sz="800" dirty="0">
+                <a:latin typeface="Consolas"/>
+                <a:cs typeface="Consolas"/>
+              </a:rPr>
+              <a:t>		</a:t>
+            </a:r>
+            <a:r>
+              <a:rPr lang="en-US" sz="800" dirty="0" err="1">
+                <a:latin typeface="Consolas"/>
+                <a:cs typeface="Consolas"/>
+              </a:rPr>
+              <a:t>fahrenheitTF</a:t>
+            </a:r>
+            <a:r>
+              <a:rPr lang="en-US" sz="800" dirty="0">
+                <a:latin typeface="Consolas"/>
+                <a:cs typeface="Consolas"/>
+              </a:rPr>
+              <a:t> = new </a:t>
+            </a:r>
+            <a:r>
+              <a:rPr lang="en-US" sz="800" dirty="0" err="1">
+                <a:latin typeface="Consolas"/>
+                <a:cs typeface="Consolas"/>
+              </a:rPr>
+              <a:t>JTextField</a:t>
+            </a:r>
+            <a:r>
+              <a:rPr lang="en-US" sz="800" dirty="0">
+                <a:latin typeface="Consolas"/>
+                <a:cs typeface="Consolas"/>
+              </a:rPr>
+              <a:t>("32");</a:t>
+            </a:r>
+          </a:p>
+          <a:p>
+            <a:pPr marL="0" indent="0">
+              <a:buNone/>
+            </a:pPr>
+            <a:r>
+              <a:rPr lang="en-US" sz="800" dirty="0">
+                <a:latin typeface="Consolas"/>
+                <a:cs typeface="Consolas"/>
+              </a:rPr>
+              <a:t>		</a:t>
+            </a:r>
+            <a:r>
+              <a:rPr lang="en-US" sz="800" dirty="0" err="1">
+                <a:latin typeface="Consolas"/>
+                <a:cs typeface="Consolas"/>
+              </a:rPr>
+              <a:t>CFButton</a:t>
+            </a:r>
+            <a:r>
+              <a:rPr lang="en-US" sz="800" dirty="0">
+                <a:latin typeface="Consolas"/>
+                <a:cs typeface="Consolas"/>
+              </a:rPr>
+              <a:t> = new </a:t>
+            </a:r>
+            <a:r>
+              <a:rPr lang="en-US" sz="800" dirty="0" err="1">
+                <a:latin typeface="Consolas"/>
+                <a:cs typeface="Consolas"/>
+              </a:rPr>
+              <a:t>JButton</a:t>
+            </a:r>
+            <a:r>
+              <a:rPr lang="en-US" sz="800" dirty="0">
+                <a:latin typeface="Consolas"/>
+                <a:cs typeface="Consolas"/>
+              </a:rPr>
+              <a:t>("°C-&gt;°F");</a:t>
+            </a:r>
+          </a:p>
+          <a:p>
+            <a:pPr marL="0" indent="0">
+              <a:buNone/>
+            </a:pPr>
+            <a:r>
+              <a:rPr lang="en-US" sz="800" dirty="0">
+                <a:latin typeface="Consolas"/>
+                <a:cs typeface="Consolas"/>
+              </a:rPr>
+              <a:t>		</a:t>
+            </a:r>
+            <a:r>
+              <a:rPr lang="en-US" sz="800" dirty="0" err="1">
+                <a:latin typeface="Consolas"/>
+                <a:cs typeface="Consolas"/>
+              </a:rPr>
+              <a:t>CFButton.addActionListener</a:t>
+            </a:r>
+            <a:r>
+              <a:rPr lang="en-US" sz="800" dirty="0">
+                <a:latin typeface="Consolas"/>
+                <a:cs typeface="Consolas"/>
+              </a:rPr>
+              <a:t>(this);</a:t>
+            </a:r>
+          </a:p>
+          <a:p>
+            <a:pPr marL="0" indent="0">
+              <a:buNone/>
+            </a:pPr>
+            <a:r>
+              <a:rPr lang="en-US" sz="800" dirty="0">
+                <a:latin typeface="Consolas"/>
+                <a:cs typeface="Consolas"/>
+              </a:rPr>
+              <a:t>		</a:t>
+            </a:r>
+            <a:r>
+              <a:rPr lang="en-US" sz="800" dirty="0" err="1">
+                <a:latin typeface="Consolas"/>
+                <a:cs typeface="Consolas"/>
+              </a:rPr>
+              <a:t>FCButton</a:t>
+            </a:r>
+            <a:r>
+              <a:rPr lang="en-US" sz="800" dirty="0">
+                <a:latin typeface="Consolas"/>
+                <a:cs typeface="Consolas"/>
+              </a:rPr>
+              <a:t> = new </a:t>
+            </a:r>
+            <a:r>
+              <a:rPr lang="en-US" sz="800" dirty="0" err="1">
+                <a:latin typeface="Consolas"/>
+                <a:cs typeface="Consolas"/>
+              </a:rPr>
+              <a:t>JButton</a:t>
+            </a:r>
+            <a:r>
+              <a:rPr lang="en-US" sz="800" dirty="0">
+                <a:latin typeface="Consolas"/>
+                <a:cs typeface="Consolas"/>
+              </a:rPr>
+              <a:t>("°F-&gt;°C");</a:t>
+            </a:r>
+          </a:p>
+          <a:p>
+            <a:pPr marL="0" indent="0">
+              <a:buNone/>
+            </a:pPr>
+            <a:r>
+              <a:rPr lang="en-US" sz="800" dirty="0">
+                <a:latin typeface="Consolas"/>
+                <a:cs typeface="Consolas"/>
+              </a:rPr>
+              <a:t>		</a:t>
+            </a:r>
+            <a:r>
+              <a:rPr lang="en-US" sz="800" dirty="0" err="1">
+                <a:latin typeface="Consolas"/>
+                <a:cs typeface="Consolas"/>
+              </a:rPr>
+              <a:t>FCButton.addActionListener</a:t>
+            </a:r>
+            <a:r>
+              <a:rPr lang="en-US" sz="800" dirty="0">
+                <a:latin typeface="Consolas"/>
+                <a:cs typeface="Consolas"/>
+              </a:rPr>
+              <a:t>(this);</a:t>
+            </a:r>
+          </a:p>
+          <a:p>
+            <a:pPr marL="0" indent="0">
+              <a:buNone/>
+            </a:pPr>
+            <a:endParaRPr lang="en-US" sz="800" dirty="0">
+              <a:latin typeface="Consolas"/>
+              <a:cs typeface="Consolas"/>
+            </a:endParaRPr>
+          </a:p>
+          <a:p>
+            <a:pPr marL="0" indent="0">
+              <a:buNone/>
+            </a:pPr>
+            <a:r>
+              <a:rPr lang="en-US" sz="800" dirty="0">
+                <a:latin typeface="Consolas"/>
+                <a:cs typeface="Consolas"/>
+              </a:rPr>
+              <a:t>		</a:t>
+            </a:r>
+            <a:r>
+              <a:rPr lang="en-US" sz="800" dirty="0" err="1">
+                <a:latin typeface="Consolas"/>
+                <a:cs typeface="Consolas"/>
+              </a:rPr>
+              <a:t>JPanel</a:t>
+            </a:r>
+            <a:r>
+              <a:rPr lang="en-US" sz="800" dirty="0">
+                <a:latin typeface="Consolas"/>
+                <a:cs typeface="Consolas"/>
+              </a:rPr>
+              <a:t> p1 = new </a:t>
+            </a:r>
+            <a:r>
+              <a:rPr lang="en-US" sz="800" dirty="0" err="1">
+                <a:latin typeface="Consolas"/>
+                <a:cs typeface="Consolas"/>
+              </a:rPr>
+              <a:t>JPanel</a:t>
+            </a:r>
+            <a:r>
+              <a:rPr lang="en-US" sz="800" dirty="0">
+                <a:latin typeface="Consolas"/>
+                <a:cs typeface="Consolas"/>
+              </a:rPr>
+              <a:t>(new </a:t>
+            </a:r>
+            <a:r>
+              <a:rPr lang="en-US" sz="800" dirty="0" err="1">
+                <a:latin typeface="Consolas"/>
+                <a:cs typeface="Consolas"/>
+              </a:rPr>
+              <a:t>GridLayout</a:t>
+            </a:r>
+            <a:r>
+              <a:rPr lang="en-US" sz="800" dirty="0">
+                <a:latin typeface="Consolas"/>
+                <a:cs typeface="Consolas"/>
+              </a:rPr>
+              <a:t>(2, 2));</a:t>
+            </a:r>
+          </a:p>
+          <a:p>
+            <a:pPr marL="0" indent="0">
+              <a:buNone/>
+            </a:pPr>
+            <a:r>
+              <a:rPr lang="en-US" sz="800" dirty="0">
+                <a:latin typeface="Consolas"/>
+                <a:cs typeface="Consolas"/>
+              </a:rPr>
+              <a:t>		p1.add(</a:t>
+            </a:r>
+            <a:r>
+              <a:rPr lang="en-US" sz="800" dirty="0" err="1">
+                <a:latin typeface="Consolas"/>
+                <a:cs typeface="Consolas"/>
+              </a:rPr>
+              <a:t>celsiusTF</a:t>
+            </a:r>
+            <a:r>
+              <a:rPr lang="en-US" sz="800" dirty="0">
+                <a:latin typeface="Consolas"/>
+                <a:cs typeface="Consolas"/>
+              </a:rPr>
+              <a:t>); p1.add(new </a:t>
+            </a:r>
+            <a:r>
+              <a:rPr lang="en-US" sz="800" dirty="0" err="1">
+                <a:latin typeface="Consolas"/>
+                <a:cs typeface="Consolas"/>
+              </a:rPr>
+              <a:t>JLabel</a:t>
+            </a:r>
+            <a:r>
+              <a:rPr lang="en-US" sz="800" dirty="0">
+                <a:latin typeface="Consolas"/>
+                <a:cs typeface="Consolas"/>
+              </a:rPr>
+              <a:t>("°C"));</a:t>
+            </a:r>
+          </a:p>
+          <a:p>
+            <a:pPr marL="0" indent="0">
+              <a:buNone/>
+            </a:pPr>
+            <a:r>
+              <a:rPr lang="en-US" sz="800" dirty="0">
+                <a:latin typeface="Consolas"/>
+                <a:cs typeface="Consolas"/>
+              </a:rPr>
+              <a:t>		p1.add(</a:t>
+            </a:r>
+            <a:r>
+              <a:rPr lang="en-US" sz="800" dirty="0" err="1">
+                <a:latin typeface="Consolas"/>
+                <a:cs typeface="Consolas"/>
+              </a:rPr>
+              <a:t>fahrenheitTF</a:t>
+            </a:r>
+            <a:r>
+              <a:rPr lang="en-US" sz="800" dirty="0">
+                <a:latin typeface="Consolas"/>
+                <a:cs typeface="Consolas"/>
+              </a:rPr>
+              <a:t>); p1.add(new </a:t>
+            </a:r>
+            <a:r>
+              <a:rPr lang="en-US" sz="800" dirty="0" err="1">
+                <a:latin typeface="Consolas"/>
+                <a:cs typeface="Consolas"/>
+              </a:rPr>
+              <a:t>JLabel</a:t>
+            </a:r>
+            <a:r>
+              <a:rPr lang="en-US" sz="800" dirty="0">
+                <a:latin typeface="Consolas"/>
+                <a:cs typeface="Consolas"/>
+              </a:rPr>
+              <a:t>("°F"));</a:t>
+            </a:r>
+          </a:p>
+          <a:p>
+            <a:pPr marL="0" indent="0">
+              <a:buNone/>
+            </a:pPr>
+            <a:r>
+              <a:rPr lang="en-US" sz="800" dirty="0">
+                <a:latin typeface="Consolas"/>
+                <a:cs typeface="Consolas"/>
+              </a:rPr>
+              <a:t>		</a:t>
+            </a:r>
+          </a:p>
+          <a:p>
+            <a:pPr marL="0" indent="0">
+              <a:buNone/>
+            </a:pPr>
+            <a:r>
+              <a:rPr lang="en-US" sz="800" dirty="0">
+                <a:latin typeface="Consolas"/>
+                <a:cs typeface="Consolas"/>
+              </a:rPr>
+              <a:t>		</a:t>
+            </a:r>
+            <a:r>
+              <a:rPr lang="en-US" sz="800" dirty="0" err="1">
+                <a:latin typeface="Consolas"/>
+                <a:cs typeface="Consolas"/>
+              </a:rPr>
+              <a:t>JPanel</a:t>
+            </a:r>
+            <a:r>
+              <a:rPr lang="en-US" sz="800" dirty="0">
+                <a:latin typeface="Consolas"/>
+                <a:cs typeface="Consolas"/>
+              </a:rPr>
+              <a:t> p2 = new </a:t>
+            </a:r>
+            <a:r>
+              <a:rPr lang="en-US" sz="800" dirty="0" err="1">
+                <a:latin typeface="Consolas"/>
+                <a:cs typeface="Consolas"/>
+              </a:rPr>
+              <a:t>JPanel</a:t>
+            </a:r>
+            <a:r>
+              <a:rPr lang="en-US" sz="800" dirty="0">
+                <a:latin typeface="Consolas"/>
+                <a:cs typeface="Consolas"/>
+              </a:rPr>
+              <a:t>(new </a:t>
+            </a:r>
+            <a:r>
+              <a:rPr lang="en-US" sz="800" dirty="0" err="1">
+                <a:latin typeface="Consolas"/>
+                <a:cs typeface="Consolas"/>
+              </a:rPr>
+              <a:t>GridLayout</a:t>
+            </a:r>
+            <a:r>
+              <a:rPr lang="en-US" sz="800" dirty="0">
+                <a:latin typeface="Consolas"/>
+                <a:cs typeface="Consolas"/>
+              </a:rPr>
+              <a:t>(1, 2));</a:t>
+            </a:r>
+          </a:p>
+          <a:p>
+            <a:pPr marL="0" indent="0">
+              <a:buNone/>
+            </a:pPr>
+            <a:r>
+              <a:rPr lang="en-US" sz="800" dirty="0">
+                <a:latin typeface="Consolas"/>
+                <a:cs typeface="Consolas"/>
+              </a:rPr>
+              <a:t>		p2.add(</a:t>
+            </a:r>
+            <a:r>
+              <a:rPr lang="en-US" sz="800" dirty="0" err="1">
+                <a:latin typeface="Consolas"/>
+                <a:cs typeface="Consolas"/>
+              </a:rPr>
+              <a:t>CFButton</a:t>
+            </a:r>
+            <a:r>
+              <a:rPr lang="en-US" sz="800" dirty="0">
+                <a:latin typeface="Consolas"/>
+                <a:cs typeface="Consolas"/>
+              </a:rPr>
+              <a:t>); p2.add(</a:t>
+            </a:r>
+            <a:r>
+              <a:rPr lang="en-US" sz="800" dirty="0" err="1">
+                <a:latin typeface="Consolas"/>
+                <a:cs typeface="Consolas"/>
+              </a:rPr>
+              <a:t>FCButton</a:t>
+            </a:r>
+            <a:r>
+              <a:rPr lang="en-US" sz="800" dirty="0">
+                <a:latin typeface="Consolas"/>
+                <a:cs typeface="Consolas"/>
+              </a:rPr>
+              <a:t>);</a:t>
+            </a:r>
+          </a:p>
+          <a:p>
+            <a:pPr marL="0" indent="0">
+              <a:buNone/>
+            </a:pPr>
+            <a:endParaRPr lang="en-US" sz="800" dirty="0">
+              <a:latin typeface="Consolas"/>
+              <a:cs typeface="Consolas"/>
+            </a:endParaRPr>
+          </a:p>
+          <a:p>
+            <a:pPr marL="0" indent="0">
+              <a:buNone/>
+            </a:pPr>
+            <a:r>
+              <a:rPr lang="en-US" sz="800" dirty="0">
+                <a:latin typeface="Consolas"/>
+                <a:cs typeface="Consolas"/>
+              </a:rPr>
+              <a:t>		</a:t>
+            </a:r>
+            <a:r>
+              <a:rPr lang="en-US" sz="800" dirty="0" err="1">
+                <a:latin typeface="Consolas"/>
+                <a:cs typeface="Consolas"/>
+              </a:rPr>
+              <a:t>JPanel</a:t>
+            </a:r>
+            <a:r>
+              <a:rPr lang="en-US" sz="800" dirty="0">
+                <a:latin typeface="Consolas"/>
+                <a:cs typeface="Consolas"/>
+              </a:rPr>
+              <a:t> p3 = new </a:t>
+            </a:r>
+            <a:r>
+              <a:rPr lang="en-US" sz="800" dirty="0" err="1">
+                <a:latin typeface="Consolas"/>
+                <a:cs typeface="Consolas"/>
+              </a:rPr>
+              <a:t>JPanel</a:t>
+            </a:r>
+            <a:r>
+              <a:rPr lang="en-US" sz="800" dirty="0">
+                <a:latin typeface="Consolas"/>
+                <a:cs typeface="Consolas"/>
+              </a:rPr>
+              <a:t>(new </a:t>
+            </a:r>
+            <a:r>
+              <a:rPr lang="en-US" sz="800" dirty="0" err="1">
+                <a:latin typeface="Consolas"/>
+                <a:cs typeface="Consolas"/>
+              </a:rPr>
+              <a:t>BorderLayout</a:t>
+            </a:r>
+            <a:r>
+              <a:rPr lang="en-US" sz="800" dirty="0">
+                <a:latin typeface="Consolas"/>
+                <a:cs typeface="Consolas"/>
+              </a:rPr>
+              <a:t>());</a:t>
+            </a:r>
+          </a:p>
+          <a:p>
+            <a:pPr marL="0" indent="0">
+              <a:buNone/>
+            </a:pPr>
+            <a:r>
+              <a:rPr lang="en-US" sz="800" dirty="0">
+                <a:latin typeface="Consolas"/>
+                <a:cs typeface="Consolas"/>
+              </a:rPr>
+              <a:t>		p3.add(p1, </a:t>
+            </a:r>
+            <a:r>
+              <a:rPr lang="en-US" sz="800" dirty="0" err="1">
+                <a:latin typeface="Consolas"/>
+                <a:cs typeface="Consolas"/>
+              </a:rPr>
+              <a:t>BorderLayout.NORTH</a:t>
+            </a:r>
+            <a:r>
+              <a:rPr lang="en-US" sz="800" dirty="0">
+                <a:latin typeface="Consolas"/>
+                <a:cs typeface="Consolas"/>
+              </a:rPr>
+              <a:t>);	p3.add(p2, </a:t>
+            </a:r>
+            <a:r>
+              <a:rPr lang="en-US" sz="800" dirty="0" err="1">
+                <a:latin typeface="Consolas"/>
+                <a:cs typeface="Consolas"/>
+              </a:rPr>
+              <a:t>BorderLayout.SOUTH</a:t>
+            </a:r>
+            <a:r>
+              <a:rPr lang="en-US" sz="800" dirty="0">
+                <a:latin typeface="Consolas"/>
+                <a:cs typeface="Consolas"/>
+              </a:rPr>
+              <a:t>);</a:t>
+            </a:r>
+          </a:p>
+          <a:p>
+            <a:pPr marL="0" indent="0">
+              <a:buNone/>
+            </a:pPr>
+            <a:endParaRPr lang="en-US" sz="800" dirty="0">
+              <a:latin typeface="Consolas"/>
+              <a:cs typeface="Consolas"/>
+            </a:endParaRPr>
+          </a:p>
+          <a:p>
+            <a:pPr marL="0" indent="0">
+              <a:buNone/>
+            </a:pPr>
+            <a:r>
+              <a:rPr lang="en-US" sz="800" dirty="0">
+                <a:latin typeface="Consolas"/>
+                <a:cs typeface="Consolas"/>
+              </a:rPr>
+              <a:t>		</a:t>
+            </a:r>
+            <a:r>
+              <a:rPr lang="en-US" sz="800" dirty="0" err="1">
+                <a:latin typeface="Consolas"/>
+                <a:cs typeface="Consolas"/>
+              </a:rPr>
+              <a:t>setContentPane</a:t>
+            </a:r>
+            <a:r>
+              <a:rPr lang="en-US" sz="800" dirty="0">
+                <a:latin typeface="Consolas"/>
+                <a:cs typeface="Consolas"/>
+              </a:rPr>
+              <a:t>(p3);</a:t>
+            </a:r>
+          </a:p>
+          <a:p>
+            <a:pPr marL="0" indent="0">
+              <a:buNone/>
+            </a:pPr>
+            <a:r>
+              <a:rPr lang="en-US" sz="800" dirty="0">
+                <a:latin typeface="Consolas"/>
+                <a:cs typeface="Consolas"/>
+              </a:rPr>
+              <a:t>		</a:t>
+            </a:r>
+            <a:r>
+              <a:rPr lang="en-US" sz="800" dirty="0" err="1">
+                <a:latin typeface="Consolas"/>
+                <a:cs typeface="Consolas"/>
+              </a:rPr>
+              <a:t>setDefaultCloseOperation</a:t>
+            </a:r>
+            <a:r>
+              <a:rPr lang="en-US" sz="800" dirty="0">
+                <a:latin typeface="Consolas"/>
+                <a:cs typeface="Consolas"/>
+              </a:rPr>
+              <a:t>(</a:t>
+            </a:r>
+            <a:r>
+              <a:rPr lang="en-US" sz="800" dirty="0" err="1">
+                <a:latin typeface="Consolas"/>
+                <a:cs typeface="Consolas"/>
+              </a:rPr>
+              <a:t>WindowConstants.EXIT_ON_CLOSE</a:t>
+            </a:r>
+            <a:r>
+              <a:rPr lang="en-US" sz="800" dirty="0">
+                <a:latin typeface="Consolas"/>
+                <a:cs typeface="Consolas"/>
+              </a:rPr>
+              <a:t>);</a:t>
+            </a:r>
+          </a:p>
+          <a:p>
+            <a:pPr marL="0" indent="0">
+              <a:buNone/>
+            </a:pPr>
+            <a:r>
+              <a:rPr lang="en-US" sz="800" dirty="0">
+                <a:latin typeface="Consolas"/>
+                <a:cs typeface="Consolas"/>
+              </a:rPr>
+              <a:t>		</a:t>
+            </a:r>
+            <a:r>
+              <a:rPr lang="en-US" sz="800" dirty="0" err="1">
+                <a:latin typeface="Consolas"/>
+                <a:cs typeface="Consolas"/>
+              </a:rPr>
+              <a:t>setSize</a:t>
+            </a:r>
+            <a:r>
+              <a:rPr lang="en-US" sz="800" dirty="0">
+                <a:latin typeface="Consolas"/>
+                <a:cs typeface="Consolas"/>
+              </a:rPr>
+              <a:t>(200, 100);</a:t>
+            </a:r>
+          </a:p>
+          <a:p>
+            <a:pPr marL="0" indent="0">
+              <a:buNone/>
+            </a:pPr>
+            <a:r>
+              <a:rPr lang="en-US" sz="800" dirty="0">
+                <a:latin typeface="Consolas"/>
+                <a:cs typeface="Consolas"/>
+              </a:rPr>
+              <a:t>		</a:t>
+            </a:r>
+            <a:r>
+              <a:rPr lang="en-US" sz="800" dirty="0" err="1">
+                <a:latin typeface="Consolas"/>
+                <a:cs typeface="Consolas"/>
+              </a:rPr>
+              <a:t>setVisible</a:t>
+            </a:r>
+            <a:r>
+              <a:rPr lang="en-US" sz="800" dirty="0">
+                <a:latin typeface="Consolas"/>
+                <a:cs typeface="Consolas"/>
+              </a:rPr>
+              <a:t>(true);</a:t>
+            </a:r>
+          </a:p>
+          <a:p>
+            <a:pPr marL="0" indent="0">
+              <a:buNone/>
+            </a:pPr>
+            <a:r>
+              <a:rPr lang="en-US" sz="800" dirty="0">
+                <a:latin typeface="Consolas"/>
+                <a:cs typeface="Consolas"/>
+              </a:rPr>
+              <a:t>	}</a:t>
+            </a:r>
+          </a:p>
+          <a:p>
+            <a:pPr marL="0" indent="0">
+              <a:buNone/>
+            </a:pPr>
+            <a:r>
+              <a:rPr lang="en-US" sz="800" dirty="0">
+                <a:latin typeface="Consolas"/>
+                <a:cs typeface="Consolas"/>
+              </a:rPr>
+              <a:t>}</a:t>
+            </a:r>
+          </a:p>
+          <a:p>
+            <a:pPr marL="0" indent="0">
+              <a:buNone/>
+            </a:pPr>
+            <a:endParaRPr lang="en-US" sz="800" dirty="0">
+              <a:latin typeface="Consolas"/>
+              <a:cs typeface="Consolas"/>
+            </a:endParaRPr>
+          </a:p>
+          <a:p>
+            <a:pPr marL="0" indent="0">
+              <a:buNone/>
+            </a:pPr>
+            <a:endParaRPr lang="en-US" sz="800" dirty="0">
+              <a:latin typeface="Consolas"/>
+              <a:cs typeface="Consolas"/>
+            </a:endParaRPr>
+          </a:p>
+          <a:p>
+            <a:pPr marL="0" indent="0">
+              <a:buNone/>
+            </a:pPr>
+            <a:endParaRPr lang="en-US" sz="800" dirty="0">
+              <a:latin typeface="Consolas"/>
+              <a:cs typeface="Consolas"/>
+            </a:endParaRPr>
           </a:p>
         </p:txBody>
       </p:sp>
       <p:pic>
         <p:nvPicPr>
-          <p:cNvPr id="4" name="Content Placeholder 3" descr="Screen Shot 2014-11-11 at 14.59.34.png"/>
+          <p:cNvPr id="6" name="Picture 5">
+            <a:extLst>
+              <a:ext uri="{FF2B5EF4-FFF2-40B4-BE49-F238E27FC236}">
+                <a16:creationId xmlns:a16="http://schemas.microsoft.com/office/drawing/2014/main" id="{2167D653-7225-8C40-A1EC-3B47D8FE435A}"/>
+              </a:ext>
+            </a:extLst>
+          </p:cNvPr>
           <p:cNvPicPr>
-            <a:picLocks noGrp="1" noChangeAspect="1"/>
+            <a:picLocks noChangeAspect="1"/>
           </p:cNvPicPr>
-          <p:nvPr>
-            <p:ph idx="1"/>
-          </p:nvPr>
+          <p:nvPr/>
         </p:nvPicPr>
         <p:blipFill>
-          <a:blip r:embed="rId2">
-            <a:extLst>
-              <a:ext uri="{28A0092B-C50C-407E-A947-70E740481C1C}">
-                <a14:useLocalDpi xmlns:a14="http://schemas.microsoft.com/office/drawing/2010/main" val="0"/>
-              </a:ext>
-            </a:extLst>
-          </a:blip>
-          <a:srcRect t="-11246" b="-11246"/>
+          <a:blip r:embed="rId2"/>
           <a:stretch>
             <a:fillRect/>
           </a:stretch>
         </p:blipFill>
-        <p:spPr/>
+        <p:spPr>
+          <a:xfrm>
+            <a:off x="5041900" y="4216400"/>
+            <a:ext cx="4102100" cy="2641600"/>
+          </a:xfrm>
+          <a:prstGeom prst="rect">
+            <a:avLst/>
+          </a:prstGeom>
+        </p:spPr>
       </p:pic>
     </p:spTree>
     <p:extLst>
       <p:ext uri="{BB962C8B-B14F-4D97-AF65-F5344CB8AC3E}">
-        <p14:creationId xmlns:p14="http://schemas.microsoft.com/office/powerpoint/2010/main" val="248305165"/>
+        <p14:creationId xmlns:p14="http://schemas.microsoft.com/office/powerpoint/2010/main" val="4117965663"/>
       </p:ext>
     </p:extLst>
   </p:cSld>
@@ -15010,25 +16694,88 @@
               <a:buNone/>
             </a:pPr>
             <a:r>
-              <a:rPr lang="en-US" sz="1100" dirty="0">
-                <a:latin typeface="Consolas"/>
-                <a:cs typeface="Consolas"/>
-              </a:rPr>
-              <a:t>import </a:t>
-            </a:r>
-            <a:r>
-              <a:rPr lang="en-US" sz="1100" dirty="0" err="1">
-                <a:latin typeface="Consolas"/>
-                <a:cs typeface="Consolas"/>
-              </a:rPr>
-              <a:t>java.awt</a:t>
-            </a:r>
-            <a:r>
-              <a:rPr lang="en-US" sz="1100" dirty="0">
-                <a:latin typeface="Consolas"/>
-                <a:cs typeface="Consolas"/>
-              </a:rPr>
-              <a:t>.*;</a:t>
+              <a:rPr lang="it-IT" sz="800" b="1" dirty="0">
+                <a:solidFill>
+                  <a:schemeClr val="accent6">
+                    <a:lumMod val="75000"/>
+                  </a:schemeClr>
+                </a:solidFill>
+                <a:latin typeface="Consolas" panose="020B0609020204030204" pitchFamily="49" charset="0"/>
+                <a:cs typeface="Consolas" panose="020B0609020204030204" pitchFamily="49" charset="0"/>
+              </a:rPr>
+              <a:t>public </a:t>
+            </a:r>
+            <a:r>
+              <a:rPr lang="it-IT" sz="800" b="1" dirty="0" err="1">
+                <a:solidFill>
+                  <a:schemeClr val="accent6">
+                    <a:lumMod val="75000"/>
+                  </a:schemeClr>
+                </a:solidFill>
+                <a:latin typeface="Consolas" panose="020B0609020204030204" pitchFamily="49" charset="0"/>
+                <a:cs typeface="Consolas" panose="020B0609020204030204" pitchFamily="49" charset="0"/>
+              </a:rPr>
+              <a:t>void</a:t>
+            </a:r>
+            <a:r>
+              <a:rPr lang="it-IT" sz="800" b="1" dirty="0">
+                <a:solidFill>
+                  <a:schemeClr val="accent6">
+                    <a:lumMod val="75000"/>
+                  </a:schemeClr>
+                </a:solidFill>
+                <a:latin typeface="Consolas" panose="020B0609020204030204" pitchFamily="49" charset="0"/>
+                <a:cs typeface="Consolas" panose="020B0609020204030204" pitchFamily="49" charset="0"/>
+              </a:rPr>
+              <a:t> </a:t>
+            </a:r>
+            <a:r>
+              <a:rPr lang="it-IT" sz="800" b="1" dirty="0" err="1">
+                <a:solidFill>
+                  <a:schemeClr val="accent6">
+                    <a:lumMod val="75000"/>
+                  </a:schemeClr>
+                </a:solidFill>
+                <a:latin typeface="Consolas" panose="020B0609020204030204" pitchFamily="49" charset="0"/>
+                <a:cs typeface="Consolas" panose="020B0609020204030204" pitchFamily="49" charset="0"/>
+              </a:rPr>
+              <a:t>actionPerformed</a:t>
+            </a:r>
+            <a:r>
+              <a:rPr lang="it-IT" sz="800" b="1" dirty="0">
+                <a:solidFill>
+                  <a:schemeClr val="accent6">
+                    <a:lumMod val="75000"/>
+                  </a:schemeClr>
+                </a:solidFill>
+                <a:latin typeface="Consolas" panose="020B0609020204030204" pitchFamily="49" charset="0"/>
+                <a:cs typeface="Consolas" panose="020B0609020204030204" pitchFamily="49" charset="0"/>
+              </a:rPr>
+              <a:t>(</a:t>
+            </a:r>
+            <a:r>
+              <a:rPr lang="it-IT" sz="800" b="1" dirty="0" err="1">
+                <a:solidFill>
+                  <a:schemeClr val="accent6">
+                    <a:lumMod val="75000"/>
+                  </a:schemeClr>
+                </a:solidFill>
+                <a:latin typeface="Consolas" panose="020B0609020204030204" pitchFamily="49" charset="0"/>
+                <a:cs typeface="Consolas" panose="020B0609020204030204" pitchFamily="49" charset="0"/>
+              </a:rPr>
+              <a:t>ActionEvent</a:t>
+            </a:r>
+            <a:r>
+              <a:rPr lang="it-IT" sz="800" b="1" dirty="0">
+                <a:solidFill>
+                  <a:schemeClr val="accent6">
+                    <a:lumMod val="75000"/>
+                  </a:schemeClr>
+                </a:solidFill>
+                <a:latin typeface="Consolas" panose="020B0609020204030204" pitchFamily="49" charset="0"/>
+                <a:cs typeface="Consolas" panose="020B0609020204030204" pitchFamily="49" charset="0"/>
+              </a:rPr>
+              <a:t> e) {</a:t>
             </a:r>
           </a:p>
           <a:p>
@@ -15036,34 +16783,689 @@
               <a:buNone/>
             </a:pPr>
             <a:r>
-              <a:rPr lang="en-US" sz="1100" dirty="0">
-                <a:latin typeface="Consolas"/>
-                <a:cs typeface="Consolas"/>
-              </a:rPr>
-              <a:t>import </a:t>
-            </a:r>
-            <a:r>
-              <a:rPr lang="en-US" sz="1100" dirty="0" err="1">
-                <a:latin typeface="Consolas"/>
-                <a:cs typeface="Consolas"/>
-              </a:rPr>
-              <a:t>java.awt.event</a:t>
-            </a:r>
-            <a:r>
-              <a:rPr lang="en-US" sz="1100" dirty="0">
-                <a:latin typeface="Consolas"/>
-                <a:cs typeface="Consolas"/>
-              </a:rPr>
-              <a:t>.*;</a:t>
+              <a:rPr lang="it-IT" sz="800" b="1" dirty="0">
+                <a:solidFill>
+                  <a:schemeClr val="accent6">
+                    <a:lumMod val="75000"/>
+                  </a:schemeClr>
+                </a:solidFill>
+                <a:latin typeface="Consolas" panose="020B0609020204030204" pitchFamily="49" charset="0"/>
+                <a:cs typeface="Consolas" panose="020B0609020204030204" pitchFamily="49" charset="0"/>
+              </a:rPr>
+              <a:t>	</a:t>
+            </a:r>
+            <a:r>
+              <a:rPr lang="it-IT" sz="800" b="1" dirty="0" err="1">
+                <a:solidFill>
+                  <a:schemeClr val="accent6">
+                    <a:lumMod val="75000"/>
+                  </a:schemeClr>
+                </a:solidFill>
+                <a:latin typeface="Consolas" panose="020B0609020204030204" pitchFamily="49" charset="0"/>
+                <a:cs typeface="Consolas" panose="020B0609020204030204" pitchFamily="49" charset="0"/>
+              </a:rPr>
+              <a:t>if</a:t>
+            </a:r>
+            <a:r>
+              <a:rPr lang="it-IT" sz="800" b="1" dirty="0">
+                <a:solidFill>
+                  <a:schemeClr val="accent6">
+                    <a:lumMod val="75000"/>
+                  </a:schemeClr>
+                </a:solidFill>
+                <a:latin typeface="Consolas" panose="020B0609020204030204" pitchFamily="49" charset="0"/>
+                <a:cs typeface="Consolas" panose="020B0609020204030204" pitchFamily="49" charset="0"/>
+              </a:rPr>
+              <a:t> (</a:t>
+            </a:r>
+            <a:r>
+              <a:rPr lang="it-IT" sz="800" b="1" dirty="0" err="1">
+                <a:solidFill>
+                  <a:schemeClr val="accent6">
+                    <a:lumMod val="75000"/>
+                  </a:schemeClr>
+                </a:solidFill>
+                <a:latin typeface="Consolas" panose="020B0609020204030204" pitchFamily="49" charset="0"/>
+                <a:cs typeface="Consolas" panose="020B0609020204030204" pitchFamily="49" charset="0"/>
+              </a:rPr>
+              <a:t>e.getSource</a:t>
+            </a:r>
+            <a:r>
+              <a:rPr lang="it-IT" sz="800" b="1" dirty="0">
+                <a:solidFill>
+                  <a:schemeClr val="accent6">
+                    <a:lumMod val="75000"/>
+                  </a:schemeClr>
+                </a:solidFill>
+                <a:latin typeface="Consolas" panose="020B0609020204030204" pitchFamily="49" charset="0"/>
+                <a:cs typeface="Consolas" panose="020B0609020204030204" pitchFamily="49" charset="0"/>
+              </a:rPr>
+              <a:t>() == </a:t>
+            </a:r>
+            <a:r>
+              <a:rPr lang="it-IT" sz="800" b="1" dirty="0" err="1">
+                <a:solidFill>
+                  <a:schemeClr val="accent6">
+                    <a:lumMod val="75000"/>
+                  </a:schemeClr>
+                </a:solidFill>
+                <a:latin typeface="Consolas" panose="020B0609020204030204" pitchFamily="49" charset="0"/>
+                <a:cs typeface="Consolas" panose="020B0609020204030204" pitchFamily="49" charset="0"/>
+              </a:rPr>
+              <a:t>CFButton</a:t>
+            </a:r>
+            <a:r>
+              <a:rPr lang="it-IT" sz="800" b="1" dirty="0">
+                <a:solidFill>
+                  <a:schemeClr val="accent6">
+                    <a:lumMod val="75000"/>
+                  </a:schemeClr>
+                </a:solidFill>
+                <a:latin typeface="Consolas" panose="020B0609020204030204" pitchFamily="49" charset="0"/>
+                <a:cs typeface="Consolas" panose="020B0609020204030204" pitchFamily="49" charset="0"/>
+              </a:rPr>
+              <a:t>) {</a:t>
             </a:r>
           </a:p>
           <a:p>
             <a:pPr marL="0" indent="0">
               <a:buNone/>
             </a:pPr>
-            <a:endParaRPr lang="en-US" sz="1100" dirty="0">
-              <a:latin typeface="Consolas"/>
-              <a:cs typeface="Consolas"/>
+            <a:r>
+              <a:rPr lang="it-IT" sz="800" b="1" dirty="0">
+                <a:solidFill>
+                  <a:schemeClr val="accent6">
+                    <a:lumMod val="75000"/>
+                  </a:schemeClr>
+                </a:solidFill>
+                <a:latin typeface="Consolas" panose="020B0609020204030204" pitchFamily="49" charset="0"/>
+                <a:cs typeface="Consolas" panose="020B0609020204030204" pitchFamily="49" charset="0"/>
+              </a:rPr>
+              <a:t>		</a:t>
+            </a:r>
+            <a:r>
+              <a:rPr lang="it-IT" sz="800" b="1" dirty="0" err="1">
+                <a:solidFill>
+                  <a:schemeClr val="accent6">
+                    <a:lumMod val="75000"/>
+                  </a:schemeClr>
+                </a:solidFill>
+                <a:latin typeface="Consolas" panose="020B0609020204030204" pitchFamily="49" charset="0"/>
+                <a:cs typeface="Consolas" panose="020B0609020204030204" pitchFamily="49" charset="0"/>
+              </a:rPr>
+              <a:t>int</a:t>
+            </a:r>
+            <a:r>
+              <a:rPr lang="it-IT" sz="800" b="1" dirty="0">
+                <a:solidFill>
+                  <a:schemeClr val="accent6">
+                    <a:lumMod val="75000"/>
+                  </a:schemeClr>
+                </a:solidFill>
+                <a:latin typeface="Consolas" panose="020B0609020204030204" pitchFamily="49" charset="0"/>
+                <a:cs typeface="Consolas" panose="020B0609020204030204" pitchFamily="49" charset="0"/>
+              </a:rPr>
+              <a:t> </a:t>
+            </a:r>
+            <a:r>
+              <a:rPr lang="it-IT" sz="800" b="1" dirty="0" err="1">
+                <a:solidFill>
+                  <a:schemeClr val="accent6">
+                    <a:lumMod val="75000"/>
+                  </a:schemeClr>
+                </a:solidFill>
+                <a:latin typeface="Consolas" panose="020B0609020204030204" pitchFamily="49" charset="0"/>
+                <a:cs typeface="Consolas" panose="020B0609020204030204" pitchFamily="49" charset="0"/>
+              </a:rPr>
+              <a:t>tempFahr</a:t>
+            </a:r>
+            <a:r>
+              <a:rPr lang="it-IT" sz="800" b="1" dirty="0">
+                <a:solidFill>
+                  <a:schemeClr val="accent6">
+                    <a:lumMod val="75000"/>
+                  </a:schemeClr>
+                </a:solidFill>
+                <a:latin typeface="Consolas" panose="020B0609020204030204" pitchFamily="49" charset="0"/>
+                <a:cs typeface="Consolas" panose="020B0609020204030204" pitchFamily="49" charset="0"/>
+              </a:rPr>
+              <a:t> = (</a:t>
+            </a:r>
+            <a:r>
+              <a:rPr lang="it-IT" sz="800" b="1" dirty="0" err="1">
+                <a:solidFill>
+                  <a:schemeClr val="accent6">
+                    <a:lumMod val="75000"/>
+                  </a:schemeClr>
+                </a:solidFill>
+                <a:latin typeface="Consolas" panose="020B0609020204030204" pitchFamily="49" charset="0"/>
+                <a:cs typeface="Consolas" panose="020B0609020204030204" pitchFamily="49" charset="0"/>
+              </a:rPr>
+              <a:t>int</a:t>
+            </a:r>
+            <a:r>
+              <a:rPr lang="it-IT" sz="800" b="1" dirty="0">
+                <a:solidFill>
+                  <a:schemeClr val="accent6">
+                    <a:lumMod val="75000"/>
+                  </a:schemeClr>
+                </a:solidFill>
+                <a:latin typeface="Consolas" panose="020B0609020204030204" pitchFamily="49" charset="0"/>
+                <a:cs typeface="Consolas" panose="020B0609020204030204" pitchFamily="49" charset="0"/>
+              </a:rPr>
+              <a:t>)((</a:t>
+            </a:r>
+            <a:r>
+              <a:rPr lang="it-IT" sz="800" b="1" dirty="0" err="1">
+                <a:solidFill>
+                  <a:schemeClr val="accent6">
+                    <a:lumMod val="75000"/>
+                  </a:schemeClr>
+                </a:solidFill>
+                <a:latin typeface="Consolas" panose="020B0609020204030204" pitchFamily="49" charset="0"/>
+                <a:cs typeface="Consolas" panose="020B0609020204030204" pitchFamily="49" charset="0"/>
+              </a:rPr>
+              <a:t>Double.parseDouble</a:t>
+            </a:r>
+            <a:r>
+              <a:rPr lang="it-IT" sz="800" b="1" dirty="0">
+                <a:solidFill>
+                  <a:schemeClr val="accent6">
+                    <a:lumMod val="75000"/>
+                  </a:schemeClr>
+                </a:solidFill>
+                <a:latin typeface="Consolas" panose="020B0609020204030204" pitchFamily="49" charset="0"/>
+                <a:cs typeface="Consolas" panose="020B0609020204030204" pitchFamily="49" charset="0"/>
+              </a:rPr>
+              <a:t>(</a:t>
+            </a:r>
+            <a:r>
+              <a:rPr lang="it-IT" sz="800" b="1" dirty="0" err="1">
+                <a:solidFill>
+                  <a:schemeClr val="accent6">
+                    <a:lumMod val="75000"/>
+                  </a:schemeClr>
+                </a:solidFill>
+                <a:latin typeface="Consolas" panose="020B0609020204030204" pitchFamily="49" charset="0"/>
+                <a:cs typeface="Consolas" panose="020B0609020204030204" pitchFamily="49" charset="0"/>
+              </a:rPr>
+              <a:t>celsiusTF.getText</a:t>
+            </a:r>
+            <a:r>
+              <a:rPr lang="it-IT" sz="800" b="1" dirty="0">
+                <a:solidFill>
+                  <a:schemeClr val="accent6">
+                    <a:lumMod val="75000"/>
+                  </a:schemeClr>
+                </a:solidFill>
+                <a:latin typeface="Consolas" panose="020B0609020204030204" pitchFamily="49" charset="0"/>
+                <a:cs typeface="Consolas" panose="020B0609020204030204" pitchFamily="49" charset="0"/>
+              </a:rPr>
+              <a:t>())) * 1.8 + 32);</a:t>
+            </a:r>
+          </a:p>
+          <a:p>
+            <a:pPr marL="0" indent="0">
+              <a:buNone/>
+            </a:pPr>
+            <a:r>
+              <a:rPr lang="it-IT" sz="800" b="1" dirty="0">
+                <a:solidFill>
+                  <a:schemeClr val="accent6">
+                    <a:lumMod val="75000"/>
+                  </a:schemeClr>
+                </a:solidFill>
+                <a:latin typeface="Consolas" panose="020B0609020204030204" pitchFamily="49" charset="0"/>
+                <a:cs typeface="Consolas" panose="020B0609020204030204" pitchFamily="49" charset="0"/>
+              </a:rPr>
+              <a:t>		</a:t>
+            </a:r>
+            <a:r>
+              <a:rPr lang="it-IT" sz="800" b="1" dirty="0" err="1">
+                <a:solidFill>
+                  <a:schemeClr val="accent6">
+                    <a:lumMod val="75000"/>
+                  </a:schemeClr>
+                </a:solidFill>
+                <a:latin typeface="Consolas" panose="020B0609020204030204" pitchFamily="49" charset="0"/>
+                <a:cs typeface="Consolas" panose="020B0609020204030204" pitchFamily="49" charset="0"/>
+              </a:rPr>
+              <a:t>fahrenheitTF.setText</a:t>
+            </a:r>
+            <a:r>
+              <a:rPr lang="it-IT" sz="800" b="1" dirty="0">
+                <a:solidFill>
+                  <a:schemeClr val="accent6">
+                    <a:lumMod val="75000"/>
+                  </a:schemeClr>
+                </a:solidFill>
+                <a:latin typeface="Consolas" panose="020B0609020204030204" pitchFamily="49" charset="0"/>
+                <a:cs typeface="Consolas" panose="020B0609020204030204" pitchFamily="49" charset="0"/>
+              </a:rPr>
+              <a:t>(</a:t>
+            </a:r>
+            <a:r>
+              <a:rPr lang="it-IT" sz="800" b="1" dirty="0" err="1">
+                <a:solidFill>
+                  <a:schemeClr val="accent6">
+                    <a:lumMod val="75000"/>
+                  </a:schemeClr>
+                </a:solidFill>
+                <a:latin typeface="Consolas" panose="020B0609020204030204" pitchFamily="49" charset="0"/>
+                <a:cs typeface="Consolas" panose="020B0609020204030204" pitchFamily="49" charset="0"/>
+              </a:rPr>
+              <a:t>Integer.toString</a:t>
+            </a:r>
+            <a:r>
+              <a:rPr lang="it-IT" sz="800" b="1" dirty="0">
+                <a:solidFill>
+                  <a:schemeClr val="accent6">
+                    <a:lumMod val="75000"/>
+                  </a:schemeClr>
+                </a:solidFill>
+                <a:latin typeface="Consolas" panose="020B0609020204030204" pitchFamily="49" charset="0"/>
+                <a:cs typeface="Consolas" panose="020B0609020204030204" pitchFamily="49" charset="0"/>
+              </a:rPr>
+              <a:t>(</a:t>
+            </a:r>
+            <a:r>
+              <a:rPr lang="it-IT" sz="800" b="1" dirty="0" err="1">
+                <a:solidFill>
+                  <a:schemeClr val="accent6">
+                    <a:lumMod val="75000"/>
+                  </a:schemeClr>
+                </a:solidFill>
+                <a:latin typeface="Consolas" panose="020B0609020204030204" pitchFamily="49" charset="0"/>
+                <a:cs typeface="Consolas" panose="020B0609020204030204" pitchFamily="49" charset="0"/>
+              </a:rPr>
+              <a:t>tempFahr</a:t>
+            </a:r>
+            <a:r>
+              <a:rPr lang="it-IT" sz="800" b="1" dirty="0">
+                <a:solidFill>
+                  <a:schemeClr val="accent6">
+                    <a:lumMod val="75000"/>
+                  </a:schemeClr>
+                </a:solidFill>
+                <a:latin typeface="Consolas" panose="020B0609020204030204" pitchFamily="49" charset="0"/>
+                <a:cs typeface="Consolas" panose="020B0609020204030204" pitchFamily="49" charset="0"/>
+              </a:rPr>
+              <a:t>));			</a:t>
+            </a:r>
+          </a:p>
+          <a:p>
+            <a:pPr marL="0" indent="0">
+              <a:buNone/>
+            </a:pPr>
+            <a:r>
+              <a:rPr lang="it-IT" sz="800" b="1" dirty="0">
+                <a:solidFill>
+                  <a:schemeClr val="accent6">
+                    <a:lumMod val="75000"/>
+                  </a:schemeClr>
+                </a:solidFill>
+                <a:latin typeface="Consolas" panose="020B0609020204030204" pitchFamily="49" charset="0"/>
+                <a:cs typeface="Consolas" panose="020B0609020204030204" pitchFamily="49" charset="0"/>
+              </a:rPr>
+              <a:t>	}</a:t>
+            </a:r>
+          </a:p>
+          <a:p>
+            <a:pPr marL="0" indent="0">
+              <a:buNone/>
+            </a:pPr>
+            <a:r>
+              <a:rPr lang="it-IT" sz="800" b="1" dirty="0">
+                <a:solidFill>
+                  <a:schemeClr val="accent6">
+                    <a:lumMod val="75000"/>
+                  </a:schemeClr>
+                </a:solidFill>
+                <a:latin typeface="Consolas" panose="020B0609020204030204" pitchFamily="49" charset="0"/>
+                <a:cs typeface="Consolas" panose="020B0609020204030204" pitchFamily="49" charset="0"/>
+              </a:rPr>
+              <a:t>	</a:t>
+            </a:r>
+            <a:r>
+              <a:rPr lang="it-IT" sz="800" b="1" dirty="0" err="1">
+                <a:solidFill>
+                  <a:schemeClr val="accent6">
+                    <a:lumMod val="75000"/>
+                  </a:schemeClr>
+                </a:solidFill>
+                <a:latin typeface="Consolas" panose="020B0609020204030204" pitchFamily="49" charset="0"/>
+                <a:cs typeface="Consolas" panose="020B0609020204030204" pitchFamily="49" charset="0"/>
+              </a:rPr>
+              <a:t>if</a:t>
+            </a:r>
+            <a:r>
+              <a:rPr lang="it-IT" sz="800" b="1" dirty="0">
+                <a:solidFill>
+                  <a:schemeClr val="accent6">
+                    <a:lumMod val="75000"/>
+                  </a:schemeClr>
+                </a:solidFill>
+                <a:latin typeface="Consolas" panose="020B0609020204030204" pitchFamily="49" charset="0"/>
+                <a:cs typeface="Consolas" panose="020B0609020204030204" pitchFamily="49" charset="0"/>
+              </a:rPr>
+              <a:t> (</a:t>
+            </a:r>
+            <a:r>
+              <a:rPr lang="it-IT" sz="800" b="1" dirty="0" err="1">
+                <a:solidFill>
+                  <a:schemeClr val="accent6">
+                    <a:lumMod val="75000"/>
+                  </a:schemeClr>
+                </a:solidFill>
+                <a:latin typeface="Consolas" panose="020B0609020204030204" pitchFamily="49" charset="0"/>
+                <a:cs typeface="Consolas" panose="020B0609020204030204" pitchFamily="49" charset="0"/>
+              </a:rPr>
+              <a:t>e.getSource</a:t>
+            </a:r>
+            <a:r>
+              <a:rPr lang="it-IT" sz="800" b="1" dirty="0">
+                <a:solidFill>
+                  <a:schemeClr val="accent6">
+                    <a:lumMod val="75000"/>
+                  </a:schemeClr>
+                </a:solidFill>
+                <a:latin typeface="Consolas" panose="020B0609020204030204" pitchFamily="49" charset="0"/>
+                <a:cs typeface="Consolas" panose="020B0609020204030204" pitchFamily="49" charset="0"/>
+              </a:rPr>
+              <a:t>() == </a:t>
+            </a:r>
+            <a:r>
+              <a:rPr lang="it-IT" sz="800" b="1" dirty="0" err="1">
+                <a:solidFill>
+                  <a:schemeClr val="accent6">
+                    <a:lumMod val="75000"/>
+                  </a:schemeClr>
+                </a:solidFill>
+                <a:latin typeface="Consolas" panose="020B0609020204030204" pitchFamily="49" charset="0"/>
+                <a:cs typeface="Consolas" panose="020B0609020204030204" pitchFamily="49" charset="0"/>
+              </a:rPr>
+              <a:t>FCButton</a:t>
+            </a:r>
+            <a:r>
+              <a:rPr lang="it-IT" sz="800" b="1" dirty="0">
+                <a:solidFill>
+                  <a:schemeClr val="accent6">
+                    <a:lumMod val="75000"/>
+                  </a:schemeClr>
+                </a:solidFill>
+                <a:latin typeface="Consolas" panose="020B0609020204030204" pitchFamily="49" charset="0"/>
+                <a:cs typeface="Consolas" panose="020B0609020204030204" pitchFamily="49" charset="0"/>
+              </a:rPr>
+              <a:t>) {</a:t>
+            </a:r>
+          </a:p>
+          <a:p>
+            <a:pPr marL="0" indent="0">
+              <a:buNone/>
+            </a:pPr>
+            <a:r>
+              <a:rPr lang="it-IT" sz="800" b="1" dirty="0">
+                <a:solidFill>
+                  <a:schemeClr val="accent6">
+                    <a:lumMod val="75000"/>
+                  </a:schemeClr>
+                </a:solidFill>
+                <a:latin typeface="Consolas" panose="020B0609020204030204" pitchFamily="49" charset="0"/>
+                <a:cs typeface="Consolas" panose="020B0609020204030204" pitchFamily="49" charset="0"/>
+              </a:rPr>
+              <a:t>		</a:t>
+            </a:r>
+            <a:r>
+              <a:rPr lang="it-IT" sz="800" b="1" dirty="0" err="1">
+                <a:solidFill>
+                  <a:schemeClr val="accent6">
+                    <a:lumMod val="75000"/>
+                  </a:schemeClr>
+                </a:solidFill>
+                <a:latin typeface="Consolas" panose="020B0609020204030204" pitchFamily="49" charset="0"/>
+                <a:cs typeface="Consolas" panose="020B0609020204030204" pitchFamily="49" charset="0"/>
+              </a:rPr>
+              <a:t>int</a:t>
+            </a:r>
+            <a:r>
+              <a:rPr lang="it-IT" sz="800" b="1" dirty="0">
+                <a:solidFill>
+                  <a:schemeClr val="accent6">
+                    <a:lumMod val="75000"/>
+                  </a:schemeClr>
+                </a:solidFill>
+                <a:latin typeface="Consolas" panose="020B0609020204030204" pitchFamily="49" charset="0"/>
+                <a:cs typeface="Consolas" panose="020B0609020204030204" pitchFamily="49" charset="0"/>
+              </a:rPr>
+              <a:t> </a:t>
+            </a:r>
+            <a:r>
+              <a:rPr lang="it-IT" sz="800" b="1" dirty="0" err="1">
+                <a:solidFill>
+                  <a:schemeClr val="accent6">
+                    <a:lumMod val="75000"/>
+                  </a:schemeClr>
+                </a:solidFill>
+                <a:latin typeface="Consolas" panose="020B0609020204030204" pitchFamily="49" charset="0"/>
+                <a:cs typeface="Consolas" panose="020B0609020204030204" pitchFamily="49" charset="0"/>
+              </a:rPr>
+              <a:t>tempCelsius</a:t>
+            </a:r>
+            <a:r>
+              <a:rPr lang="it-IT" sz="800" b="1" dirty="0">
+                <a:solidFill>
+                  <a:schemeClr val="accent6">
+                    <a:lumMod val="75000"/>
+                  </a:schemeClr>
+                </a:solidFill>
+                <a:latin typeface="Consolas" panose="020B0609020204030204" pitchFamily="49" charset="0"/>
+                <a:cs typeface="Consolas" panose="020B0609020204030204" pitchFamily="49" charset="0"/>
+              </a:rPr>
+              <a:t> = (</a:t>
+            </a:r>
+            <a:r>
+              <a:rPr lang="it-IT" sz="800" b="1" dirty="0" err="1">
+                <a:solidFill>
+                  <a:schemeClr val="accent6">
+                    <a:lumMod val="75000"/>
+                  </a:schemeClr>
+                </a:solidFill>
+                <a:latin typeface="Consolas" panose="020B0609020204030204" pitchFamily="49" charset="0"/>
+                <a:cs typeface="Consolas" panose="020B0609020204030204" pitchFamily="49" charset="0"/>
+              </a:rPr>
+              <a:t>int</a:t>
+            </a:r>
+            <a:r>
+              <a:rPr lang="it-IT" sz="800" b="1" dirty="0">
+                <a:solidFill>
+                  <a:schemeClr val="accent6">
+                    <a:lumMod val="75000"/>
+                  </a:schemeClr>
+                </a:solidFill>
+                <a:latin typeface="Consolas" panose="020B0609020204030204" pitchFamily="49" charset="0"/>
+                <a:cs typeface="Consolas" panose="020B0609020204030204" pitchFamily="49" charset="0"/>
+              </a:rPr>
+              <a:t>)(((</a:t>
+            </a:r>
+            <a:r>
+              <a:rPr lang="it-IT" sz="800" b="1" dirty="0" err="1">
+                <a:solidFill>
+                  <a:schemeClr val="accent6">
+                    <a:lumMod val="75000"/>
+                  </a:schemeClr>
+                </a:solidFill>
+                <a:latin typeface="Consolas" panose="020B0609020204030204" pitchFamily="49" charset="0"/>
+                <a:cs typeface="Consolas" panose="020B0609020204030204" pitchFamily="49" charset="0"/>
+              </a:rPr>
+              <a:t>Double.parseDouble</a:t>
+            </a:r>
+            <a:r>
+              <a:rPr lang="it-IT" sz="800" b="1" dirty="0">
+                <a:solidFill>
+                  <a:schemeClr val="accent6">
+                    <a:lumMod val="75000"/>
+                  </a:schemeClr>
+                </a:solidFill>
+                <a:latin typeface="Consolas" panose="020B0609020204030204" pitchFamily="49" charset="0"/>
+                <a:cs typeface="Consolas" panose="020B0609020204030204" pitchFamily="49" charset="0"/>
+              </a:rPr>
+              <a:t>(</a:t>
+            </a:r>
+            <a:r>
+              <a:rPr lang="it-IT" sz="800" b="1" dirty="0" err="1">
+                <a:solidFill>
+                  <a:schemeClr val="accent6">
+                    <a:lumMod val="75000"/>
+                  </a:schemeClr>
+                </a:solidFill>
+                <a:latin typeface="Consolas" panose="020B0609020204030204" pitchFamily="49" charset="0"/>
+                <a:cs typeface="Consolas" panose="020B0609020204030204" pitchFamily="49" charset="0"/>
+              </a:rPr>
+              <a:t>fahrenheitTF.getText</a:t>
+            </a:r>
+            <a:r>
+              <a:rPr lang="it-IT" sz="800" b="1" dirty="0">
+                <a:solidFill>
+                  <a:schemeClr val="accent6">
+                    <a:lumMod val="75000"/>
+                  </a:schemeClr>
+                </a:solidFill>
+                <a:latin typeface="Consolas" panose="020B0609020204030204" pitchFamily="49" charset="0"/>
+                <a:cs typeface="Consolas" panose="020B0609020204030204" pitchFamily="49" charset="0"/>
+              </a:rPr>
+              <a:t>())) - 32) * 0.555);</a:t>
+            </a:r>
+          </a:p>
+          <a:p>
+            <a:pPr marL="0" indent="0">
+              <a:buNone/>
+            </a:pPr>
+            <a:r>
+              <a:rPr lang="it-IT" sz="800" b="1" dirty="0">
+                <a:solidFill>
+                  <a:schemeClr val="accent6">
+                    <a:lumMod val="75000"/>
+                  </a:schemeClr>
+                </a:solidFill>
+                <a:latin typeface="Consolas" panose="020B0609020204030204" pitchFamily="49" charset="0"/>
+                <a:cs typeface="Consolas" panose="020B0609020204030204" pitchFamily="49" charset="0"/>
+              </a:rPr>
+              <a:t>		</a:t>
+            </a:r>
+            <a:r>
+              <a:rPr lang="it-IT" sz="800" b="1" dirty="0" err="1">
+                <a:solidFill>
+                  <a:schemeClr val="accent6">
+                    <a:lumMod val="75000"/>
+                  </a:schemeClr>
+                </a:solidFill>
+                <a:latin typeface="Consolas" panose="020B0609020204030204" pitchFamily="49" charset="0"/>
+                <a:cs typeface="Consolas" panose="020B0609020204030204" pitchFamily="49" charset="0"/>
+              </a:rPr>
+              <a:t>celsiusTF.setText</a:t>
+            </a:r>
+            <a:r>
+              <a:rPr lang="it-IT" sz="800" b="1" dirty="0">
+                <a:solidFill>
+                  <a:schemeClr val="accent6">
+                    <a:lumMod val="75000"/>
+                  </a:schemeClr>
+                </a:solidFill>
+                <a:latin typeface="Consolas" panose="020B0609020204030204" pitchFamily="49" charset="0"/>
+                <a:cs typeface="Consolas" panose="020B0609020204030204" pitchFamily="49" charset="0"/>
+              </a:rPr>
+              <a:t>(</a:t>
+            </a:r>
+            <a:r>
+              <a:rPr lang="it-IT" sz="800" b="1" dirty="0" err="1">
+                <a:solidFill>
+                  <a:schemeClr val="accent6">
+                    <a:lumMod val="75000"/>
+                  </a:schemeClr>
+                </a:solidFill>
+                <a:latin typeface="Consolas" panose="020B0609020204030204" pitchFamily="49" charset="0"/>
+                <a:cs typeface="Consolas" panose="020B0609020204030204" pitchFamily="49" charset="0"/>
+              </a:rPr>
+              <a:t>Integer.toString</a:t>
+            </a:r>
+            <a:r>
+              <a:rPr lang="it-IT" sz="800" b="1" dirty="0">
+                <a:solidFill>
+                  <a:schemeClr val="accent6">
+                    <a:lumMod val="75000"/>
+                  </a:schemeClr>
+                </a:solidFill>
+                <a:latin typeface="Consolas" panose="020B0609020204030204" pitchFamily="49" charset="0"/>
+                <a:cs typeface="Consolas" panose="020B0609020204030204" pitchFamily="49" charset="0"/>
+              </a:rPr>
+              <a:t>(</a:t>
+            </a:r>
+            <a:r>
+              <a:rPr lang="it-IT" sz="800" b="1" dirty="0" err="1">
+                <a:solidFill>
+                  <a:schemeClr val="accent6">
+                    <a:lumMod val="75000"/>
+                  </a:schemeClr>
+                </a:solidFill>
+                <a:latin typeface="Consolas" panose="020B0609020204030204" pitchFamily="49" charset="0"/>
+                <a:cs typeface="Consolas" panose="020B0609020204030204" pitchFamily="49" charset="0"/>
+              </a:rPr>
+              <a:t>tempCelsius</a:t>
+            </a:r>
+            <a:r>
+              <a:rPr lang="it-IT" sz="800" b="1" dirty="0">
+                <a:solidFill>
+                  <a:schemeClr val="accent6">
+                    <a:lumMod val="75000"/>
+                  </a:schemeClr>
+                </a:solidFill>
+                <a:latin typeface="Consolas" panose="020B0609020204030204" pitchFamily="49" charset="0"/>
+                <a:cs typeface="Consolas" panose="020B0609020204030204" pitchFamily="49" charset="0"/>
+              </a:rPr>
+              <a:t>));</a:t>
+            </a:r>
+          </a:p>
+          <a:p>
+            <a:pPr marL="0" indent="0">
+              <a:buNone/>
+            </a:pPr>
+            <a:r>
+              <a:rPr lang="it-IT" sz="800" b="1" dirty="0">
+                <a:solidFill>
+                  <a:schemeClr val="accent6">
+                    <a:lumMod val="75000"/>
+                  </a:schemeClr>
+                </a:solidFill>
+                <a:latin typeface="Consolas" panose="020B0609020204030204" pitchFamily="49" charset="0"/>
+                <a:cs typeface="Consolas" panose="020B0609020204030204" pitchFamily="49" charset="0"/>
+              </a:rPr>
+              <a:t>	}</a:t>
+            </a:r>
+          </a:p>
+          <a:p>
+            <a:pPr marL="0" indent="0">
+              <a:buNone/>
+            </a:pPr>
+            <a:r>
+              <a:rPr lang="it-IT" sz="800" b="1" dirty="0">
+                <a:solidFill>
+                  <a:schemeClr val="accent6">
+                    <a:lumMod val="75000"/>
+                  </a:schemeClr>
+                </a:solidFill>
+                <a:latin typeface="Consolas" panose="020B0609020204030204" pitchFamily="49" charset="0"/>
+                <a:cs typeface="Consolas" panose="020B0609020204030204" pitchFamily="49" charset="0"/>
+              </a:rPr>
+              <a:t>}</a:t>
+            </a:r>
+          </a:p>
+          <a:p>
+            <a:pPr marL="0" indent="0">
+              <a:buNone/>
+            </a:pPr>
+            <a:endParaRPr lang="it-IT" sz="800" b="1" dirty="0">
+              <a:latin typeface="Consolas" panose="020B0609020204030204" pitchFamily="49" charset="0"/>
+              <a:cs typeface="Consolas" panose="020B0609020204030204" pitchFamily="49" charset="0"/>
             </a:endParaRPr>
           </a:p>
           <a:p>
@@ -15071,697 +17473,188 @@
               <a:buNone/>
             </a:pPr>
             <a:r>
-              <a:rPr lang="en-US" sz="1100" dirty="0">
-                <a:latin typeface="Consolas"/>
-                <a:cs typeface="Consolas"/>
-              </a:rPr>
-              <a:t>import </a:t>
-            </a:r>
-            <a:r>
-              <a:rPr lang="en-US" sz="1100" dirty="0" err="1">
-                <a:latin typeface="Consolas"/>
-                <a:cs typeface="Consolas"/>
-              </a:rPr>
-              <a:t>javax.swing</a:t>
-            </a:r>
-            <a:r>
-              <a:rPr lang="en-US" sz="1100" dirty="0">
-                <a:latin typeface="Consolas"/>
-                <a:cs typeface="Consolas"/>
-              </a:rPr>
-              <a:t>.*;</a:t>
+              <a:rPr lang="it-IT" sz="800" b="1" dirty="0">
+                <a:latin typeface="Consolas" panose="020B0609020204030204" pitchFamily="49" charset="0"/>
+                <a:cs typeface="Consolas" panose="020B0609020204030204" pitchFamily="49" charset="0"/>
+              </a:rPr>
+              <a:t>public</a:t>
+            </a:r>
+            <a:r>
+              <a:rPr lang="it-IT" sz="800" dirty="0">
+                <a:latin typeface="Consolas" panose="020B0609020204030204" pitchFamily="49" charset="0"/>
+                <a:cs typeface="Consolas" panose="020B0609020204030204" pitchFamily="49" charset="0"/>
+              </a:rPr>
+              <a:t> </a:t>
+            </a:r>
+            <a:r>
+              <a:rPr lang="it-IT" sz="800" b="1" dirty="0" err="1">
+                <a:latin typeface="Consolas" panose="020B0609020204030204" pitchFamily="49" charset="0"/>
+                <a:cs typeface="Consolas" panose="020B0609020204030204" pitchFamily="49" charset="0"/>
+              </a:rPr>
+              <a:t>static</a:t>
+            </a:r>
+            <a:r>
+              <a:rPr lang="it-IT" sz="800" dirty="0">
+                <a:latin typeface="Consolas" panose="020B0609020204030204" pitchFamily="49" charset="0"/>
+                <a:cs typeface="Consolas" panose="020B0609020204030204" pitchFamily="49" charset="0"/>
+              </a:rPr>
+              <a:t> </a:t>
+            </a:r>
+            <a:r>
+              <a:rPr lang="it-IT" sz="800" b="1" dirty="0" err="1">
+                <a:latin typeface="Consolas" panose="020B0609020204030204" pitchFamily="49" charset="0"/>
+                <a:cs typeface="Consolas" panose="020B0609020204030204" pitchFamily="49" charset="0"/>
+              </a:rPr>
+              <a:t>void</a:t>
+            </a:r>
+            <a:r>
+              <a:rPr lang="it-IT" sz="800" dirty="0">
+                <a:latin typeface="Consolas" panose="020B0609020204030204" pitchFamily="49" charset="0"/>
+                <a:cs typeface="Consolas" panose="020B0609020204030204" pitchFamily="49" charset="0"/>
+              </a:rPr>
+              <a:t> </a:t>
+            </a:r>
+            <a:r>
+              <a:rPr lang="it-IT" sz="800" dirty="0" err="1">
+                <a:latin typeface="Consolas" panose="020B0609020204030204" pitchFamily="49" charset="0"/>
+                <a:cs typeface="Consolas" panose="020B0609020204030204" pitchFamily="49" charset="0"/>
+              </a:rPr>
+              <a:t>main</a:t>
+            </a:r>
+            <a:r>
+              <a:rPr lang="it-IT" sz="800" dirty="0">
+                <a:latin typeface="Consolas" panose="020B0609020204030204" pitchFamily="49" charset="0"/>
+                <a:cs typeface="Consolas" panose="020B0609020204030204" pitchFamily="49" charset="0"/>
+              </a:rPr>
+              <a:t>(</a:t>
+            </a:r>
+            <a:r>
+              <a:rPr lang="it-IT" sz="800" dirty="0" err="1">
+                <a:latin typeface="Consolas" panose="020B0609020204030204" pitchFamily="49" charset="0"/>
+                <a:cs typeface="Consolas" panose="020B0609020204030204" pitchFamily="49" charset="0"/>
+              </a:rPr>
+              <a:t>String</a:t>
+            </a:r>
+            <a:r>
+              <a:rPr lang="it-IT" sz="800" dirty="0">
+                <a:latin typeface="Consolas" panose="020B0609020204030204" pitchFamily="49" charset="0"/>
+                <a:cs typeface="Consolas" panose="020B0609020204030204" pitchFamily="49" charset="0"/>
+              </a:rPr>
+              <a:t>[] </a:t>
+            </a:r>
+            <a:r>
+              <a:rPr lang="it-IT" sz="800" dirty="0" err="1">
+                <a:latin typeface="Consolas" panose="020B0609020204030204" pitchFamily="49" charset="0"/>
+                <a:cs typeface="Consolas" panose="020B0609020204030204" pitchFamily="49" charset="0"/>
+              </a:rPr>
+              <a:t>args</a:t>
+            </a:r>
+            <a:r>
+              <a:rPr lang="it-IT" sz="800" dirty="0">
+                <a:latin typeface="Consolas" panose="020B0609020204030204" pitchFamily="49" charset="0"/>
+                <a:cs typeface="Consolas" panose="020B0609020204030204" pitchFamily="49" charset="0"/>
+              </a:rPr>
+              <a:t>) {</a:t>
             </a:r>
           </a:p>
           <a:p>
             <a:pPr marL="0" indent="0">
               <a:buNone/>
             </a:pPr>
-            <a:endParaRPr lang="en-US" sz="1100" dirty="0">
-              <a:latin typeface="Consolas"/>
-              <a:cs typeface="Consolas"/>
+            <a:r>
+              <a:rPr lang="it-IT" sz="800" b="1" dirty="0">
+                <a:latin typeface="Consolas" panose="020B0609020204030204" pitchFamily="49" charset="0"/>
+                <a:cs typeface="Consolas" panose="020B0609020204030204" pitchFamily="49" charset="0"/>
+              </a:rPr>
+              <a:t>	new</a:t>
+            </a:r>
+            <a:r>
+              <a:rPr lang="it-IT" sz="800" dirty="0">
+                <a:latin typeface="Consolas" panose="020B0609020204030204" pitchFamily="49" charset="0"/>
+                <a:cs typeface="Consolas" panose="020B0609020204030204" pitchFamily="49" charset="0"/>
+              </a:rPr>
+              <a:t> </a:t>
+            </a:r>
+            <a:r>
+              <a:rPr lang="it-IT" sz="800" dirty="0" err="1">
+                <a:latin typeface="Consolas" panose="020B0609020204030204" pitchFamily="49" charset="0"/>
+                <a:cs typeface="Consolas" panose="020B0609020204030204" pitchFamily="49" charset="0"/>
+              </a:rPr>
+              <a:t>CelsiusConverterFull</a:t>
+            </a:r>
+            <a:r>
+              <a:rPr lang="it-IT" sz="800" dirty="0">
+                <a:latin typeface="Consolas" panose="020B0609020204030204" pitchFamily="49" charset="0"/>
+                <a:cs typeface="Consolas" panose="020B0609020204030204" pitchFamily="49" charset="0"/>
+              </a:rPr>
+              <a:t>();</a:t>
+            </a:r>
+          </a:p>
+          <a:p>
+            <a:pPr marL="0" indent="0">
+              <a:buNone/>
+            </a:pPr>
+            <a:r>
+              <a:rPr lang="it-IT" sz="800" dirty="0">
+                <a:latin typeface="Consolas" panose="020B0609020204030204" pitchFamily="49" charset="0"/>
+                <a:cs typeface="Consolas" panose="020B0609020204030204" pitchFamily="49" charset="0"/>
+              </a:rPr>
+              <a:t>}</a:t>
+            </a:r>
+          </a:p>
+          <a:p>
+            <a:pPr marL="0" indent="0">
+              <a:buNone/>
+            </a:pPr>
+            <a:endParaRPr lang="it-IT" sz="800" b="1" dirty="0">
+              <a:latin typeface="Consolas" panose="020B0609020204030204" pitchFamily="49" charset="0"/>
+              <a:cs typeface="Consolas" panose="020B0609020204030204" pitchFamily="49" charset="0"/>
             </a:endParaRPr>
           </a:p>
           <a:p>
             <a:pPr marL="0" indent="0">
               <a:buNone/>
             </a:pPr>
-            <a:r>
-              <a:rPr lang="en-US" sz="1100" dirty="0">
-                <a:latin typeface="Consolas"/>
-                <a:cs typeface="Consolas"/>
-              </a:rPr>
-              <a:t>public class </a:t>
-            </a:r>
-            <a:r>
-              <a:rPr lang="en-US" sz="1100" dirty="0" err="1">
-                <a:latin typeface="Consolas"/>
-                <a:cs typeface="Consolas"/>
-              </a:rPr>
-              <a:t>CelsiusConverter</a:t>
-            </a:r>
-            <a:r>
-              <a:rPr lang="en-US" sz="1100" dirty="0">
-                <a:latin typeface="Consolas"/>
-                <a:cs typeface="Consolas"/>
-              </a:rPr>
-              <a:t> extends </a:t>
-            </a:r>
-            <a:r>
-              <a:rPr lang="en-US" sz="1100" dirty="0" err="1">
-                <a:latin typeface="Consolas"/>
-                <a:cs typeface="Consolas"/>
-              </a:rPr>
-              <a:t>JFrame</a:t>
-            </a:r>
-            <a:r>
-              <a:rPr lang="en-US" sz="1100" dirty="0">
-                <a:latin typeface="Consolas"/>
-                <a:cs typeface="Consolas"/>
-              </a:rPr>
-              <a:t> </a:t>
-            </a:r>
-            <a:r>
-              <a:rPr lang="en-US" sz="1100" b="1" dirty="0">
-                <a:latin typeface="Consolas"/>
-                <a:cs typeface="Consolas"/>
-              </a:rPr>
-              <a:t>implements </a:t>
-            </a:r>
-            <a:r>
-              <a:rPr lang="en-US" sz="1100" b="1" dirty="0" err="1">
-                <a:latin typeface="Consolas"/>
-                <a:cs typeface="Consolas"/>
-              </a:rPr>
-              <a:t>ActionListener</a:t>
-            </a:r>
-            <a:r>
-              <a:rPr lang="en-US" sz="1100" b="1" dirty="0">
-                <a:latin typeface="Consolas"/>
-                <a:cs typeface="Consolas"/>
-              </a:rPr>
-              <a:t> </a:t>
-            </a:r>
-            <a:r>
-              <a:rPr lang="en-US" sz="1100" dirty="0">
-                <a:latin typeface="Consolas"/>
-                <a:cs typeface="Consolas"/>
-              </a:rPr>
-              <a:t>{</a:t>
-            </a:r>
+            <a:endParaRPr lang="it-IT" sz="800" b="1" dirty="0">
+              <a:latin typeface="Consolas" panose="020B0609020204030204" pitchFamily="49" charset="0"/>
+              <a:cs typeface="Consolas" panose="020B0609020204030204" pitchFamily="49" charset="0"/>
+            </a:endParaRPr>
           </a:p>
           <a:p>
             <a:pPr marL="0" indent="0">
               <a:buNone/>
             </a:pPr>
-            <a:r>
-              <a:rPr lang="en-US" sz="1100" dirty="0">
-                <a:latin typeface="Consolas"/>
-                <a:cs typeface="Consolas"/>
-              </a:rPr>
-              <a:t>	private </a:t>
-            </a:r>
-            <a:r>
-              <a:rPr lang="en-US" sz="1100" dirty="0" err="1">
-                <a:latin typeface="Consolas"/>
-                <a:cs typeface="Consolas"/>
-              </a:rPr>
-              <a:t>JButton</a:t>
-            </a:r>
-            <a:r>
-              <a:rPr lang="en-US" sz="1100" dirty="0">
-                <a:latin typeface="Consolas"/>
-                <a:cs typeface="Consolas"/>
-              </a:rPr>
-              <a:t> </a:t>
-            </a:r>
-            <a:r>
-              <a:rPr lang="en-US" sz="1100" dirty="0" err="1">
-                <a:latin typeface="Consolas"/>
-                <a:cs typeface="Consolas"/>
-              </a:rPr>
-              <a:t>convertButton</a:t>
-            </a:r>
-            <a:r>
-              <a:rPr lang="en-US" sz="1100" dirty="0">
-                <a:latin typeface="Consolas"/>
-                <a:cs typeface="Consolas"/>
-              </a:rPr>
-              <a:t>;</a:t>
-            </a:r>
-          </a:p>
-          <a:p>
-            <a:pPr marL="0" indent="0">
-              <a:buNone/>
-            </a:pPr>
-            <a:r>
-              <a:rPr lang="en-US" sz="1100" dirty="0">
-                <a:latin typeface="Consolas"/>
-                <a:cs typeface="Consolas"/>
-              </a:rPr>
-              <a:t>	private </a:t>
-            </a:r>
-            <a:r>
-              <a:rPr lang="en-US" sz="1100" dirty="0" err="1">
-                <a:latin typeface="Consolas"/>
-                <a:cs typeface="Consolas"/>
-              </a:rPr>
-              <a:t>JTextField</a:t>
-            </a:r>
-            <a:r>
-              <a:rPr lang="en-US" sz="1100" dirty="0">
-                <a:latin typeface="Consolas"/>
-                <a:cs typeface="Consolas"/>
-              </a:rPr>
-              <a:t> </a:t>
-            </a:r>
-            <a:r>
-              <a:rPr lang="en-US" sz="1100" dirty="0" err="1">
-                <a:latin typeface="Consolas"/>
-                <a:cs typeface="Consolas"/>
-              </a:rPr>
-              <a:t>fahrenheitLabel</a:t>
-            </a:r>
-            <a:r>
-              <a:rPr lang="en-US" sz="1100" dirty="0">
-                <a:latin typeface="Consolas"/>
-                <a:cs typeface="Consolas"/>
-              </a:rPr>
-              <a:t>;</a:t>
-            </a:r>
-          </a:p>
-          <a:p>
-            <a:pPr marL="0" indent="0">
-              <a:buNone/>
-            </a:pPr>
-            <a:r>
-              <a:rPr lang="en-US" sz="1100" dirty="0">
-                <a:latin typeface="Consolas"/>
-                <a:cs typeface="Consolas"/>
-              </a:rPr>
-              <a:t>	private </a:t>
-            </a:r>
-            <a:r>
-              <a:rPr lang="en-US" sz="1100" dirty="0" err="1">
-                <a:latin typeface="Consolas"/>
-                <a:cs typeface="Consolas"/>
-              </a:rPr>
-              <a:t>JTextField</a:t>
-            </a:r>
-            <a:r>
-              <a:rPr lang="en-US" sz="1100" dirty="0">
-                <a:latin typeface="Consolas"/>
-                <a:cs typeface="Consolas"/>
-              </a:rPr>
-              <a:t> </a:t>
-            </a:r>
-            <a:r>
-              <a:rPr lang="en-US" sz="1100" dirty="0" err="1">
-                <a:latin typeface="Consolas"/>
-                <a:cs typeface="Consolas"/>
-              </a:rPr>
-              <a:t>tempTextField</a:t>
-            </a:r>
-            <a:r>
-              <a:rPr lang="en-US" sz="1100" dirty="0">
-                <a:latin typeface="Consolas"/>
-                <a:cs typeface="Consolas"/>
-              </a:rPr>
-              <a:t>;</a:t>
-            </a:r>
-          </a:p>
-          <a:p>
-            <a:pPr marL="0" indent="0">
-              <a:buNone/>
-            </a:pPr>
-            <a:endParaRPr lang="en-US" sz="1100" dirty="0">
-              <a:latin typeface="Consolas"/>
-              <a:cs typeface="Consolas"/>
+            <a:endParaRPr lang="it-IT" sz="800" b="1" dirty="0">
+              <a:latin typeface="Consolas" panose="020B0609020204030204" pitchFamily="49" charset="0"/>
+              <a:cs typeface="Consolas" panose="020B0609020204030204" pitchFamily="49" charset="0"/>
             </a:endParaRPr>
-          </a:p>
-          <a:p>
-            <a:pPr marL="0" indent="0">
-              <a:buNone/>
-            </a:pPr>
-            <a:r>
-              <a:rPr lang="en-US" sz="1100" dirty="0">
-                <a:latin typeface="Consolas"/>
-                <a:cs typeface="Consolas"/>
-              </a:rPr>
-              <a:t>	public </a:t>
-            </a:r>
-            <a:r>
-              <a:rPr lang="en-US" sz="1100" dirty="0" err="1">
-                <a:latin typeface="Consolas"/>
-                <a:cs typeface="Consolas"/>
-              </a:rPr>
-              <a:t>CelsiusConverter</a:t>
-            </a:r>
-            <a:r>
-              <a:rPr lang="en-US" sz="1100" dirty="0">
-                <a:latin typeface="Consolas"/>
-                <a:cs typeface="Consolas"/>
-              </a:rPr>
-              <a:t>() {</a:t>
-            </a:r>
-          </a:p>
-          <a:p>
-            <a:pPr marL="0" indent="0">
-              <a:buNone/>
-            </a:pPr>
-            <a:r>
-              <a:rPr lang="en-US" sz="1100" dirty="0">
-                <a:latin typeface="Consolas"/>
-                <a:cs typeface="Consolas"/>
-              </a:rPr>
-              <a:t>		super("Celsius Converter");</a:t>
-            </a:r>
-          </a:p>
-          <a:p>
-            <a:pPr marL="0" indent="0">
-              <a:buNone/>
-            </a:pPr>
-            <a:r>
-              <a:rPr lang="en-US" sz="1100" dirty="0">
-                <a:latin typeface="Consolas"/>
-                <a:cs typeface="Consolas"/>
-              </a:rPr>
-              <a:t>		</a:t>
-            </a:r>
-            <a:r>
-              <a:rPr lang="en-US" sz="1100" dirty="0" err="1">
-                <a:latin typeface="Consolas"/>
-                <a:cs typeface="Consolas"/>
-              </a:rPr>
-              <a:t>tempTextField</a:t>
-            </a:r>
-            <a:r>
-              <a:rPr lang="en-US" sz="1100" dirty="0">
-                <a:latin typeface="Consolas"/>
-                <a:cs typeface="Consolas"/>
-              </a:rPr>
-              <a:t> = new </a:t>
-            </a:r>
-            <a:r>
-              <a:rPr lang="en-US" sz="1100" dirty="0" err="1">
-                <a:latin typeface="Consolas"/>
-                <a:cs typeface="Consolas"/>
-              </a:rPr>
-              <a:t>JTextField</a:t>
-            </a:r>
-            <a:r>
-              <a:rPr lang="en-US" sz="1100" dirty="0">
-                <a:latin typeface="Consolas"/>
-                <a:cs typeface="Consolas"/>
-              </a:rPr>
-              <a:t>("0");</a:t>
-            </a:r>
-          </a:p>
-          <a:p>
-            <a:pPr marL="0" indent="0">
-              <a:buNone/>
-            </a:pPr>
-            <a:r>
-              <a:rPr lang="en-US" sz="1100" dirty="0">
-                <a:latin typeface="Consolas"/>
-                <a:cs typeface="Consolas"/>
-              </a:rPr>
-              <a:t>		</a:t>
-            </a:r>
-            <a:r>
-              <a:rPr lang="en-US" sz="1100" dirty="0" err="1">
-                <a:latin typeface="Consolas"/>
-                <a:cs typeface="Consolas"/>
-              </a:rPr>
-              <a:t>fahrenheitLabel</a:t>
-            </a:r>
-            <a:r>
-              <a:rPr lang="en-US" sz="1100" dirty="0">
-                <a:latin typeface="Consolas"/>
-                <a:cs typeface="Consolas"/>
-              </a:rPr>
-              <a:t> = new </a:t>
-            </a:r>
-            <a:r>
-              <a:rPr lang="en-US" sz="1100" dirty="0" err="1">
-                <a:latin typeface="Consolas"/>
-                <a:cs typeface="Consolas"/>
-              </a:rPr>
-              <a:t>JTextField</a:t>
-            </a:r>
-            <a:r>
-              <a:rPr lang="en-US" sz="1100" dirty="0">
-                <a:latin typeface="Consolas"/>
-                <a:cs typeface="Consolas"/>
-              </a:rPr>
-              <a:t>("32");</a:t>
-            </a:r>
-          </a:p>
-          <a:p>
-            <a:pPr marL="0" indent="0">
-              <a:buNone/>
-            </a:pPr>
-            <a:r>
-              <a:rPr lang="en-US" sz="1100" dirty="0">
-                <a:latin typeface="Consolas"/>
-                <a:cs typeface="Consolas"/>
-              </a:rPr>
-              <a:t>		</a:t>
-            </a:r>
-            <a:r>
-              <a:rPr lang="en-US" sz="1100" dirty="0" err="1">
-                <a:latin typeface="Consolas"/>
-                <a:cs typeface="Consolas"/>
-              </a:rPr>
-              <a:t>fahrenheitLabel.setEditable</a:t>
-            </a:r>
-            <a:r>
-              <a:rPr lang="en-US" sz="1100" dirty="0">
-                <a:latin typeface="Consolas"/>
-                <a:cs typeface="Consolas"/>
-              </a:rPr>
-              <a:t>(false);</a:t>
-            </a:r>
-          </a:p>
-          <a:p>
-            <a:pPr marL="0" indent="0">
-              <a:buNone/>
-            </a:pPr>
-            <a:r>
-              <a:rPr lang="en-US" sz="1100" dirty="0">
-                <a:latin typeface="Consolas"/>
-                <a:cs typeface="Consolas"/>
-              </a:rPr>
-              <a:t>		</a:t>
-            </a:r>
-            <a:r>
-              <a:rPr lang="en-US" sz="1100" dirty="0" err="1">
-                <a:latin typeface="Consolas"/>
-                <a:cs typeface="Consolas"/>
-              </a:rPr>
-              <a:t>convertButton</a:t>
-            </a:r>
-            <a:r>
-              <a:rPr lang="en-US" sz="1100" dirty="0">
-                <a:latin typeface="Consolas"/>
-                <a:cs typeface="Consolas"/>
-              </a:rPr>
-              <a:t> = new </a:t>
-            </a:r>
-            <a:r>
-              <a:rPr lang="en-US" sz="1100" dirty="0" err="1">
-                <a:latin typeface="Consolas"/>
-                <a:cs typeface="Consolas"/>
-              </a:rPr>
-              <a:t>JButton</a:t>
-            </a:r>
-            <a:r>
-              <a:rPr lang="en-US" sz="1100" dirty="0">
-                <a:latin typeface="Consolas"/>
-                <a:cs typeface="Consolas"/>
-              </a:rPr>
-              <a:t>("Convert");</a:t>
-            </a:r>
-          </a:p>
-          <a:p>
-            <a:pPr marL="0" indent="0">
-              <a:buNone/>
-            </a:pPr>
-            <a:r>
-              <a:rPr lang="en-US" sz="1100" dirty="0">
-                <a:latin typeface="Consolas"/>
-                <a:cs typeface="Consolas"/>
-              </a:rPr>
-              <a:t>		</a:t>
-            </a:r>
-            <a:r>
-              <a:rPr lang="en-US" sz="1100" dirty="0" err="1">
-                <a:latin typeface="Consolas"/>
-                <a:cs typeface="Consolas"/>
-              </a:rPr>
-              <a:t>convertButton.addActionListener</a:t>
-            </a:r>
-            <a:r>
-              <a:rPr lang="en-US" sz="1100" dirty="0">
-                <a:latin typeface="Consolas"/>
-                <a:cs typeface="Consolas"/>
-              </a:rPr>
-              <a:t>(this);</a:t>
-            </a:r>
-          </a:p>
-          <a:p>
-            <a:pPr marL="0" indent="0">
-              <a:buNone/>
-            </a:pPr>
-            <a:r>
-              <a:rPr lang="en-US" sz="1100" dirty="0">
-                <a:latin typeface="Consolas"/>
-                <a:cs typeface="Consolas"/>
-              </a:rPr>
-              <a:t>		</a:t>
-            </a:r>
-          </a:p>
-          <a:p>
-            <a:pPr marL="0" indent="0">
-              <a:buNone/>
-            </a:pPr>
-            <a:r>
-              <a:rPr lang="en-US" sz="1100" dirty="0">
-                <a:latin typeface="Consolas"/>
-                <a:cs typeface="Consolas"/>
-              </a:rPr>
-              <a:t>        	</a:t>
-            </a:r>
-            <a:r>
-              <a:rPr lang="en-US" sz="1100" dirty="0" err="1">
-                <a:latin typeface="Consolas"/>
-                <a:cs typeface="Consolas"/>
-              </a:rPr>
-              <a:t>JPanel</a:t>
-            </a:r>
-            <a:r>
-              <a:rPr lang="en-US" sz="1100" dirty="0">
-                <a:latin typeface="Consolas"/>
-                <a:cs typeface="Consolas"/>
-              </a:rPr>
-              <a:t> p = new </a:t>
-            </a:r>
-            <a:r>
-              <a:rPr lang="en-US" sz="1100" dirty="0" err="1">
-                <a:latin typeface="Consolas"/>
-                <a:cs typeface="Consolas"/>
-              </a:rPr>
-              <a:t>JPanel</a:t>
-            </a:r>
-            <a:r>
-              <a:rPr lang="en-US" sz="1100" dirty="0">
-                <a:latin typeface="Consolas"/>
-                <a:cs typeface="Consolas"/>
-              </a:rPr>
-              <a:t>();</a:t>
-            </a:r>
-          </a:p>
-          <a:p>
-            <a:pPr marL="0" indent="0">
-              <a:buNone/>
-            </a:pPr>
-            <a:r>
-              <a:rPr lang="en-US" sz="1100" dirty="0">
-                <a:latin typeface="Consolas"/>
-                <a:cs typeface="Consolas"/>
-              </a:rPr>
-              <a:t>		</a:t>
-            </a:r>
-            <a:r>
-              <a:rPr lang="en-US" sz="1100" dirty="0" err="1">
-                <a:latin typeface="Consolas"/>
-                <a:cs typeface="Consolas"/>
-              </a:rPr>
-              <a:t>p.setLayout</a:t>
-            </a:r>
-            <a:r>
-              <a:rPr lang="en-US" sz="1100" dirty="0">
-                <a:latin typeface="Consolas"/>
-                <a:cs typeface="Consolas"/>
-              </a:rPr>
-              <a:t>(new </a:t>
-            </a:r>
-            <a:r>
-              <a:rPr lang="en-US" sz="1100" dirty="0" err="1">
-                <a:latin typeface="Consolas"/>
-                <a:cs typeface="Consolas"/>
-              </a:rPr>
-              <a:t>GridLayout</a:t>
-            </a:r>
-            <a:r>
-              <a:rPr lang="en-US" sz="1100" dirty="0">
-                <a:latin typeface="Consolas"/>
-                <a:cs typeface="Consolas"/>
-              </a:rPr>
-              <a:t>(2, 2));</a:t>
-            </a:r>
-          </a:p>
-          <a:p>
-            <a:pPr marL="0" indent="0">
-              <a:buNone/>
-            </a:pPr>
-            <a:r>
-              <a:rPr lang="en-US" sz="1100" dirty="0">
-                <a:latin typeface="Consolas"/>
-                <a:cs typeface="Consolas"/>
-              </a:rPr>
-              <a:t>		</a:t>
-            </a:r>
-            <a:r>
-              <a:rPr lang="en-US" sz="1100" dirty="0" err="1">
-                <a:latin typeface="Consolas"/>
-                <a:cs typeface="Consolas"/>
-              </a:rPr>
-              <a:t>p.add</a:t>
-            </a:r>
-            <a:r>
-              <a:rPr lang="en-US" sz="1100" dirty="0">
-                <a:latin typeface="Consolas"/>
-                <a:cs typeface="Consolas"/>
-              </a:rPr>
-              <a:t>(</a:t>
-            </a:r>
-            <a:r>
-              <a:rPr lang="en-US" sz="1100" dirty="0" err="1">
-                <a:latin typeface="Consolas"/>
-                <a:cs typeface="Consolas"/>
-              </a:rPr>
-              <a:t>tempTextField</a:t>
-            </a:r>
-            <a:r>
-              <a:rPr lang="en-US" sz="1100" dirty="0">
-                <a:latin typeface="Consolas"/>
-                <a:cs typeface="Consolas"/>
-              </a:rPr>
-              <a:t>); </a:t>
-            </a:r>
-            <a:r>
-              <a:rPr lang="en-US" sz="1100" dirty="0" err="1">
-                <a:latin typeface="Consolas"/>
-                <a:cs typeface="Consolas"/>
-              </a:rPr>
-              <a:t>p.add</a:t>
-            </a:r>
-            <a:r>
-              <a:rPr lang="en-US" sz="1100" dirty="0">
-                <a:latin typeface="Consolas"/>
-                <a:cs typeface="Consolas"/>
-              </a:rPr>
-              <a:t>(new </a:t>
-            </a:r>
-            <a:r>
-              <a:rPr lang="en-US" sz="1100" dirty="0" err="1">
-                <a:latin typeface="Consolas"/>
-                <a:cs typeface="Consolas"/>
-              </a:rPr>
-              <a:t>JLabel</a:t>
-            </a:r>
-            <a:r>
-              <a:rPr lang="en-US" sz="1100" dirty="0">
-                <a:latin typeface="Consolas"/>
-                <a:cs typeface="Consolas"/>
-              </a:rPr>
-              <a:t>("°C"));</a:t>
-            </a:r>
-          </a:p>
-          <a:p>
-            <a:pPr marL="0" indent="0">
-              <a:buNone/>
-            </a:pPr>
-            <a:r>
-              <a:rPr lang="en-US" sz="1100" dirty="0">
-                <a:latin typeface="Consolas"/>
-                <a:cs typeface="Consolas"/>
-              </a:rPr>
-              <a:t>		</a:t>
-            </a:r>
-            <a:r>
-              <a:rPr lang="en-US" sz="1100" dirty="0" err="1">
-                <a:latin typeface="Consolas"/>
-                <a:cs typeface="Consolas"/>
-              </a:rPr>
-              <a:t>p.add</a:t>
-            </a:r>
-            <a:r>
-              <a:rPr lang="en-US" sz="1100" dirty="0">
-                <a:latin typeface="Consolas"/>
-                <a:cs typeface="Consolas"/>
-              </a:rPr>
-              <a:t>(</a:t>
-            </a:r>
-            <a:r>
-              <a:rPr lang="en-US" sz="1100" dirty="0" err="1">
-                <a:latin typeface="Consolas"/>
-                <a:cs typeface="Consolas"/>
-              </a:rPr>
-              <a:t>fahrenheitLabel</a:t>
-            </a:r>
-            <a:r>
-              <a:rPr lang="en-US" sz="1100" dirty="0">
-                <a:latin typeface="Consolas"/>
-                <a:cs typeface="Consolas"/>
-              </a:rPr>
-              <a:t>); </a:t>
-            </a:r>
-            <a:r>
-              <a:rPr lang="en-US" sz="1100" dirty="0" err="1">
-                <a:latin typeface="Consolas"/>
-                <a:cs typeface="Consolas"/>
-              </a:rPr>
-              <a:t>p.add</a:t>
-            </a:r>
-            <a:r>
-              <a:rPr lang="en-US" sz="1100" dirty="0">
-                <a:latin typeface="Consolas"/>
-                <a:cs typeface="Consolas"/>
-              </a:rPr>
-              <a:t>(new </a:t>
-            </a:r>
-            <a:r>
-              <a:rPr lang="en-US" sz="1100" dirty="0" err="1">
-                <a:latin typeface="Consolas"/>
-                <a:cs typeface="Consolas"/>
-              </a:rPr>
-              <a:t>JLabel</a:t>
-            </a:r>
-            <a:r>
-              <a:rPr lang="en-US" sz="1100" dirty="0">
-                <a:latin typeface="Consolas"/>
-                <a:cs typeface="Consolas"/>
-              </a:rPr>
-              <a:t>("°F"));</a:t>
-            </a:r>
           </a:p>
         </p:txBody>
       </p:sp>
       <p:pic>
         <p:nvPicPr>
-          <p:cNvPr id="4" name="Picture 3" descr="Screen Shot 2014-11-11 at 15.06.10.png"/>
+          <p:cNvPr id="4" name="Picture 3">
+            <a:extLst>
+              <a:ext uri="{FF2B5EF4-FFF2-40B4-BE49-F238E27FC236}">
+                <a16:creationId xmlns:a16="http://schemas.microsoft.com/office/drawing/2014/main" id="{B1528425-C5A7-4F4B-AB70-E78DDECC526C}"/>
+              </a:ext>
+            </a:extLst>
+          </p:cNvPr>
           <p:cNvPicPr>
             <a:picLocks noChangeAspect="1"/>
           </p:cNvPicPr>
           <p:nvPr/>
         </p:nvPicPr>
         <p:blipFill>
-          <a:blip r:embed="rId2">
-            <a:extLst>
-              <a:ext uri="{28A0092B-C50C-407E-A947-70E740481C1C}">
-                <a14:useLocalDpi xmlns:a14="http://schemas.microsoft.com/office/drawing/2010/main" val="0"/>
-              </a:ext>
-            </a:extLst>
-          </a:blip>
+          <a:blip r:embed="rId2"/>
           <a:stretch>
             <a:fillRect/>
           </a:stretch>
         </p:blipFill>
         <p:spPr>
           <a:xfrm>
-            <a:off x="5138964" y="3389086"/>
-            <a:ext cx="3873500" cy="2438400"/>
+            <a:off x="5041900" y="4216400"/>
+            <a:ext cx="4102100" cy="2641600"/>
           </a:xfrm>
           <a:prstGeom prst="rect">
             <a:avLst/>
@@ -15771,7 +17664,7 @@
     </p:spTree>
     <p:extLst>
       <p:ext uri="{BB962C8B-B14F-4D97-AF65-F5344CB8AC3E}">
-        <p14:creationId xmlns:p14="http://schemas.microsoft.com/office/powerpoint/2010/main" val="4117965663"/>
+        <p14:creationId xmlns:p14="http://schemas.microsoft.com/office/powerpoint/2010/main" val="2604395162"/>
       </p:ext>
     </p:extLst>
   </p:cSld>
@@ -15810,12 +17703,14 @@
         </p:nvSpPr>
         <p:spPr/>
         <p:txBody>
-          <a:bodyPr/>
+          <a:bodyPr>
+            <a:normAutofit/>
+          </a:bodyPr>
           <a:lstStyle/>
           <a:p>
             <a:r>
               <a:rPr lang="en-US" dirty="0"/>
-              <a:t>A complete example</a:t>
+              <a:t>How to manage events in Java</a:t>
             </a:r>
           </a:p>
         </p:txBody>
@@ -15833,523 +17728,109 @@
         <p:spPr/>
         <p:txBody>
           <a:bodyPr>
-            <a:noAutofit/>
+            <a:normAutofit/>
           </a:bodyPr>
           <a:lstStyle/>
           <a:p>
-            <a:pPr marL="0" indent="0">
-              <a:buNone/>
-            </a:pPr>
-            <a:r>
-              <a:rPr lang="en-US" sz="1200" dirty="0">
-                <a:latin typeface="Consolas"/>
-                <a:cs typeface="Consolas"/>
-              </a:rPr>
-              <a:t> 		</a:t>
-            </a:r>
-            <a:r>
-              <a:rPr lang="en-US" sz="1200" dirty="0" err="1">
-                <a:latin typeface="Consolas"/>
-                <a:cs typeface="Consolas"/>
-              </a:rPr>
-              <a:t>setLayout</a:t>
-            </a:r>
-            <a:r>
-              <a:rPr lang="en-US" sz="1200" dirty="0">
-                <a:latin typeface="Consolas"/>
-                <a:cs typeface="Consolas"/>
-              </a:rPr>
-              <a:t>(new </a:t>
-            </a:r>
-            <a:r>
-              <a:rPr lang="en-US" sz="1200" dirty="0" err="1">
-                <a:latin typeface="Consolas"/>
-                <a:cs typeface="Consolas"/>
-              </a:rPr>
-              <a:t>BorderLayout</a:t>
-            </a:r>
-            <a:r>
-              <a:rPr lang="en-US" sz="1200" dirty="0">
-                <a:latin typeface="Consolas"/>
-                <a:cs typeface="Consolas"/>
-              </a:rPr>
-              <a:t>());</a:t>
-            </a:r>
-          </a:p>
-          <a:p>
-            <a:pPr marL="0" indent="0">
-              <a:buNone/>
-            </a:pPr>
-            <a:r>
-              <a:rPr lang="en-US" sz="1200" dirty="0">
-                <a:latin typeface="Consolas"/>
-                <a:cs typeface="Consolas"/>
-              </a:rPr>
-              <a:t>       	add(p, </a:t>
-            </a:r>
-            <a:r>
-              <a:rPr lang="en-US" sz="1200" dirty="0" err="1">
-                <a:latin typeface="Consolas"/>
-                <a:cs typeface="Consolas"/>
-              </a:rPr>
-              <a:t>BorderLayout.CENTER</a:t>
-            </a:r>
-            <a:r>
-              <a:rPr lang="en-US" sz="1200" dirty="0">
-                <a:latin typeface="Consolas"/>
-                <a:cs typeface="Consolas"/>
-              </a:rPr>
-              <a:t>);</a:t>
-            </a:r>
-          </a:p>
-          <a:p>
-            <a:pPr marL="0" indent="0">
-              <a:buNone/>
-            </a:pPr>
-            <a:r>
-              <a:rPr lang="en-US" sz="1200" dirty="0">
-                <a:latin typeface="Consolas"/>
-                <a:cs typeface="Consolas"/>
-              </a:rPr>
-              <a:t>        	add(</a:t>
-            </a:r>
-            <a:r>
-              <a:rPr lang="en-US" sz="1200" dirty="0" err="1">
-                <a:latin typeface="Consolas"/>
-                <a:cs typeface="Consolas"/>
-              </a:rPr>
-              <a:t>convertButton</a:t>
-            </a:r>
-            <a:r>
-              <a:rPr lang="en-US" sz="1200" dirty="0">
-                <a:latin typeface="Consolas"/>
-                <a:cs typeface="Consolas"/>
+            <a:r>
+              <a:rPr lang="en-US" sz="2600" dirty="0"/>
+              <a:t>Events are managed similarly to exceptions:</a:t>
+            </a:r>
+          </a:p>
+          <a:p>
+            <a:pPr lvl="1"/>
+            <a:r>
+              <a:rPr lang="en-US" sz="2600" dirty="0">
+                <a:solidFill>
+                  <a:schemeClr val="accent6">
+                    <a:lumMod val="75000"/>
+                  </a:schemeClr>
+                </a:solidFill>
+              </a:rPr>
+              <a:t>sources of events (</a:t>
+            </a:r>
+            <a:r>
+              <a:rPr lang="en-US" sz="2600" dirty="0" err="1">
+                <a:solidFill>
+                  <a:schemeClr val="accent6">
+                    <a:lumMod val="75000"/>
+                  </a:schemeClr>
+                </a:solidFill>
+              </a:rPr>
+              <a:t>JButton</a:t>
+            </a:r>
+            <a:r>
+              <a:rPr lang="en-US" sz="2600" dirty="0">
+                <a:solidFill>
+                  <a:schemeClr val="accent6">
+                    <a:lumMod val="75000"/>
+                  </a:schemeClr>
+                </a:solidFill>
               </a:rPr>
               <a:t>, </a:t>
             </a:r>
             <a:r>
-              <a:rPr lang="en-US" sz="1200" dirty="0" err="1">
-                <a:latin typeface="Consolas"/>
-                <a:cs typeface="Consolas"/>
-              </a:rPr>
-              <a:t>BorderLayout.SOUTH</a:t>
-            </a:r>
-            <a:r>
-              <a:rPr lang="en-US" sz="1200" dirty="0">
-                <a:latin typeface="Consolas"/>
-                <a:cs typeface="Consolas"/>
-              </a:rPr>
-              <a:t>);</a:t>
-            </a:r>
-          </a:p>
-          <a:p>
-            <a:pPr marL="0" indent="0">
-              <a:buNone/>
-            </a:pPr>
-            <a:r>
-              <a:rPr lang="en-US" sz="1200" dirty="0">
-                <a:latin typeface="Consolas"/>
-                <a:cs typeface="Consolas"/>
-              </a:rPr>
-              <a:t>        </a:t>
-            </a:r>
-          </a:p>
-          <a:p>
-            <a:pPr marL="0" indent="0">
-              <a:buNone/>
-            </a:pPr>
-            <a:r>
-              <a:rPr lang="en-US" sz="1200" dirty="0">
-                <a:latin typeface="Consolas"/>
-                <a:cs typeface="Consolas"/>
-              </a:rPr>
-              <a:t>        	</a:t>
-            </a:r>
-            <a:r>
-              <a:rPr lang="en-US" sz="1200" dirty="0" err="1">
-                <a:latin typeface="Consolas"/>
-                <a:cs typeface="Consolas"/>
-              </a:rPr>
-              <a:t>setDefaultCloseOperation</a:t>
-            </a:r>
-            <a:r>
-              <a:rPr lang="en-US" sz="1200" dirty="0">
-                <a:latin typeface="Consolas"/>
-                <a:cs typeface="Consolas"/>
-              </a:rPr>
-              <a:t>(</a:t>
-            </a:r>
-            <a:r>
-              <a:rPr lang="en-US" sz="1200" dirty="0" err="1">
-                <a:latin typeface="Consolas"/>
-                <a:cs typeface="Consolas"/>
-              </a:rPr>
-              <a:t>WindowConstants.EXIT_ON_CLOSE</a:t>
-            </a:r>
-            <a:r>
-              <a:rPr lang="en-US" sz="1200" dirty="0">
-                <a:latin typeface="Consolas"/>
-                <a:cs typeface="Consolas"/>
-              </a:rPr>
-              <a:t>);</a:t>
-            </a:r>
-          </a:p>
-          <a:p>
-            <a:pPr marL="0" indent="0">
-              <a:buNone/>
-            </a:pPr>
-            <a:r>
-              <a:rPr lang="en-US" sz="1200" dirty="0">
-                <a:latin typeface="Consolas"/>
-                <a:cs typeface="Consolas"/>
-              </a:rPr>
-              <a:t>		</a:t>
-            </a:r>
-            <a:r>
-              <a:rPr lang="en-US" sz="1200" dirty="0" err="1">
-                <a:latin typeface="Consolas"/>
-                <a:cs typeface="Consolas"/>
-              </a:rPr>
-              <a:t>setSize</a:t>
-            </a:r>
-            <a:r>
-              <a:rPr lang="en-US" sz="1200" dirty="0">
-                <a:latin typeface="Consolas"/>
-                <a:cs typeface="Consolas"/>
-              </a:rPr>
-              <a:t>(200, 100);</a:t>
-            </a:r>
-          </a:p>
-          <a:p>
-            <a:pPr marL="0" indent="0">
-              <a:buNone/>
-            </a:pPr>
-            <a:r>
-              <a:rPr lang="en-US" sz="1200" dirty="0">
-                <a:latin typeface="Consolas"/>
-                <a:cs typeface="Consolas"/>
-              </a:rPr>
-              <a:t>        	</a:t>
-            </a:r>
-            <a:r>
-              <a:rPr lang="en-US" sz="1200" dirty="0" err="1">
-                <a:latin typeface="Consolas"/>
-                <a:cs typeface="Consolas"/>
-              </a:rPr>
-              <a:t>setVisible</a:t>
-            </a:r>
-            <a:r>
-              <a:rPr lang="en-US" sz="1200" dirty="0">
-                <a:latin typeface="Consolas"/>
-                <a:cs typeface="Consolas"/>
-              </a:rPr>
-              <a:t>(true);</a:t>
-            </a:r>
-          </a:p>
-          <a:p>
-            <a:pPr marL="0" indent="0">
-              <a:buNone/>
-            </a:pPr>
-            <a:r>
-              <a:rPr lang="en-US" sz="1200" dirty="0">
-                <a:latin typeface="Consolas"/>
-                <a:cs typeface="Consolas"/>
-              </a:rPr>
-              <a:t>  	}</a:t>
-            </a:r>
-          </a:p>
-          <a:p>
-            <a:pPr marL="0" indent="0">
-              <a:buNone/>
-            </a:pPr>
-            <a:endParaRPr lang="en-US" sz="1200" dirty="0">
-              <a:latin typeface="Consolas"/>
-              <a:cs typeface="Consolas"/>
-            </a:endParaRPr>
-          </a:p>
-          <a:p>
-            <a:pPr marL="0" indent="0">
-              <a:buNone/>
-            </a:pPr>
-            <a:r>
-              <a:rPr lang="en-US" sz="1200" b="1" dirty="0">
-                <a:latin typeface="Consolas"/>
-                <a:cs typeface="Consolas"/>
-              </a:rPr>
-              <a:t>	public void </a:t>
-            </a:r>
-            <a:r>
-              <a:rPr lang="en-US" sz="1200" b="1" dirty="0" err="1">
-                <a:latin typeface="Consolas"/>
-                <a:cs typeface="Consolas"/>
-              </a:rPr>
-              <a:t>actionPerformed</a:t>
-            </a:r>
-            <a:r>
-              <a:rPr lang="en-US" sz="1200" b="1" dirty="0">
-                <a:latin typeface="Consolas"/>
-                <a:cs typeface="Consolas"/>
-              </a:rPr>
-              <a:t>(</a:t>
-            </a:r>
-            <a:r>
-              <a:rPr lang="en-US" sz="1200" b="1" dirty="0" err="1">
-                <a:latin typeface="Consolas"/>
-                <a:cs typeface="Consolas"/>
-              </a:rPr>
-              <a:t>ActionEvent</a:t>
-            </a:r>
-            <a:r>
-              <a:rPr lang="en-US" sz="1200" b="1" dirty="0">
-                <a:latin typeface="Consolas"/>
-                <a:cs typeface="Consolas"/>
-              </a:rPr>
-              <a:t> e) {</a:t>
-            </a:r>
-          </a:p>
-          <a:p>
-            <a:pPr marL="0" indent="0">
-              <a:buNone/>
-            </a:pPr>
-            <a:r>
-              <a:rPr lang="en-US" sz="1200" b="1" dirty="0">
-                <a:latin typeface="Consolas"/>
-                <a:cs typeface="Consolas"/>
-              </a:rPr>
-              <a:t>		</a:t>
-            </a:r>
-            <a:r>
-              <a:rPr lang="en-US" sz="1200" b="1" dirty="0" err="1">
-                <a:latin typeface="Consolas"/>
-                <a:cs typeface="Consolas"/>
-              </a:rPr>
-              <a:t>int</a:t>
-            </a:r>
-            <a:r>
-              <a:rPr lang="en-US" sz="1200" b="1" dirty="0">
-                <a:latin typeface="Consolas"/>
-                <a:cs typeface="Consolas"/>
-              </a:rPr>
-              <a:t> </a:t>
-            </a:r>
-            <a:r>
-              <a:rPr lang="en-US" sz="1200" b="1" dirty="0" err="1">
-                <a:latin typeface="Consolas"/>
-                <a:cs typeface="Consolas"/>
-              </a:rPr>
-              <a:t>tempFahr</a:t>
-            </a:r>
-            <a:r>
-              <a:rPr lang="en-US" sz="1200" b="1" dirty="0">
-                <a:latin typeface="Consolas"/>
-                <a:cs typeface="Consolas"/>
-              </a:rPr>
-              <a:t> = (</a:t>
-            </a:r>
-            <a:r>
-              <a:rPr lang="en-US" sz="1200" b="1" dirty="0" err="1">
-                <a:latin typeface="Consolas"/>
-                <a:cs typeface="Consolas"/>
-              </a:rPr>
-              <a:t>int</a:t>
-            </a:r>
-            <a:r>
-              <a:rPr lang="en-US" sz="1200" b="1" dirty="0">
-                <a:latin typeface="Consolas"/>
-                <a:cs typeface="Consolas"/>
-              </a:rPr>
-              <a:t>)</a:t>
-            </a:r>
-          </a:p>
-          <a:p>
-            <a:pPr marL="0" indent="0">
-              <a:buNone/>
-            </a:pPr>
-            <a:r>
-              <a:rPr lang="en-US" sz="1200" b="1" dirty="0">
-                <a:latin typeface="Consolas"/>
-                <a:cs typeface="Consolas"/>
-              </a:rPr>
-              <a:t>			((</a:t>
-            </a:r>
-            <a:r>
-              <a:rPr lang="en-US" sz="1200" b="1" dirty="0" err="1">
-                <a:latin typeface="Consolas"/>
-                <a:cs typeface="Consolas"/>
-              </a:rPr>
-              <a:t>Double.parseDouble</a:t>
-            </a:r>
-            <a:r>
-              <a:rPr lang="en-US" sz="1200" b="1" dirty="0">
-                <a:latin typeface="Consolas"/>
-                <a:cs typeface="Consolas"/>
-              </a:rPr>
-              <a:t>(</a:t>
-            </a:r>
-            <a:r>
-              <a:rPr lang="en-US" sz="1200" b="1" dirty="0" err="1">
-                <a:latin typeface="Consolas"/>
-                <a:cs typeface="Consolas"/>
-              </a:rPr>
-              <a:t>tempTextField.getText</a:t>
-            </a:r>
-            <a:r>
-              <a:rPr lang="en-US" sz="1200" b="1" dirty="0">
-                <a:latin typeface="Consolas"/>
-                <a:cs typeface="Consolas"/>
-              </a:rPr>
-              <a:t>())) * 1.8 + 32);</a:t>
-            </a:r>
-          </a:p>
-          <a:p>
-            <a:pPr marL="0" indent="0">
-              <a:buNone/>
-            </a:pPr>
-            <a:r>
-              <a:rPr lang="en-US" sz="1200" b="1" dirty="0">
-                <a:latin typeface="Consolas"/>
-                <a:cs typeface="Consolas"/>
-              </a:rPr>
-              <a:t>		</a:t>
-            </a:r>
-            <a:r>
-              <a:rPr lang="en-US" sz="1200" b="1" dirty="0" err="1">
-                <a:latin typeface="Consolas"/>
-                <a:cs typeface="Consolas"/>
-              </a:rPr>
-              <a:t>fahrenheitLabel.setText</a:t>
-            </a:r>
-            <a:r>
-              <a:rPr lang="en-US" sz="1200" b="1" dirty="0">
-                <a:latin typeface="Consolas"/>
-                <a:cs typeface="Consolas"/>
-              </a:rPr>
-              <a:t>(</a:t>
-            </a:r>
-            <a:r>
-              <a:rPr lang="en-US" sz="1200" b="1" dirty="0" err="1">
-                <a:latin typeface="Consolas"/>
-                <a:cs typeface="Consolas"/>
-              </a:rPr>
-              <a:t>Integer.toString</a:t>
-            </a:r>
-            <a:r>
-              <a:rPr lang="en-US" sz="1200" b="1" dirty="0">
-                <a:latin typeface="Consolas"/>
-                <a:cs typeface="Consolas"/>
-              </a:rPr>
-              <a:t>(</a:t>
-            </a:r>
-            <a:r>
-              <a:rPr lang="en-US" sz="1200" b="1" dirty="0" err="1">
-                <a:latin typeface="Consolas"/>
-                <a:cs typeface="Consolas"/>
-              </a:rPr>
-              <a:t>tempFahr</a:t>
-            </a:r>
-            <a:r>
-              <a:rPr lang="en-US" sz="1200" b="1" dirty="0">
-                <a:latin typeface="Consolas"/>
-                <a:cs typeface="Consolas"/>
-              </a:rPr>
-              <a:t>));</a:t>
-            </a:r>
-          </a:p>
-          <a:p>
-            <a:pPr marL="0" indent="0">
-              <a:buNone/>
-            </a:pPr>
-            <a:r>
-              <a:rPr lang="en-US" sz="1200" b="1" dirty="0">
-                <a:latin typeface="Consolas"/>
-                <a:cs typeface="Consolas"/>
-              </a:rPr>
-              <a:t>	}</a:t>
-            </a:r>
-          </a:p>
-          <a:p>
-            <a:pPr marL="0" indent="0">
-              <a:buNone/>
-            </a:pPr>
-            <a:endParaRPr lang="en-US" sz="1200" dirty="0">
-              <a:latin typeface="Consolas"/>
-              <a:cs typeface="Consolas"/>
-            </a:endParaRPr>
-          </a:p>
-          <a:p>
-            <a:pPr marL="0" indent="0">
-              <a:buNone/>
-            </a:pPr>
-            <a:r>
-              <a:rPr lang="en-US" sz="1200" dirty="0">
-                <a:latin typeface="Consolas"/>
-                <a:cs typeface="Consolas"/>
-              </a:rPr>
-              <a:t>	public static void main(String[] </a:t>
-            </a:r>
-            <a:r>
-              <a:rPr lang="en-US" sz="1200" dirty="0" err="1">
-                <a:latin typeface="Consolas"/>
-                <a:cs typeface="Consolas"/>
-              </a:rPr>
-              <a:t>args</a:t>
-            </a:r>
-            <a:r>
-              <a:rPr lang="en-US" sz="1200" dirty="0">
-                <a:latin typeface="Consolas"/>
-                <a:cs typeface="Consolas"/>
-              </a:rPr>
-              <a:t>) {</a:t>
-            </a:r>
-          </a:p>
-          <a:p>
-            <a:pPr marL="0" indent="0">
-              <a:buNone/>
-            </a:pPr>
-            <a:r>
-              <a:rPr lang="en-US" sz="1200" dirty="0">
-                <a:latin typeface="Consolas"/>
-                <a:cs typeface="Consolas"/>
-              </a:rPr>
-              <a:t>		new </a:t>
-            </a:r>
-            <a:r>
-              <a:rPr lang="en-US" sz="1200" dirty="0" err="1">
-                <a:latin typeface="Consolas"/>
-                <a:cs typeface="Consolas"/>
-              </a:rPr>
-              <a:t>CelsiusConverter</a:t>
-            </a:r>
-            <a:r>
-              <a:rPr lang="en-US" sz="1200" dirty="0">
-                <a:latin typeface="Consolas"/>
-                <a:cs typeface="Consolas"/>
-              </a:rPr>
-              <a:t>();</a:t>
-            </a:r>
-          </a:p>
-          <a:p>
-            <a:pPr marL="0" indent="0">
-              <a:buNone/>
-            </a:pPr>
-            <a:r>
-              <a:rPr lang="en-US" sz="1200" dirty="0">
-                <a:latin typeface="Consolas"/>
-                <a:cs typeface="Consolas"/>
-              </a:rPr>
-              <a:t>	}</a:t>
-            </a:r>
-          </a:p>
-          <a:p>
-            <a:pPr marL="0" indent="0">
-              <a:buNone/>
-            </a:pPr>
-            <a:r>
-              <a:rPr lang="en-US" sz="1200" dirty="0">
-                <a:latin typeface="Consolas"/>
-                <a:cs typeface="Consolas"/>
-              </a:rPr>
-              <a:t>}</a:t>
+              <a:rPr lang="en-US" sz="2600" dirty="0" err="1">
+                <a:solidFill>
+                  <a:schemeClr val="accent6">
+                    <a:lumMod val="75000"/>
+                  </a:schemeClr>
+                </a:solidFill>
+              </a:rPr>
+              <a:t>JTextField</a:t>
+            </a:r>
+            <a:r>
+              <a:rPr lang="en-US" sz="2600" dirty="0">
+                <a:solidFill>
+                  <a:schemeClr val="accent6">
+                    <a:lumMod val="75000"/>
+                  </a:schemeClr>
+                </a:solidFill>
+              </a:rPr>
+              <a:t>, etc..) select their receivers </a:t>
+            </a:r>
+          </a:p>
+          <a:p>
+            <a:pPr lvl="1"/>
+            <a:r>
+              <a:rPr lang="en-US" sz="2600" dirty="0"/>
+              <a:t>Example: </a:t>
+            </a:r>
+            <a:r>
+              <a:rPr lang="en-US" sz="2600" i="1" dirty="0" err="1"/>
+              <a:t>button.addActionListener</a:t>
+            </a:r>
+            <a:r>
+              <a:rPr lang="en-US" sz="2600" i="1" dirty="0"/>
+              <a:t>(receiver)</a:t>
+            </a:r>
+            <a:endParaRPr lang="en-US" sz="2600" dirty="0"/>
+          </a:p>
+          <a:p>
+            <a:pPr lvl="1"/>
+            <a:r>
+              <a:rPr lang="en-US" sz="2600" dirty="0">
+                <a:solidFill>
+                  <a:schemeClr val="accent6">
+                    <a:lumMod val="75000"/>
+                  </a:schemeClr>
+                </a:solidFill>
+              </a:rPr>
+              <a:t>receivers of events declare which events are able to deal with (one or more) by implementing the needed interfaces</a:t>
+            </a:r>
+          </a:p>
+          <a:p>
+            <a:r>
+              <a:rPr lang="en-US" sz="2600" dirty="0"/>
+              <a:t>Pay attention! Receivers implement interfaces, so they must implement all methods of those interfaces (see interface </a:t>
+            </a:r>
+            <a:r>
+              <a:rPr lang="en-US" sz="2600" dirty="0" err="1"/>
+              <a:t>MouseListener</a:t>
+            </a:r>
+            <a:r>
+              <a:rPr lang="en-US" sz="2600" dirty="0"/>
+              <a:t>)!</a:t>
             </a:r>
           </a:p>
         </p:txBody>
@@ -16357,7 +17838,7 @@
     </p:spTree>
     <p:extLst>
       <p:ext uri="{BB962C8B-B14F-4D97-AF65-F5344CB8AC3E}">
-        <p14:creationId xmlns:p14="http://schemas.microsoft.com/office/powerpoint/2010/main" val="2604395162"/>
+        <p14:creationId xmlns:p14="http://schemas.microsoft.com/office/powerpoint/2010/main" val="1502001609"/>
       </p:ext>
     </p:extLst>
   </p:cSld>
@@ -16396,9 +17877,7 @@
         </p:nvSpPr>
         <p:spPr/>
         <p:txBody>
-          <a:bodyPr>
-            <a:normAutofit/>
-          </a:bodyPr>
+          <a:bodyPr/>
           <a:lstStyle/>
           <a:p>
             <a:r>
@@ -16420,77 +17899,84 @@
         </p:nvSpPr>
         <p:spPr/>
         <p:txBody>
-          <a:bodyPr>
-            <a:normAutofit fontScale="92500" lnSpcReduction="20000"/>
-          </a:bodyPr>
+          <a:bodyPr/>
           <a:lstStyle/>
           <a:p>
             <a:r>
               <a:rPr lang="en-US" dirty="0"/>
-              <a:t>The principle underlying the events is quite similar to the exceptions :</a:t>
-            </a:r>
-          </a:p>
-          <a:p>
-            <a:pPr lvl="1"/>
-            <a:r>
-              <a:rPr lang="en-US" dirty="0"/>
-              <a:t>the receivers declare which event are able to deal with (one or more) by implementing the needed interfaces</a:t>
-            </a:r>
-          </a:p>
-          <a:p>
-            <a:pPr lvl="1"/>
-            <a:r>
-              <a:rPr lang="en-US" dirty="0"/>
-              <a:t>the components that are source of events (</a:t>
+              <a:t>Generally, </a:t>
             </a:r>
             <a:r>
               <a:rPr lang="en-US" dirty="0" err="1"/>
-              <a:t>JButton</a:t>
-            </a:r>
-            <a:r>
-              <a:rPr lang="en-US" dirty="0"/>
-              <a:t>, </a:t>
-            </a:r>
-            <a:r>
-              <a:rPr lang="en-US" dirty="0" err="1"/>
-              <a:t>JTextField</a:t>
-            </a:r>
-            <a:r>
-              <a:rPr lang="en-US" dirty="0"/>
-              <a:t>, etc..) select their receivers</a:t>
-            </a:r>
-          </a:p>
-          <a:p>
-            <a:pPr lvl="2"/>
-            <a:r>
-              <a:rPr lang="en-US" dirty="0" err="1"/>
-              <a:t>button.</a:t>
-            </a:r>
-            <a:r>
-              <a:rPr lang="en-US" dirty="0" err="1">
-                <a:solidFill>
-                  <a:schemeClr val="accent6"/>
-                </a:solidFill>
-              </a:rPr>
-              <a:t>addActionListener</a:t>
-            </a:r>
-            <a:r>
-              <a:rPr lang="en-US" dirty="0"/>
-              <a:t>(receiver)</a:t>
-            </a:r>
-          </a:p>
-          <a:p>
-            <a:r>
-              <a:rPr lang="en-US" dirty="0"/>
-              <a:t>Pay attention! You're implementing interfaces, so you must implement all methods of those interfaces!</a:t>
-            </a:r>
+              <a:t>JComponents</a:t>
+            </a:r>
+            <a:r>
+              <a:rPr lang="en-US" dirty="0"/>
+              <a:t> can:</a:t>
+            </a:r>
+          </a:p>
+          <a:p>
+            <a:pPr marL="914400" lvl="1" indent="-514350">
+              <a:buFont typeface="+mj-lt"/>
+              <a:buAutoNum type="arabicPeriod"/>
+            </a:pPr>
+            <a:r>
+              <a:rPr lang="en-US" dirty="0"/>
+              <a:t>Handle events on their own</a:t>
+            </a:r>
+          </a:p>
+          <a:p>
+            <a:pPr lvl="2" indent="-342900"/>
+            <a:r>
+              <a:rPr lang="en-US" i="1" dirty="0"/>
+              <a:t>In case of large number of components</a:t>
+            </a:r>
+          </a:p>
+          <a:p>
+            <a:pPr marL="914400" lvl="1" indent="-514350">
+              <a:buFont typeface="+mj-lt"/>
+              <a:buAutoNum type="arabicPeriod"/>
+            </a:pPr>
+            <a:r>
+              <a:rPr lang="en-US" dirty="0"/>
+              <a:t>Delegate events to their container</a:t>
+            </a:r>
+          </a:p>
+          <a:p>
+            <a:pPr lvl="2" indent="-342900"/>
+            <a:r>
+              <a:rPr lang="en-US" i="1" dirty="0"/>
+              <a:t>In case of small/medium number of components</a:t>
+            </a:r>
+            <a:endParaRPr lang="en-US" dirty="0"/>
+          </a:p>
+          <a:p>
+            <a:pPr marL="914400" lvl="1" indent="-514350">
+              <a:buFont typeface="+mj-lt"/>
+              <a:buAutoNum type="arabicPeriod"/>
+            </a:pPr>
+            <a:r>
+              <a:rPr lang="en-US" dirty="0"/>
+              <a:t>Delegate events to external classes</a:t>
+            </a:r>
+          </a:p>
+          <a:p>
+            <a:pPr lvl="2" indent="-342900"/>
+            <a:r>
+              <a:rPr lang="en-US" i="1" dirty="0"/>
+              <a:t>Rarely used (produces unneeded classes)</a:t>
+            </a:r>
+          </a:p>
+          <a:p>
+            <a:pPr marL="1314450" lvl="2" indent="-514350"/>
+            <a:endParaRPr lang="en-US" dirty="0"/>
           </a:p>
         </p:txBody>
       </p:sp>
     </p:spTree>
     <p:extLst>
       <p:ext uri="{BB962C8B-B14F-4D97-AF65-F5344CB8AC3E}">
-        <p14:creationId xmlns:p14="http://schemas.microsoft.com/office/powerpoint/2010/main" val="1502001609"/>
+        <p14:creationId xmlns:p14="http://schemas.microsoft.com/office/powerpoint/2010/main" val="3509767285"/>
       </p:ext>
     </p:extLst>
   </p:cSld>
@@ -16534,7 +18020,7 @@
           <a:p>
             <a:r>
               <a:rPr lang="en-US" dirty="0"/>
-              <a:t>How to manage events in Java</a:t>
+              <a:t>Handle events on their own</a:t>
             </a:r>
           </a:p>
         </p:txBody>
@@ -16551,76 +18037,172 @@
         </p:nvSpPr>
         <p:spPr/>
         <p:txBody>
-          <a:bodyPr/>
+          <a:bodyPr>
+            <a:noAutofit/>
+          </a:bodyPr>
           <a:lstStyle/>
           <a:p>
-            <a:r>
-              <a:rPr lang="en-US" dirty="0"/>
-              <a:t>Components can:</a:t>
-            </a:r>
-          </a:p>
-          <a:p>
-            <a:pPr marL="914400" lvl="1" indent="-514350">
-              <a:buFont typeface="+mj-lt"/>
-              <a:buAutoNum type="arabicPeriod"/>
+            <a:pPr marL="0" indent="0">
+              <a:buNone/>
             </a:pPr>
             <a:r>
-              <a:rPr lang="en-US" dirty="0"/>
-              <a:t>Handle events on their own</a:t>
-            </a:r>
-          </a:p>
-          <a:p>
-            <a:pPr lvl="2" indent="-342900"/>
-            <a:r>
-              <a:rPr lang="en-US" i="1" dirty="0"/>
-              <a:t>In case of large number of components</a:t>
-            </a:r>
-          </a:p>
-          <a:p>
-            <a:pPr marL="914400" lvl="1" indent="-514350">
-              <a:buFont typeface="+mj-lt"/>
-              <a:buAutoNum type="arabicPeriod"/>
+              <a:rPr lang="en-US" sz="1600" dirty="0" err="1">
+                <a:latin typeface="Consolas"/>
+                <a:cs typeface="Consolas"/>
+              </a:rPr>
+              <a:t>JButton</a:t>
+            </a:r>
+            <a:r>
+              <a:rPr lang="en-US" sz="1600" dirty="0">
+                <a:latin typeface="Consolas"/>
+                <a:cs typeface="Consolas"/>
+              </a:rPr>
+              <a:t> </a:t>
+            </a:r>
+            <a:r>
+              <a:rPr lang="en-US" sz="1600" dirty="0" err="1">
+                <a:latin typeface="Consolas"/>
+                <a:cs typeface="Consolas"/>
+              </a:rPr>
+              <a:t>btn</a:t>
+            </a:r>
+            <a:r>
+              <a:rPr lang="en-US" sz="1600" dirty="0">
+                <a:latin typeface="Consolas"/>
+                <a:cs typeface="Consolas"/>
+              </a:rPr>
+              <a:t> = new </a:t>
+            </a:r>
+            <a:r>
+              <a:rPr lang="en-US" sz="1600" dirty="0" err="1">
+                <a:latin typeface="Consolas"/>
+                <a:cs typeface="Consolas"/>
+              </a:rPr>
+              <a:t>Jbutton</a:t>
+            </a:r>
+            <a:r>
+              <a:rPr lang="en-US" sz="1600" dirty="0">
+                <a:latin typeface="Consolas"/>
+                <a:cs typeface="Consolas"/>
+              </a:rPr>
+              <a:t>();</a:t>
+            </a:r>
+          </a:p>
+          <a:p>
+            <a:pPr marL="0" indent="0">
+              <a:buNone/>
             </a:pPr>
             <a:r>
-              <a:rPr lang="en-US" dirty="0"/>
-              <a:t>Delegate events to their container</a:t>
-            </a:r>
-          </a:p>
-          <a:p>
-            <a:pPr lvl="2" indent="-342900"/>
-            <a:r>
-              <a:rPr lang="en-US" i="1" dirty="0"/>
-              <a:t>In case of small/medium number of components</a:t>
-            </a:r>
-            <a:endParaRPr lang="en-US" dirty="0"/>
-          </a:p>
-          <a:p>
-            <a:pPr marL="914400" lvl="1" indent="-514350">
-              <a:buFont typeface="+mj-lt"/>
-              <a:buAutoNum type="arabicPeriod"/>
+              <a:rPr lang="en-US" sz="1600" dirty="0" err="1">
+                <a:latin typeface="Consolas"/>
+                <a:cs typeface="Consolas"/>
+              </a:rPr>
+              <a:t>btn.addActionListener</a:t>
+            </a:r>
+            <a:r>
+              <a:rPr lang="en-US" sz="1600" dirty="0">
+                <a:latin typeface="Consolas"/>
+                <a:cs typeface="Consolas"/>
+              </a:rPr>
+              <a:t>(new </a:t>
+            </a:r>
+            <a:r>
+              <a:rPr lang="en-US" sz="1600" dirty="0" err="1">
+                <a:latin typeface="Consolas"/>
+                <a:cs typeface="Consolas"/>
+              </a:rPr>
+              <a:t>ActionListener</a:t>
+            </a:r>
+            <a:r>
+              <a:rPr lang="en-US" sz="1600" dirty="0">
+                <a:latin typeface="Consolas"/>
+                <a:cs typeface="Consolas"/>
+              </a:rPr>
+              <a:t>() {</a:t>
+            </a:r>
+          </a:p>
+          <a:p>
+            <a:pPr marL="0" indent="0">
+              <a:buNone/>
             </a:pPr>
             <a:r>
-              <a:rPr lang="en-US" dirty="0"/>
-              <a:t>Delegate events to external classes</a:t>
-            </a:r>
-          </a:p>
-          <a:p>
-            <a:pPr lvl="2" indent="-342900"/>
-            <a:r>
-              <a:rPr lang="en-US" i="1" dirty="0"/>
-              <a:t>Rarely used (produces unneeded classes)</a:t>
-            </a:r>
-          </a:p>
-          <a:p>
-            <a:pPr marL="1314450" lvl="2" indent="-514350"/>
-            <a:endParaRPr lang="en-US" dirty="0"/>
+              <a:rPr lang="en-US" sz="1600" dirty="0">
+                <a:latin typeface="Consolas"/>
+                <a:cs typeface="Consolas"/>
+              </a:rPr>
+              <a:t>	@Override</a:t>
+            </a:r>
+          </a:p>
+          <a:p>
+            <a:pPr marL="0" indent="0">
+              <a:buNone/>
+            </a:pPr>
+            <a:r>
+              <a:rPr lang="en-US" sz="1600" dirty="0">
+                <a:latin typeface="Consolas"/>
+                <a:cs typeface="Consolas"/>
+              </a:rPr>
+              <a:t>	public void </a:t>
+            </a:r>
+            <a:r>
+              <a:rPr lang="en-US" sz="1600" dirty="0" err="1">
+                <a:latin typeface="Consolas"/>
+                <a:cs typeface="Consolas"/>
+              </a:rPr>
+              <a:t>actionPerformed</a:t>
+            </a:r>
+            <a:r>
+              <a:rPr lang="en-US" sz="1600" dirty="0">
+                <a:latin typeface="Consolas"/>
+                <a:cs typeface="Consolas"/>
+              </a:rPr>
+              <a:t>(</a:t>
+            </a:r>
+            <a:r>
+              <a:rPr lang="en-US" sz="1600" dirty="0" err="1">
+                <a:latin typeface="Consolas"/>
+                <a:cs typeface="Consolas"/>
+              </a:rPr>
+              <a:t>ActionEvent</a:t>
+            </a:r>
+            <a:r>
+              <a:rPr lang="en-US" sz="1600" dirty="0">
+                <a:latin typeface="Consolas"/>
+                <a:cs typeface="Consolas"/>
+              </a:rPr>
+              <a:t> e) {</a:t>
+            </a:r>
+          </a:p>
+          <a:p>
+            <a:pPr marL="0" indent="0">
+              <a:buNone/>
+            </a:pPr>
+            <a:r>
+              <a:rPr lang="en-US" sz="1600" dirty="0">
+                <a:latin typeface="Consolas"/>
+                <a:cs typeface="Consolas"/>
+              </a:rPr>
+              <a:t>	// do something</a:t>
+            </a:r>
+          </a:p>
+          <a:p>
+            <a:pPr marL="0" indent="0">
+              <a:buNone/>
+            </a:pPr>
+            <a:r>
+              <a:rPr lang="en-US" sz="1600" dirty="0">
+                <a:latin typeface="Consolas"/>
+                <a:cs typeface="Consolas"/>
+              </a:rPr>
+              <a:t>}});</a:t>
+            </a:r>
           </a:p>
         </p:txBody>
       </p:sp>
     </p:spTree>
     <p:extLst>
       <p:ext uri="{BB962C8B-B14F-4D97-AF65-F5344CB8AC3E}">
-        <p14:creationId xmlns:p14="http://schemas.microsoft.com/office/powerpoint/2010/main" val="3509767285"/>
+        <p14:creationId xmlns:p14="http://schemas.microsoft.com/office/powerpoint/2010/main" val="3331571600"/>
       </p:ext>
     </p:extLst>
   </p:cSld>
@@ -16659,12 +18241,14 @@
         </p:nvSpPr>
         <p:spPr/>
         <p:txBody>
-          <a:bodyPr/>
+          <a:bodyPr>
+            <a:normAutofit/>
+          </a:bodyPr>
           <a:lstStyle/>
           <a:p>
             <a:r>
               <a:rPr lang="en-US" dirty="0"/>
-              <a:t>Handle events on their own</a:t>
+              <a:t>Delegate events to their container</a:t>
             </a:r>
           </a:p>
         </p:txBody>
@@ -16682,7 +18266,7 @@
         <p:spPr/>
         <p:txBody>
           <a:bodyPr>
-            <a:noAutofit/>
+            <a:normAutofit/>
           </a:bodyPr>
           <a:lstStyle/>
           <a:p>
@@ -16690,17 +18274,78 @@
               <a:buNone/>
             </a:pPr>
             <a:r>
+              <a:rPr lang="en-US" sz="1600" dirty="0">
+                <a:latin typeface="Consolas"/>
+                <a:cs typeface="Consolas"/>
+              </a:rPr>
+              <a:t>class </a:t>
+            </a:r>
+            <a:r>
               <a:rPr lang="en-US" sz="1600" dirty="0" err="1">
                 <a:latin typeface="Consolas"/>
                 <a:cs typeface="Consolas"/>
               </a:rPr>
-              <a:t>JButton</a:t>
+              <a:t>FrameWithEvents</a:t>
             </a:r>
             <a:r>
               <a:rPr lang="en-US" sz="1600" dirty="0">
                 <a:latin typeface="Consolas"/>
                 <a:cs typeface="Consolas"/>
               </a:rPr>
+              <a:t> extends </a:t>
+            </a:r>
+            <a:r>
+              <a:rPr lang="en-US" sz="1600" dirty="0" err="1">
+                <a:latin typeface="Consolas"/>
+                <a:cs typeface="Consolas"/>
+              </a:rPr>
+              <a:t>JFrame</a:t>
+            </a:r>
+            <a:r>
+              <a:rPr lang="en-US" sz="1600" dirty="0">
+                <a:latin typeface="Consolas"/>
+                <a:cs typeface="Consolas"/>
+              </a:rPr>
+              <a:t> implements </a:t>
+            </a:r>
+            <a:r>
+              <a:rPr lang="en-US" sz="1600" dirty="0" err="1">
+                <a:latin typeface="Consolas"/>
+                <a:cs typeface="Consolas"/>
+              </a:rPr>
+              <a:t>InterfaceWithEvents</a:t>
+            </a:r>
+            <a:r>
+              <a:rPr lang="en-US" sz="1600" dirty="0">
+                <a:latin typeface="Consolas"/>
+                <a:cs typeface="Consolas"/>
+              </a:rPr>
+              <a:t> {</a:t>
+            </a:r>
+          </a:p>
+          <a:p>
+            <a:pPr marL="0" indent="0">
+              <a:buNone/>
+            </a:pPr>
+            <a:r>
+              <a:rPr lang="en-US" sz="1600" dirty="0">
+                <a:latin typeface="Consolas"/>
+                <a:cs typeface="Consolas"/>
+              </a:rPr>
+              <a:t>	</a:t>
+            </a:r>
+            <a:r>
+              <a:rPr lang="en-US" sz="1600" dirty="0" err="1">
+                <a:latin typeface="Consolas"/>
+                <a:cs typeface="Consolas"/>
+              </a:rPr>
+              <a:t>JComponent</a:t>
+            </a:r>
+            <a:r>
+              <a:rPr lang="en-US" sz="1600" dirty="0">
+                <a:latin typeface="Consolas"/>
+                <a:cs typeface="Consolas"/>
+              </a:rPr>
               <a:t> </a:t>
             </a:r>
             <a:r>
@@ -16708,7 +18353,7 @@
                 <a:latin typeface="Consolas"/>
                 <a:cs typeface="Consolas"/>
               </a:rPr>
-              <a:t>btn</a:t>
+              <a:t>sourceofEvents</a:t>
             </a:r>
             <a:r>
               <a:rPr lang="en-US" sz="1600" dirty="0">
@@ -16722,7 +18367,7 @@
                 <a:latin typeface="Consolas"/>
                 <a:cs typeface="Consolas"/>
               </a:rPr>
-              <a:t>Jbutton</a:t>
+              <a:t>JComponent</a:t>
             </a:r>
             <a:r>
               <a:rPr lang="en-US" sz="1600" dirty="0">
@@ -16737,32 +18382,87 @@
               <a:buNone/>
             </a:pPr>
             <a:r>
+              <a:rPr lang="en-US" sz="1600" dirty="0">
+                <a:latin typeface="Consolas"/>
+                <a:cs typeface="Consolas"/>
+              </a:rPr>
+              <a:t>	</a:t>
+            </a:r>
+            <a:r>
               <a:rPr lang="en-US" sz="1600" dirty="0" err="1">
                 <a:latin typeface="Consolas"/>
                 <a:cs typeface="Consolas"/>
               </a:rPr>
-              <a:t>btn.addActionListener</a:t>
+              <a:t>sourceOfEvents.addListener</a:t>
             </a:r>
             <a:r>
               <a:rPr lang="en-US" sz="1600" dirty="0">
                 <a:latin typeface="Consolas"/>
                 <a:cs typeface="Consolas"/>
               </a:rPr>
-              <a:t>(new </a:t>
+              <a:t>(this);</a:t>
+            </a:r>
+          </a:p>
+          <a:p>
+            <a:pPr marL="0" indent="0">
+              <a:buNone/>
+            </a:pPr>
+            <a:r>
+              <a:rPr lang="en-US" sz="1600" dirty="0">
+                <a:latin typeface="Consolas"/>
+                <a:cs typeface="Consolas"/>
+              </a:rPr>
+              <a:t>	</a:t>
+            </a:r>
+          </a:p>
+          <a:p>
+            <a:pPr marL="0" indent="0">
+              <a:buNone/>
+            </a:pPr>
+            <a:r>
+              <a:rPr lang="en-US" sz="1600" dirty="0">
+                <a:latin typeface="Consolas"/>
+                <a:cs typeface="Consolas"/>
+              </a:rPr>
+              <a:t>	void method1OfTheInterfaceWithEvents() {...}</a:t>
+            </a:r>
+          </a:p>
+          <a:p>
+            <a:pPr marL="0" indent="0">
+              <a:buNone/>
+            </a:pPr>
+            <a:r>
+              <a:rPr lang="en-US" sz="1600" dirty="0">
+                <a:latin typeface="Consolas"/>
+                <a:cs typeface="Consolas"/>
+              </a:rPr>
+              <a:t>	void method2OfTheInterfaceWithEvents() {...}</a:t>
+            </a:r>
+          </a:p>
+          <a:p>
+            <a:pPr marL="0" indent="0">
+              <a:buNone/>
+            </a:pPr>
+            <a:r>
+              <a:rPr lang="en-US" sz="1600" dirty="0">
+                <a:latin typeface="Consolas"/>
+                <a:cs typeface="Consolas"/>
+              </a:rPr>
+              <a:t>	void </a:t>
             </a:r>
             <a:r>
               <a:rPr lang="en-US" sz="1600" dirty="0" err="1">
                 <a:latin typeface="Consolas"/>
                 <a:cs typeface="Consolas"/>
               </a:rPr>
-              <a:t>ActionListener</a:t>
+              <a:t>methodnOfTheInterfaceWithEvents</a:t>
             </a:r>
             <a:r>
               <a:rPr lang="en-US" sz="1600" dirty="0">
                 <a:latin typeface="Consolas"/>
                 <a:cs typeface="Consolas"/>
               </a:rPr>
-              <a:t>() {</a:t>
+              <a:t>() {...}</a:t>
             </a:r>
           </a:p>
           <a:p>
@@ -16774,71 +18474,7 @@
                 <a:latin typeface="Consolas"/>
                 <a:cs typeface="Consolas"/>
               </a:rPr>
-              <a:t>	@Override</a:t>
-            </a:r>
-          </a:p>
-          <a:p>
-            <a:pPr marL="0" indent="0">
-              <a:buNone/>
-            </a:pPr>
-            <a:r>
-              <a:rPr lang="en-US" sz="1600" dirty="0">
-                <a:latin typeface="Consolas"/>
-                <a:cs typeface="Consolas"/>
-              </a:rPr>
-              <a:t>	public void </a:t>
-            </a:r>
-            <a:r>
-              <a:rPr lang="en-US" sz="1600" dirty="0" err="1">
-                <a:latin typeface="Consolas"/>
-                <a:cs typeface="Consolas"/>
-              </a:rPr>
-              <a:t>actionPerformed</a:t>
-            </a:r>
-            <a:r>
-              <a:rPr lang="en-US" sz="1600" dirty="0">
-                <a:latin typeface="Consolas"/>
-                <a:cs typeface="Consolas"/>
-              </a:rPr>
-              <a:t>(</a:t>
-            </a:r>
-            <a:r>
-              <a:rPr lang="en-US" sz="1600" dirty="0" err="1">
-                <a:latin typeface="Consolas"/>
-                <a:cs typeface="Consolas"/>
-              </a:rPr>
-              <a:t>ActionEvent</a:t>
-            </a:r>
-            <a:r>
-              <a:rPr lang="en-US" sz="1600" dirty="0">
-                <a:latin typeface="Consolas"/>
-                <a:cs typeface="Consolas"/>
-              </a:rPr>
-              <a:t> e) {</a:t>
-            </a:r>
-          </a:p>
-          <a:p>
-            <a:pPr marL="0" indent="0">
-              <a:buNone/>
-            </a:pPr>
-            <a:r>
-              <a:rPr lang="en-US" sz="1600" dirty="0">
-                <a:latin typeface="Consolas"/>
-                <a:cs typeface="Consolas"/>
-              </a:rPr>
-              <a:t>	// do something</a:t>
-            </a:r>
-          </a:p>
-          <a:p>
-            <a:pPr marL="0" indent="0">
-              <a:buNone/>
-            </a:pPr>
-            <a:r>
-              <a:rPr lang="en-US" sz="1600" dirty="0">
-                <a:latin typeface="Consolas"/>
-                <a:cs typeface="Consolas"/>
-              </a:rPr>
-              <a:t>}});</a:t>
+              <a:t>}</a:t>
             </a:r>
           </a:p>
         </p:txBody>
@@ -16846,7 +18482,7 @@
     </p:spTree>
     <p:extLst>
       <p:ext uri="{BB962C8B-B14F-4D97-AF65-F5344CB8AC3E}">
-        <p14:creationId xmlns:p14="http://schemas.microsoft.com/office/powerpoint/2010/main" val="3331571600"/>
+        <p14:creationId xmlns:p14="http://schemas.microsoft.com/office/powerpoint/2010/main" val="2031253369"/>
       </p:ext>
     </p:extLst>
   </p:cSld>
@@ -16892,7 +18528,7 @@
           <a:p>
             <a:r>
               <a:rPr lang="en-US" dirty="0"/>
-              <a:t>Delegate events to their container</a:t>
+              <a:t>Delegate events to external classes</a:t>
             </a:r>
           </a:p>
         </p:txBody>
@@ -16910,57 +18546,123 @@
         <p:spPr/>
         <p:txBody>
           <a:bodyPr>
-            <a:normAutofit/>
+            <a:noAutofit/>
           </a:bodyPr>
           <a:lstStyle/>
           <a:p>
+            <a:pPr marL="0" lvl="1" indent="0">
+              <a:buNone/>
+            </a:pPr>
+            <a:r>
+              <a:rPr lang="en-US" sz="1800" dirty="0">
+                <a:latin typeface="Consolas"/>
+                <a:cs typeface="Consolas"/>
+              </a:rPr>
+              <a:t>class </a:t>
+            </a:r>
+            <a:r>
+              <a:rPr lang="en-US" sz="1800" dirty="0" err="1">
+                <a:latin typeface="Consolas"/>
+                <a:cs typeface="Consolas"/>
+              </a:rPr>
+              <a:t>MyListener</a:t>
+            </a:r>
+            <a:r>
+              <a:rPr lang="en-US" sz="1800" dirty="0">
+                <a:latin typeface="Consolas"/>
+                <a:cs typeface="Consolas"/>
+              </a:rPr>
+              <a:t> implements </a:t>
+            </a:r>
+            <a:r>
+              <a:rPr lang="en-US" sz="1800" dirty="0" err="1">
+                <a:latin typeface="Consolas"/>
+                <a:cs typeface="Consolas"/>
+              </a:rPr>
+              <a:t>InterfaceWithEvents</a:t>
+            </a:r>
+            <a:r>
+              <a:rPr lang="en-US" sz="1800" dirty="0">
+                <a:latin typeface="Consolas"/>
+                <a:cs typeface="Consolas"/>
+              </a:rPr>
+              <a:t> {</a:t>
+            </a:r>
+          </a:p>
+          <a:p>
             <a:pPr marL="0" indent="0">
               <a:buNone/>
             </a:pPr>
             <a:r>
-              <a:rPr lang="en-US" sz="1600" dirty="0">
-                <a:latin typeface="Consolas"/>
-                <a:cs typeface="Consolas"/>
-              </a:rPr>
-              <a:t>class </a:t>
-            </a:r>
-            <a:r>
-              <a:rPr lang="en-US" sz="1600" dirty="0" err="1">
-                <a:latin typeface="Consolas"/>
-                <a:cs typeface="Consolas"/>
-              </a:rPr>
-              <a:t>FrameWithEvents</a:t>
-            </a:r>
-            <a:r>
-              <a:rPr lang="en-US" sz="1600" dirty="0">
-                <a:latin typeface="Consolas"/>
-                <a:cs typeface="Consolas"/>
-              </a:rPr>
-              <a:t> extends </a:t>
-            </a:r>
-            <a:r>
-              <a:rPr lang="en-US" sz="1600" dirty="0" err="1">
+              <a:rPr lang="en-US" sz="1800" dirty="0">
+                <a:latin typeface="Consolas"/>
+                <a:cs typeface="Consolas"/>
+              </a:rPr>
+              <a:t>	void method1OfTheInterfaceWithEvents() {...}</a:t>
+            </a:r>
+          </a:p>
+          <a:p>
+            <a:pPr marL="0" indent="0">
+              <a:buNone/>
+            </a:pPr>
+            <a:r>
+              <a:rPr lang="en-US" sz="1800" dirty="0">
+                <a:latin typeface="Consolas"/>
+                <a:cs typeface="Consolas"/>
+              </a:rPr>
+              <a:t>	void method2OfTheInterfaceWithEvents() {...}</a:t>
+            </a:r>
+          </a:p>
+          <a:p>
+            <a:pPr marL="0" indent="0">
+              <a:buNone/>
+            </a:pPr>
+            <a:r>
+              <a:rPr lang="en-US" sz="1800" dirty="0">
+                <a:latin typeface="Consolas"/>
+                <a:cs typeface="Consolas"/>
+              </a:rPr>
+              <a:t>} //end class</a:t>
+            </a:r>
+          </a:p>
+          <a:p>
+            <a:pPr marL="0" lvl="1" indent="0">
+              <a:buNone/>
+            </a:pPr>
+            <a:endParaRPr lang="en-US" sz="1800" dirty="0">
+              <a:latin typeface="Consolas"/>
+              <a:cs typeface="Consolas"/>
+            </a:endParaRPr>
+          </a:p>
+          <a:p>
+            <a:pPr marL="0" lvl="1" indent="0">
+              <a:buNone/>
+            </a:pPr>
+            <a:endParaRPr lang="en-US" sz="1800" dirty="0">
+              <a:latin typeface="Consolas"/>
+              <a:cs typeface="Consolas"/>
+            </a:endParaRPr>
+          </a:p>
+          <a:p>
+            <a:pPr marL="0" indent="0">
+              <a:buNone/>
+            </a:pPr>
+            <a:r>
+              <a:rPr lang="en-US" sz="1800" dirty="0">
+                <a:latin typeface="Consolas"/>
+                <a:cs typeface="Consolas"/>
+              </a:rPr>
+              <a:t>class Frame extends </a:t>
+            </a:r>
+            <a:r>
+              <a:rPr lang="en-US" sz="1800" dirty="0" err="1">
                 <a:latin typeface="Consolas"/>
                 <a:cs typeface="Consolas"/>
               </a:rPr>
               <a:t>JFrame</a:t>
             </a:r>
             <a:r>
-              <a:rPr lang="en-US" sz="1600" dirty="0">
-                <a:latin typeface="Consolas"/>
-                <a:cs typeface="Consolas"/>
-              </a:rPr>
-              <a:t> implements </a:t>
-            </a:r>
-            <a:r>
-              <a:rPr lang="en-US" sz="1600" dirty="0" err="1">
-                <a:latin typeface="Consolas"/>
-                <a:cs typeface="Consolas"/>
-              </a:rPr>
-              <a:t>InterfaceWithEvents</a:t>
-            </a:r>
-            <a:r>
-              <a:rPr lang="en-US" sz="1600" dirty="0">
+              <a:rPr lang="en-US" sz="1800" dirty="0">
                 <a:latin typeface="Consolas"/>
                 <a:cs typeface="Consolas"/>
               </a:rPr>
@@ -16972,49 +18674,89 @@
               <a:buNone/>
             </a:pPr>
             <a:r>
-              <a:rPr lang="en-US" sz="1600" dirty="0">
+              <a:rPr lang="en-US" sz="1800" dirty="0">
                 <a:latin typeface="Consolas"/>
                 <a:cs typeface="Consolas"/>
               </a:rPr>
               <a:t>	</a:t>
             </a:r>
             <a:r>
-              <a:rPr lang="en-US" sz="1600" dirty="0" err="1">
+              <a:rPr lang="en-US" sz="1800" dirty="0" err="1">
+                <a:latin typeface="Consolas"/>
+                <a:cs typeface="Consolas"/>
+              </a:rPr>
+              <a:t>MyListener</a:t>
+            </a:r>
+            <a:r>
+              <a:rPr lang="en-US" sz="1800" dirty="0">
+                <a:latin typeface="Consolas"/>
+                <a:cs typeface="Consolas"/>
+              </a:rPr>
+              <a:t> l = new </a:t>
+            </a:r>
+            <a:r>
+              <a:rPr lang="en-US" sz="1800" dirty="0" err="1">
+                <a:latin typeface="Consolas"/>
+                <a:cs typeface="Consolas"/>
+              </a:rPr>
+              <a:t>MyListener</a:t>
+            </a:r>
+            <a:r>
+              <a:rPr lang="en-US" sz="1800" dirty="0">
+                <a:latin typeface="Consolas"/>
+                <a:cs typeface="Consolas"/>
+              </a:rPr>
+              <a:t>();</a:t>
+            </a:r>
+          </a:p>
+          <a:p>
+            <a:pPr marL="0" indent="0">
+              <a:buNone/>
+            </a:pPr>
+            <a:r>
+              <a:rPr lang="en-US" sz="1800" dirty="0">
+                <a:latin typeface="Consolas"/>
+                <a:cs typeface="Consolas"/>
+              </a:rPr>
+              <a:t>	</a:t>
+            </a:r>
+            <a:r>
+              <a:rPr lang="en-US" sz="1800" dirty="0" err="1">
                 <a:latin typeface="Consolas"/>
                 <a:cs typeface="Consolas"/>
               </a:rPr>
               <a:t>JComponent</a:t>
             </a:r>
             <a:r>
-              <a:rPr lang="en-US" sz="1600" dirty="0">
+              <a:rPr lang="en-US" sz="1800" dirty="0">
                 <a:latin typeface="Consolas"/>
                 <a:cs typeface="Consolas"/>
               </a:rPr>
               <a:t> </a:t>
             </a:r>
             <a:r>
-              <a:rPr lang="en-US" sz="1600" dirty="0" err="1">
-                <a:latin typeface="Consolas"/>
-                <a:cs typeface="Consolas"/>
-              </a:rPr>
-              <a:t>componentSourceofEvents</a:t>
-            </a:r>
-            <a:r>
-              <a:rPr lang="en-US" sz="1600" dirty="0">
+              <a:rPr lang="en-US" sz="1800" dirty="0" err="1">
+                <a:latin typeface="Consolas"/>
+                <a:cs typeface="Consolas"/>
+              </a:rPr>
+              <a:t>sourceofEvents</a:t>
+            </a:r>
+            <a:r>
+              <a:rPr lang="en-US" sz="1800" dirty="0">
                 <a:latin typeface="Consolas"/>
                 <a:cs typeface="Consolas"/>
               </a:rPr>
               <a:t> = new </a:t>
             </a:r>
             <a:r>
-              <a:rPr lang="en-US" sz="1600" dirty="0" err="1">
+              <a:rPr lang="en-US" sz="1800" dirty="0" err="1">
                 <a:latin typeface="Consolas"/>
                 <a:cs typeface="Consolas"/>
               </a:rPr>
               <a:t>JComponent</a:t>
             </a:r>
             <a:r>
-              <a:rPr lang="en-US" sz="1600" dirty="0">
+              <a:rPr lang="en-US" sz="1800" dirty="0">
                 <a:latin typeface="Consolas"/>
                 <a:cs typeface="Consolas"/>
               </a:rPr>
@@ -17026,25 +18768,25 @@
               <a:buNone/>
             </a:pPr>
             <a:r>
-              <a:rPr lang="en-US" sz="1600" dirty="0">
+              <a:rPr lang="en-US" sz="1800" dirty="0">
                 <a:latin typeface="Consolas"/>
                 <a:cs typeface="Consolas"/>
               </a:rPr>
               <a:t>	</a:t>
             </a:r>
             <a:r>
-              <a:rPr lang="en-US" sz="1600" dirty="0" err="1">
-                <a:latin typeface="Consolas"/>
-                <a:cs typeface="Consolas"/>
-              </a:rPr>
-              <a:t>componentSourceOfEvents.addListener</a:t>
-            </a:r>
-            <a:r>
-              <a:rPr lang="en-US" sz="1600" dirty="0">
-                <a:latin typeface="Consolas"/>
-                <a:cs typeface="Consolas"/>
-              </a:rPr>
-              <a:t>(this);</a:t>
+              <a:rPr lang="en-US" sz="1800" dirty="0" err="1">
+                <a:latin typeface="Consolas"/>
+                <a:cs typeface="Consolas"/>
+              </a:rPr>
+              <a:t>sourceOfEvents.addListener</a:t>
+            </a:r>
+            <a:r>
+              <a:rPr lang="en-US" sz="1800" dirty="0">
+                <a:latin typeface="Consolas"/>
+                <a:cs typeface="Consolas"/>
+              </a:rPr>
+              <a:t>(l);</a:t>
             </a:r>
           </a:p>
           <a:p>
@@ -17052,75 +18794,11 @@
               <a:buNone/>
             </a:pPr>
             <a:r>
-              <a:rPr lang="en-US" sz="1600" dirty="0">
-                <a:latin typeface="Consolas"/>
-                <a:cs typeface="Consolas"/>
-              </a:rPr>
-              <a:t>	</a:t>
-            </a:r>
-          </a:p>
-          <a:p>
-            <a:pPr marL="0" indent="0">
-              <a:buNone/>
-            </a:pPr>
-            <a:r>
-              <a:rPr lang="en-US" sz="1600" dirty="0">
-                <a:latin typeface="Consolas"/>
-                <a:cs typeface="Consolas"/>
-              </a:rPr>
-              <a:t>	void </a:t>
-            </a:r>
-            <a:r>
-              <a:rPr lang="en-US" sz="1600" dirty="0" err="1">
-                <a:latin typeface="Consolas"/>
-                <a:cs typeface="Consolas"/>
-              </a:rPr>
-              <a:t>methodOfTheInterfaceWithEvents</a:t>
-            </a:r>
-            <a:r>
-              <a:rPr lang="en-US" sz="1600" dirty="0">
-                <a:latin typeface="Consolas"/>
-                <a:cs typeface="Consolas"/>
-              </a:rPr>
-              <a:t>() {...}</a:t>
-            </a:r>
-          </a:p>
-          <a:p>
-            <a:pPr marL="0" indent="0">
-              <a:buNone/>
-            </a:pPr>
-            <a:r>
-              <a:rPr lang="en-US" sz="1600" dirty="0">
-                <a:latin typeface="Consolas"/>
-                <a:cs typeface="Consolas"/>
-              </a:rPr>
-              <a:t>	void </a:t>
-            </a:r>
-            <a:r>
-              <a:rPr lang="en-US" sz="1600" dirty="0" err="1">
-                <a:latin typeface="Consolas"/>
-                <a:cs typeface="Consolas"/>
-              </a:rPr>
-              <a:t>anotehrMethodOfTheInterfaceWithEvents</a:t>
-            </a:r>
-            <a:r>
-              <a:rPr lang="en-US" sz="1600" dirty="0">
-                <a:latin typeface="Consolas"/>
-                <a:cs typeface="Consolas"/>
-              </a:rPr>
-              <a:t>() {...}</a:t>
-            </a:r>
-          </a:p>
-          <a:p>
-            <a:pPr marL="0" indent="0">
-              <a:buNone/>
-            </a:pPr>
-            <a:r>
-              <a:rPr lang="en-US" sz="1600" dirty="0">
-                <a:latin typeface="Consolas"/>
-                <a:cs typeface="Consolas"/>
-              </a:rPr>
-              <a:t>}</a:t>
+              <a:rPr lang="en-US" sz="1800" dirty="0">
+                <a:latin typeface="Consolas"/>
+                <a:cs typeface="Consolas"/>
+              </a:rPr>
+              <a:t>} //end class</a:t>
             </a:r>
           </a:p>
         </p:txBody>
@@ -17128,7 +18806,7 @@
     </p:spTree>
     <p:extLst>
       <p:ext uri="{BB962C8B-B14F-4D97-AF65-F5344CB8AC3E}">
-        <p14:creationId xmlns:p14="http://schemas.microsoft.com/office/powerpoint/2010/main" val="2031253369"/>
+        <p14:creationId xmlns:p14="http://schemas.microsoft.com/office/powerpoint/2010/main" val="1741930064"/>
       </p:ext>
     </p:extLst>
   </p:cSld>
@@ -17167,14 +18845,12 @@
         </p:nvSpPr>
         <p:spPr/>
         <p:txBody>
-          <a:bodyPr>
-            <a:normAutofit/>
-          </a:bodyPr>
+          <a:bodyPr/>
           <a:lstStyle/>
           <a:p>
             <a:r>
               <a:rPr lang="en-US" dirty="0"/>
-              <a:t>Delegate events to external classes</a:t>
+              <a:t>Dealing with multiple sources</a:t>
             </a:r>
           </a:p>
         </p:txBody>
@@ -17192,287 +18868,114 @@
         <p:spPr/>
         <p:txBody>
           <a:bodyPr>
-            <a:noAutofit/>
+            <a:normAutofit lnSpcReduction="10000"/>
           </a:bodyPr>
           <a:lstStyle/>
           <a:p>
-            <a:pPr marL="0" lvl="1" indent="0">
-              <a:buNone/>
-            </a:pPr>
-            <a:r>
-              <a:rPr lang="en-US" sz="1800" dirty="0">
-                <a:latin typeface="Consolas"/>
-                <a:cs typeface="Consolas"/>
-              </a:rPr>
-              <a:t>class </a:t>
-            </a:r>
-            <a:r>
-              <a:rPr lang="en-US" sz="1800" dirty="0" err="1">
-                <a:latin typeface="Consolas"/>
-                <a:cs typeface="Consolas"/>
-              </a:rPr>
-              <a:t>MyListener</a:t>
-            </a:r>
-            <a:r>
-              <a:rPr lang="en-US" sz="1800" dirty="0">
-                <a:latin typeface="Consolas"/>
-                <a:cs typeface="Consolas"/>
-              </a:rPr>
-              <a:t>  implements </a:t>
-            </a:r>
-            <a:r>
-              <a:rPr lang="en-US" sz="1800" dirty="0" err="1">
-                <a:latin typeface="Consolas"/>
-                <a:cs typeface="Consolas"/>
-              </a:rPr>
-              <a:t>InterfaceWithEvents</a:t>
-            </a:r>
-            <a:r>
-              <a:rPr lang="en-US" sz="1800" dirty="0">
-                <a:latin typeface="Consolas"/>
-                <a:cs typeface="Consolas"/>
-              </a:rPr>
-              <a:t> {</a:t>
-            </a:r>
-          </a:p>
-          <a:p>
-            <a:pPr marL="0" indent="0">
-              <a:buNone/>
-            </a:pPr>
-            <a:r>
-              <a:rPr lang="en-US" sz="1800" dirty="0">
-                <a:latin typeface="Consolas"/>
-                <a:cs typeface="Consolas"/>
-              </a:rPr>
-              <a:t>	void </a:t>
-            </a:r>
-            <a:r>
-              <a:rPr lang="en-US" sz="1800" dirty="0" err="1">
-                <a:latin typeface="Consolas"/>
-                <a:cs typeface="Consolas"/>
-              </a:rPr>
-              <a:t>methodOfTheInterfaceWithEvents</a:t>
-            </a:r>
-            <a:r>
-              <a:rPr lang="en-US" sz="1800" dirty="0">
-                <a:latin typeface="Consolas"/>
-                <a:cs typeface="Consolas"/>
-              </a:rPr>
-              <a:t>() {...}</a:t>
-            </a:r>
-          </a:p>
-          <a:p>
-            <a:pPr marL="0" indent="0">
-              <a:buNone/>
-            </a:pPr>
-            <a:r>
-              <a:rPr lang="en-US" sz="1800" dirty="0">
-                <a:latin typeface="Consolas"/>
-                <a:cs typeface="Consolas"/>
-              </a:rPr>
-              <a:t>	void </a:t>
-            </a:r>
-            <a:r>
-              <a:rPr lang="en-US" sz="1800" dirty="0" err="1">
-                <a:latin typeface="Consolas"/>
-                <a:cs typeface="Consolas"/>
-              </a:rPr>
-              <a:t>anotehrMethodOfTheInterfaceWithEvents</a:t>
-            </a:r>
-            <a:r>
-              <a:rPr lang="en-US" sz="1800" dirty="0">
-                <a:latin typeface="Consolas"/>
-                <a:cs typeface="Consolas"/>
-              </a:rPr>
-              <a:t>() {...}</a:t>
-            </a:r>
-          </a:p>
-          <a:p>
-            <a:pPr marL="0" indent="0">
-              <a:buNone/>
-            </a:pPr>
-            <a:r>
-              <a:rPr lang="en-US" sz="1800" dirty="0">
-                <a:latin typeface="Consolas"/>
-                <a:cs typeface="Consolas"/>
-              </a:rPr>
-              <a:t>} //end class</a:t>
-            </a:r>
-          </a:p>
-          <a:p>
-            <a:pPr marL="0" lvl="1" indent="0">
-              <a:buNone/>
-            </a:pPr>
-            <a:endParaRPr lang="en-US" sz="1800" dirty="0">
-              <a:latin typeface="Consolas"/>
-              <a:cs typeface="Consolas"/>
-            </a:endParaRPr>
-          </a:p>
-          <a:p>
-            <a:pPr marL="0" lvl="1" indent="0">
-              <a:buNone/>
-            </a:pPr>
-            <a:endParaRPr lang="en-US" sz="1800" dirty="0">
-              <a:latin typeface="Consolas"/>
-              <a:cs typeface="Consolas"/>
-            </a:endParaRPr>
-          </a:p>
-          <a:p>
-            <a:pPr marL="0" indent="0">
-              <a:buNone/>
-            </a:pPr>
-            <a:r>
-              <a:rPr lang="en-US" sz="1800" dirty="0">
-                <a:latin typeface="Consolas"/>
-                <a:cs typeface="Consolas"/>
-              </a:rPr>
-              <a:t>class Frame extends </a:t>
-            </a:r>
-            <a:r>
-              <a:rPr lang="en-US" sz="1800" dirty="0" err="1">
-                <a:latin typeface="Consolas"/>
-                <a:cs typeface="Consolas"/>
-              </a:rPr>
+            <a:r>
+              <a:rPr lang="en-US" sz="2400" dirty="0"/>
+              <a:t>Frequently, multiple components register to the same listener. For example, a group of buttons within the same </a:t>
+            </a:r>
+            <a:r>
+              <a:rPr lang="en-US" sz="2400" dirty="0" err="1"/>
               <a:t>JFrame</a:t>
             </a:r>
             <a:r>
-              <a:rPr lang="en-US" sz="1800" dirty="0">
-                <a:latin typeface="Consolas"/>
-                <a:cs typeface="Consolas"/>
-              </a:rPr>
-              <a:t> {</a:t>
-            </a:r>
-          </a:p>
-          <a:p>
-            <a:pPr marL="0" indent="0">
-              <a:buNone/>
-            </a:pPr>
-            <a:r>
-              <a:rPr lang="en-US" sz="1800" dirty="0">
-                <a:latin typeface="Consolas"/>
-                <a:cs typeface="Consolas"/>
-              </a:rPr>
-              <a:t>	</a:t>
-            </a:r>
-            <a:r>
-              <a:rPr lang="en-US" sz="1800" dirty="0" err="1">
-                <a:latin typeface="Consolas"/>
-                <a:cs typeface="Consolas"/>
-              </a:rPr>
-              <a:t>MyListener</a:t>
-            </a:r>
-            <a:r>
-              <a:rPr lang="en-US" sz="1800" dirty="0">
-                <a:latin typeface="Consolas"/>
-                <a:cs typeface="Consolas"/>
-              </a:rPr>
-              <a:t> listener = new </a:t>
-            </a:r>
-            <a:r>
-              <a:rPr lang="en-US" sz="1800" dirty="0" err="1">
-                <a:latin typeface="Consolas"/>
-                <a:cs typeface="Consolas"/>
-              </a:rPr>
-              <a:t>MyListener</a:t>
-            </a:r>
-            <a:r>
-              <a:rPr lang="en-US" sz="1800" dirty="0">
-                <a:latin typeface="Consolas"/>
-                <a:cs typeface="Consolas"/>
-              </a:rPr>
-              <a:t>();</a:t>
-            </a:r>
-          </a:p>
-          <a:p>
-            <a:pPr marL="0" indent="0">
-              <a:buNone/>
-            </a:pPr>
-            <a:r>
-              <a:rPr lang="en-US" sz="1800" dirty="0">
-                <a:latin typeface="Consolas"/>
-                <a:cs typeface="Consolas"/>
-              </a:rPr>
-              <a:t>	</a:t>
-            </a:r>
-            <a:r>
-              <a:rPr lang="en-US" sz="1800" dirty="0" err="1">
-                <a:latin typeface="Consolas"/>
-                <a:cs typeface="Consolas"/>
-              </a:rPr>
-              <a:t>JComponent</a:t>
-            </a:r>
-            <a:r>
-              <a:rPr lang="en-US" sz="1800" dirty="0">
-                <a:latin typeface="Consolas"/>
-                <a:cs typeface="Consolas"/>
-              </a:rPr>
-              <a:t> </a:t>
-            </a:r>
-            <a:r>
-              <a:rPr lang="en-US" sz="1800" dirty="0" err="1">
-                <a:latin typeface="Consolas"/>
-                <a:cs typeface="Consolas"/>
-              </a:rPr>
-              <a:t>componentSourceofEvents</a:t>
-            </a:r>
-            <a:r>
-              <a:rPr lang="en-US" sz="1800" dirty="0">
-                <a:latin typeface="Consolas"/>
-                <a:cs typeface="Consolas"/>
-              </a:rPr>
-              <a:t> = new </a:t>
-            </a:r>
-            <a:r>
-              <a:rPr lang="en-US" sz="1800" dirty="0" err="1">
-                <a:latin typeface="Consolas"/>
-                <a:cs typeface="Consolas"/>
-              </a:rPr>
-              <a:t>JComponent</a:t>
-            </a:r>
-            <a:r>
-              <a:rPr lang="en-US" sz="1800" dirty="0">
-                <a:latin typeface="Consolas"/>
-                <a:cs typeface="Consolas"/>
-              </a:rPr>
-              <a:t>();</a:t>
-            </a:r>
-          </a:p>
-          <a:p>
-            <a:pPr marL="0" indent="0">
-              <a:buNone/>
-            </a:pPr>
-            <a:r>
-              <a:rPr lang="en-US" sz="1800" dirty="0">
-                <a:latin typeface="Consolas"/>
-                <a:cs typeface="Consolas"/>
-              </a:rPr>
-              <a:t>	</a:t>
-            </a:r>
-            <a:r>
-              <a:rPr lang="en-US" sz="1800" dirty="0" err="1">
-                <a:latin typeface="Consolas"/>
-                <a:cs typeface="Consolas"/>
-              </a:rPr>
-              <a:t>componentSourceOfEvents.addListener</a:t>
-            </a:r>
-            <a:r>
-              <a:rPr lang="en-US" sz="1800" dirty="0">
-                <a:latin typeface="Consolas"/>
-                <a:cs typeface="Consolas"/>
-              </a:rPr>
-              <a:t>(listener);</a:t>
-            </a:r>
-          </a:p>
-          <a:p>
-            <a:pPr marL="0" indent="0">
-              <a:buNone/>
-            </a:pPr>
-            <a:r>
-              <a:rPr lang="en-US" sz="1800" dirty="0">
-                <a:latin typeface="Consolas"/>
-                <a:cs typeface="Consolas"/>
-              </a:rPr>
-              <a:t>} //end class</a:t>
+              <a:rPr lang="en-US" sz="2400" dirty="0"/>
+              <a:t>. It is needed a mechanism for recognizing the actual source of each event.</a:t>
+            </a:r>
+          </a:p>
+          <a:p>
+            <a:r>
+              <a:rPr lang="en-US" sz="2400" dirty="0" err="1"/>
+              <a:t>getSource</a:t>
+            </a:r>
+            <a:r>
+              <a:rPr lang="en-US" sz="2400" dirty="0"/>
+              <a:t>() and object references</a:t>
+            </a:r>
+          </a:p>
+          <a:p>
+            <a:pPr lvl="1"/>
+            <a:r>
+              <a:rPr lang="en-US" sz="2000" dirty="0"/>
+              <a:t>if (</a:t>
+            </a:r>
+            <a:r>
+              <a:rPr lang="en-US" sz="2000" dirty="0" err="1"/>
+              <a:t>e.getSource</a:t>
+            </a:r>
+            <a:r>
+              <a:rPr lang="en-US" sz="2000" dirty="0"/>
+              <a:t>() == </a:t>
+            </a:r>
+            <a:r>
+              <a:rPr lang="en-US" sz="2000" dirty="0" err="1"/>
+              <a:t>buttonSelfDestruction</a:t>
+            </a:r>
+            <a:r>
+              <a:rPr lang="en-US" sz="2000" dirty="0"/>
+              <a:t> ) {}</a:t>
+            </a:r>
+          </a:p>
+          <a:p>
+            <a:endParaRPr lang="en-US" sz="2400" dirty="0"/>
+          </a:p>
+          <a:p>
+            <a:r>
+              <a:rPr lang="en-US" sz="2400" dirty="0" err="1"/>
+              <a:t>getActionCommand</a:t>
+            </a:r>
+            <a:r>
+              <a:rPr lang="en-US" sz="2400" dirty="0"/>
+              <a:t>() and strings</a:t>
+            </a:r>
+          </a:p>
+          <a:p>
+            <a:pPr lvl="1"/>
+            <a:r>
+              <a:rPr lang="en-US" sz="2000" dirty="0"/>
+              <a:t>If (</a:t>
+            </a:r>
+            <a:r>
+              <a:rPr lang="en-US" sz="2000" dirty="0" err="1"/>
+              <a:t>e.getActionCommand</a:t>
+            </a:r>
+            <a:r>
+              <a:rPr lang="en-US" sz="2000" dirty="0"/>
+              <a:t>() == “destroy”) {}</a:t>
+            </a:r>
+          </a:p>
+          <a:p>
+            <a:endParaRPr lang="en-US" sz="2400" dirty="0"/>
+          </a:p>
+          <a:p>
+            <a:r>
+              <a:rPr lang="en-US" sz="2400" dirty="0"/>
+              <a:t>Event classes</a:t>
+            </a:r>
+          </a:p>
+          <a:p>
+            <a:pPr lvl="1"/>
+            <a:r>
+              <a:rPr lang="en-US" sz="2000" dirty="0"/>
+              <a:t>If (e </a:t>
+            </a:r>
+            <a:r>
+              <a:rPr lang="en-US" sz="2000" dirty="0" err="1"/>
+              <a:t>instanceof</a:t>
+            </a:r>
+            <a:r>
+              <a:rPr lang="en-US" sz="2000" dirty="0"/>
+              <a:t>(</a:t>
+            </a:r>
+            <a:r>
+              <a:rPr lang="en-US" sz="2000" dirty="0" err="1"/>
+              <a:t>KeyEvent</a:t>
+            </a:r>
+            <a:r>
+              <a:rPr lang="en-US" sz="2000" dirty="0"/>
+              <a:t>)) {}</a:t>
             </a:r>
           </a:p>
         </p:txBody>
@@ -17480,7 +18983,7 @@
     </p:spTree>
     <p:extLst>
       <p:ext uri="{BB962C8B-B14F-4D97-AF65-F5344CB8AC3E}">
-        <p14:creationId xmlns:p14="http://schemas.microsoft.com/office/powerpoint/2010/main" val="1741930064"/>
+        <p14:creationId xmlns:p14="http://schemas.microsoft.com/office/powerpoint/2010/main" val="2684022002"/>
       </p:ext>
     </p:extLst>
   </p:cSld>
@@ -17524,7 +19027,7 @@
           <a:p>
             <a:r>
               <a:rPr lang="en-US" dirty="0"/>
-              <a:t>Dealing with multiple sources</a:t>
+              <a:t>Event Interfaces</a:t>
             </a:r>
           </a:p>
         </p:txBody>
@@ -17547,95 +19050,174 @@
           <a:lstStyle/>
           <a:p>
             <a:r>
-              <a:rPr lang="en-US" sz="2400" dirty="0" err="1"/>
-              <a:t>getSource</a:t>
-            </a:r>
-            <a:r>
-              <a:rPr lang="en-US" sz="2400" dirty="0"/>
-              <a:t>() and object references</a:t>
+              <a:rPr lang="en-US" dirty="0" err="1">
+                <a:solidFill>
+                  <a:srgbClr val="E46C0A"/>
+                </a:solidFill>
+              </a:rPr>
+              <a:t>ActionListener</a:t>
+            </a:r>
+            <a:r>
+              <a:rPr lang="en-US" dirty="0">
+                <a:solidFill>
+                  <a:srgbClr val="E46C0A"/>
+                </a:solidFill>
+              </a:rPr>
+              <a:t> </a:t>
             </a:r>
           </a:p>
           <a:p>
             <a:pPr lvl="1"/>
             <a:r>
-              <a:rPr lang="en-US" sz="2000" dirty="0"/>
-              <a:t>if (</a:t>
-            </a:r>
-            <a:r>
-              <a:rPr lang="en-US" sz="2000" dirty="0" err="1"/>
-              <a:t>e.getSource</a:t>
-            </a:r>
-            <a:r>
-              <a:rPr lang="en-US" sz="2000" dirty="0"/>
-              <a:t>() == </a:t>
-            </a:r>
-            <a:r>
-              <a:rPr lang="en-US" sz="2000" dirty="0" err="1"/>
-              <a:t>buttonSelfDestruction</a:t>
-            </a:r>
-            <a:r>
-              <a:rPr lang="en-US" sz="2000" dirty="0"/>
-              <a:t> ) {}</a:t>
-            </a:r>
-          </a:p>
-          <a:p>
-            <a:endParaRPr lang="en-US" sz="2400" dirty="0"/>
-          </a:p>
-          <a:p>
-            <a:r>
-              <a:rPr lang="en-US" sz="2400" dirty="0" err="1"/>
-              <a:t>getActionCommand</a:t>
-            </a:r>
-            <a:r>
-              <a:rPr lang="en-US" sz="2400" dirty="0"/>
-              <a:t>() and custom strings</a:t>
-            </a:r>
+              <a:rPr lang="en-US" dirty="0"/>
+              <a:t>void </a:t>
+            </a:r>
+            <a:r>
+              <a:rPr lang="en-US" dirty="0" err="1"/>
+              <a:t>actionPerformed</a:t>
+            </a:r>
+            <a:r>
+              <a:rPr lang="en-US" dirty="0"/>
+              <a:t> (</a:t>
+            </a:r>
+            <a:r>
+              <a:rPr lang="en-US" dirty="0" err="1"/>
+              <a:t>ActionEvent</a:t>
+            </a:r>
+            <a:r>
+              <a:rPr lang="en-US" dirty="0"/>
+              <a:t> </a:t>
+            </a:r>
+            <a:r>
+              <a:rPr lang="en-US" dirty="0" err="1"/>
+              <a:t>evt</a:t>
+            </a:r>
+            <a:r>
+              <a:rPr lang="en-US" dirty="0"/>
+              <a:t>)</a:t>
+            </a:r>
+          </a:p>
+          <a:p>
+            <a:r>
+              <a:rPr lang="en-US" dirty="0" err="1">
+                <a:solidFill>
+                  <a:srgbClr val="E46C0A"/>
+                </a:solidFill>
+              </a:rPr>
+              <a:t>FocusListener</a:t>
+            </a:r>
+            <a:endParaRPr lang="en-US" dirty="0">
+              <a:solidFill>
+                <a:srgbClr val="E46C0A"/>
+              </a:solidFill>
+            </a:endParaRPr>
           </a:p>
           <a:p>
             <a:pPr lvl="1"/>
             <a:r>
-              <a:rPr lang="en-US" sz="2000" dirty="0"/>
-              <a:t>If (</a:t>
-            </a:r>
-            <a:r>
-              <a:rPr lang="en-US" sz="2000" dirty="0" err="1"/>
-              <a:t>e.getActionCommand</a:t>
-            </a:r>
-            <a:r>
-              <a:rPr lang="en-US" sz="2000" dirty="0"/>
-              <a:t>() == “destroy”) {}</a:t>
-            </a:r>
-          </a:p>
-          <a:p>
-            <a:endParaRPr lang="en-US" sz="2400" dirty="0"/>
-          </a:p>
-          <a:p>
-            <a:r>
-              <a:rPr lang="en-US" sz="2400" dirty="0"/>
-              <a:t>Event classes</a:t>
+              <a:rPr lang="en-US" dirty="0"/>
+              <a:t>void </a:t>
+            </a:r>
+            <a:r>
+              <a:rPr lang="en-US" dirty="0" err="1"/>
+              <a:t>focusGained</a:t>
+            </a:r>
+            <a:r>
+              <a:rPr lang="en-US" dirty="0"/>
+              <a:t> (</a:t>
+            </a:r>
+            <a:r>
+              <a:rPr lang="en-US" dirty="0" err="1"/>
+              <a:t>FocusEvent</a:t>
+            </a:r>
+            <a:r>
+              <a:rPr lang="en-US" dirty="0"/>
+              <a:t> </a:t>
+            </a:r>
+            <a:r>
+              <a:rPr lang="en-US" dirty="0" err="1"/>
+              <a:t>evt</a:t>
+            </a:r>
+            <a:r>
+              <a:rPr lang="en-US" dirty="0"/>
+              <a:t>)</a:t>
             </a:r>
           </a:p>
           <a:p>
             <a:pPr lvl="1"/>
             <a:r>
-              <a:rPr lang="en-US" sz="2000" dirty="0"/>
-              <a:t>If (e </a:t>
-            </a:r>
-            <a:r>
-              <a:rPr lang="en-US" sz="2000" dirty="0" err="1"/>
-              <a:t>instanceof</a:t>
-            </a:r>
-            <a:r>
-              <a:rPr lang="en-US" sz="2000" dirty="0"/>
-              <a:t>(</a:t>
-            </a:r>
-            <a:r>
-              <a:rPr lang="en-US" sz="2000" dirty="0" err="1"/>
-              <a:t>KeyEvent</a:t>
-            </a:r>
-            <a:r>
-              <a:rPr lang="en-US" sz="2000" dirty="0"/>
-              <a:t>)) {}</a:t>
+              <a:rPr lang="en-US" dirty="0"/>
+              <a:t>void </a:t>
+            </a:r>
+            <a:r>
+              <a:rPr lang="en-US" dirty="0" err="1"/>
+              <a:t>focusLost</a:t>
+            </a:r>
+            <a:r>
+              <a:rPr lang="en-US" dirty="0"/>
+              <a:t> (</a:t>
+            </a:r>
+            <a:r>
+              <a:rPr lang="en-US" dirty="0" err="1"/>
+              <a:t>FocusEvent</a:t>
+            </a:r>
+            <a:r>
+              <a:rPr lang="en-US" dirty="0"/>
+              <a:t> </a:t>
+            </a:r>
+            <a:r>
+              <a:rPr lang="en-US" dirty="0" err="1"/>
+              <a:t>evt</a:t>
+            </a:r>
+            <a:r>
+              <a:rPr lang="en-US" dirty="0"/>
+              <a:t>)</a:t>
+            </a:r>
+          </a:p>
+          <a:p>
+            <a:r>
+              <a:rPr lang="en-US" dirty="0" err="1">
+                <a:solidFill>
+                  <a:srgbClr val="E46C0A"/>
+                </a:solidFill>
+              </a:rPr>
+              <a:t>ItemListener</a:t>
+            </a:r>
+            <a:endParaRPr lang="en-US" dirty="0">
+              <a:solidFill>
+                <a:srgbClr val="E46C0A"/>
+              </a:solidFill>
+            </a:endParaRPr>
+          </a:p>
+          <a:p>
+            <a:pPr lvl="1"/>
+            <a:r>
+              <a:rPr lang="en-US" dirty="0"/>
+              <a:t>void </a:t>
+            </a:r>
+            <a:r>
+              <a:rPr lang="en-US" dirty="0" err="1"/>
+              <a:t>itemStateChanged</a:t>
+            </a:r>
+            <a:r>
+              <a:rPr lang="en-US" dirty="0"/>
+              <a:t> (</a:t>
+            </a:r>
+            <a:r>
+              <a:rPr lang="en-US" dirty="0" err="1"/>
+              <a:t>ItemEvent</a:t>
+            </a:r>
+            <a:r>
+              <a:rPr lang="en-US" dirty="0"/>
+              <a:t> </a:t>
+            </a:r>
+            <a:r>
+              <a:rPr lang="en-US" dirty="0" err="1"/>
+              <a:t>evt</a:t>
+            </a:r>
+            <a:r>
+              <a:rPr lang="en-US" dirty="0"/>
+              <a:t>)</a:t>
             </a:r>
           </a:p>
         </p:txBody>
@@ -17643,7 +19225,7 @@
     </p:spTree>
     <p:extLst>
       <p:ext uri="{BB962C8B-B14F-4D97-AF65-F5344CB8AC3E}">
-        <p14:creationId xmlns:p14="http://schemas.microsoft.com/office/powerpoint/2010/main" val="2684022002"/>
+        <p14:creationId xmlns:p14="http://schemas.microsoft.com/office/powerpoint/2010/main" val="314957595"/>
       </p:ext>
     </p:extLst>
   </p:cSld>
@@ -17705,7 +19287,7 @@
         <p:spPr/>
         <p:txBody>
           <a:bodyPr>
-            <a:normAutofit/>
+            <a:normAutofit lnSpcReduction="10000"/>
           </a:bodyPr>
           <a:lstStyle/>
           <a:p>
@@ -17715,7 +19297,7 @@
                   <a:srgbClr val="E46C0A"/>
                 </a:solidFill>
               </a:rPr>
-              <a:t>ActionListener</a:t>
+              <a:t>MouseListener</a:t>
             </a:r>
             <a:r>
               <a:rPr lang="en-US" dirty="0">
@@ -17734,7 +19316,7 @@
             </a:r>
             <a:r>
               <a:rPr lang="en-US" dirty="0" err="1"/>
-              <a:t>actionPerformed</a:t>
+              <a:t>mouseClicked</a:t>
             </a:r>
             <a:r>
               <a:rPr lang="en-US" dirty="0"/>
@@ -17742,7 +19324,131 @@
             </a:r>
             <a:r>
               <a:rPr lang="en-US" dirty="0" err="1"/>
-              <a:t>ActionEvent</a:t>
+              <a:t>MouseEvent</a:t>
+            </a:r>
+            <a:r>
+              <a:rPr lang="en-US" dirty="0"/>
+              <a:t> </a:t>
+            </a:r>
+            <a:r>
+              <a:rPr lang="en-US" dirty="0" err="1"/>
+              <a:t>evt</a:t>
+            </a:r>
+            <a:r>
+              <a:rPr lang="en-US" dirty="0"/>
+              <a:t>) </a:t>
+            </a:r>
+          </a:p>
+          <a:p>
+            <a:pPr lvl="1"/>
+            <a:r>
+              <a:rPr lang="en-US" dirty="0"/>
+              <a:t>void </a:t>
+            </a:r>
+            <a:r>
+              <a:rPr lang="en-US" dirty="0" err="1"/>
+              <a:t>mouseEntered</a:t>
+            </a:r>
+            <a:r>
+              <a:rPr lang="en-US" dirty="0"/>
+              <a:t> (</a:t>
+            </a:r>
+            <a:r>
+              <a:rPr lang="en-US" dirty="0" err="1"/>
+              <a:t>MouseEvent</a:t>
+            </a:r>
+            <a:r>
+              <a:rPr lang="en-US" dirty="0"/>
+              <a:t> </a:t>
+            </a:r>
+            <a:r>
+              <a:rPr lang="en-US" dirty="0" err="1"/>
+              <a:t>evt</a:t>
+            </a:r>
+            <a:r>
+              <a:rPr lang="en-US" dirty="0"/>
+              <a:t>) </a:t>
+            </a:r>
+          </a:p>
+          <a:p>
+            <a:pPr lvl="1"/>
+            <a:r>
+              <a:rPr lang="en-US" dirty="0"/>
+              <a:t>void </a:t>
+            </a:r>
+            <a:r>
+              <a:rPr lang="en-US" dirty="0" err="1"/>
+              <a:t>mouseExited</a:t>
+            </a:r>
+            <a:r>
+              <a:rPr lang="en-US" dirty="0"/>
+              <a:t> (</a:t>
+            </a:r>
+            <a:r>
+              <a:rPr lang="en-US" dirty="0" err="1"/>
+              <a:t>MouseEvent</a:t>
+            </a:r>
+            <a:r>
+              <a:rPr lang="en-US" dirty="0"/>
+              <a:t> </a:t>
+            </a:r>
+            <a:r>
+              <a:rPr lang="en-US" dirty="0" err="1"/>
+              <a:t>evt</a:t>
+            </a:r>
+            <a:r>
+              <a:rPr lang="en-US" dirty="0"/>
+              <a:t>) </a:t>
+            </a:r>
+          </a:p>
+          <a:p>
+            <a:pPr lvl="1"/>
+            <a:r>
+              <a:rPr lang="en-US" dirty="0"/>
+              <a:t>void </a:t>
+            </a:r>
+            <a:r>
+              <a:rPr lang="en-US" dirty="0" err="1"/>
+              <a:t>mousePressed</a:t>
+            </a:r>
+            <a:r>
+              <a:rPr lang="en-US" dirty="0"/>
+              <a:t> (</a:t>
+            </a:r>
+            <a:r>
+              <a:rPr lang="en-US" dirty="0" err="1"/>
+              <a:t>MouseEvent</a:t>
+            </a:r>
+            <a:r>
+              <a:rPr lang="en-US" dirty="0"/>
+              <a:t> </a:t>
+            </a:r>
+            <a:r>
+              <a:rPr lang="en-US" dirty="0" err="1"/>
+              <a:t>evt</a:t>
+            </a:r>
+            <a:r>
+              <a:rPr lang="en-US" dirty="0"/>
+              <a:t>) </a:t>
+            </a:r>
+          </a:p>
+          <a:p>
+            <a:pPr lvl="1"/>
+            <a:r>
+              <a:rPr lang="en-US" dirty="0"/>
+              <a:t>void </a:t>
+            </a:r>
+            <a:r>
+              <a:rPr lang="en-US" dirty="0" err="1"/>
+              <a:t>mouseReleased</a:t>
+            </a:r>
+            <a:r>
+              <a:rPr lang="en-US" dirty="0"/>
+              <a:t> (</a:t>
+            </a:r>
+            <a:r>
+              <a:rPr lang="en-US" dirty="0" err="1"/>
+              <a:t>MouseEvent</a:t>
             </a:r>
             <a:r>
               <a:rPr lang="en-US" dirty="0"/>
@@ -17764,90 +19470,16 @@
                   <a:srgbClr val="E46C0A"/>
                 </a:solidFill>
               </a:rPr>
-              <a:t>FocusListener</a:t>
-            </a:r>
-            <a:endParaRPr lang="en-US" dirty="0">
-              <a:solidFill>
-                <a:srgbClr val="E46C0A"/>
-              </a:solidFill>
-            </a:endParaRPr>
-          </a:p>
-          <a:p>
-            <a:pPr lvl="1"/>
-            <a:r>
-              <a:rPr lang="en-US" dirty="0"/>
-              <a:t>void </a:t>
-            </a:r>
-            <a:r>
-              <a:rPr lang="en-US" dirty="0" err="1"/>
-              <a:t>focusGained</a:t>
-            </a:r>
-            <a:r>
-              <a:rPr lang="en-US" dirty="0"/>
-              <a:t> (</a:t>
-            </a:r>
-            <a:r>
-              <a:rPr lang="en-US" dirty="0" err="1"/>
-              <a:t>FocusEvent</a:t>
-            </a:r>
-            <a:r>
-              <a:rPr lang="en-US" dirty="0"/>
-              <a:t> </a:t>
-            </a:r>
-            <a:r>
-              <a:rPr lang="en-US" dirty="0" err="1"/>
-              <a:t>evt</a:t>
-            </a:r>
-            <a:r>
-              <a:rPr lang="en-US" dirty="0"/>
-              <a:t>)</a:t>
-            </a:r>
-          </a:p>
-          <a:p>
-            <a:pPr lvl="1"/>
-            <a:r>
-              <a:rPr lang="en-US" dirty="0"/>
-              <a:t>void </a:t>
-            </a:r>
-            <a:r>
-              <a:rPr lang="en-US" dirty="0" err="1"/>
-              <a:t>focusLost</a:t>
-            </a:r>
-            <a:r>
-              <a:rPr lang="en-US" dirty="0"/>
-              <a:t> (</a:t>
-            </a:r>
-            <a:r>
-              <a:rPr lang="en-US" dirty="0" err="1"/>
-              <a:t>FocusEvent</a:t>
-            </a:r>
-            <a:r>
-              <a:rPr lang="en-US" dirty="0"/>
-              <a:t> </a:t>
-            </a:r>
-            <a:r>
-              <a:rPr lang="en-US" dirty="0" err="1"/>
-              <a:t>evt</a:t>
-            </a:r>
-            <a:r>
-              <a:rPr lang="en-US" dirty="0"/>
-              <a:t>)</a:t>
-            </a:r>
-          </a:p>
-          <a:p>
-            <a:r>
-              <a:rPr lang="en-US" dirty="0" err="1">
+              <a:t>MouseMotionListener</a:t>
+            </a:r>
+            <a:r>
+              <a:rPr lang="en-US" dirty="0">
                 <a:solidFill>
                   <a:srgbClr val="E46C0A"/>
                 </a:solidFill>
               </a:rPr>
-              <a:t>ItemListener</a:t>
-            </a:r>
-            <a:endParaRPr lang="en-US" dirty="0">
-              <a:solidFill>
-                <a:srgbClr val="E46C0A"/>
-              </a:solidFill>
-            </a:endParaRPr>
+              <a:t> </a:t>
+            </a:r>
           </a:p>
           <a:p>
             <a:pPr lvl="1"/>
@@ -17857,7 +19489,7 @@
             </a:r>
             <a:r>
               <a:rPr lang="en-US" dirty="0" err="1"/>
-              <a:t>itemStateChanged</a:t>
+              <a:t>mouseDragged</a:t>
             </a:r>
             <a:r>
               <a:rPr lang="en-US" dirty="0"/>
@@ -17865,7 +19497,38 @@
             </a:r>
             <a:r>
               <a:rPr lang="en-US" dirty="0" err="1"/>
-              <a:t>ItemEvent</a:t>
+              <a:t>MouseEvent</a:t>
+            </a:r>
+            <a:r>
+              <a:rPr lang="en-US" dirty="0"/>
+              <a:t> </a:t>
+            </a:r>
+            <a:r>
+              <a:rPr lang="en-US" dirty="0" err="1"/>
+              <a:t>evt</a:t>
+            </a:r>
+            <a:r>
+              <a:rPr lang="en-US" dirty="0"/>
+              <a:t>)</a:t>
+            </a:r>
+          </a:p>
+          <a:p>
+            <a:pPr lvl="1"/>
+            <a:r>
+              <a:rPr lang="en-US" dirty="0"/>
+              <a:t>void </a:t>
+            </a:r>
+            <a:r>
+              <a:rPr lang="en-US" dirty="0" err="1"/>
+              <a:t>mouseMoved</a:t>
+            </a:r>
+            <a:r>
+              <a:rPr lang="en-US" dirty="0"/>
+              <a:t> (</a:t>
+            </a:r>
+            <a:r>
+              <a:rPr lang="en-US" dirty="0" err="1"/>
+              <a:t>MouseEvent</a:t>
             </a:r>
             <a:r>
               <a:rPr lang="en-US" dirty="0"/>
@@ -17885,7 +19548,7 @@
     </p:spTree>
     <p:extLst>
       <p:ext uri="{BB962C8B-B14F-4D97-AF65-F5344CB8AC3E}">
-        <p14:creationId xmlns:p14="http://schemas.microsoft.com/office/powerpoint/2010/main" val="314957595"/>
+        <p14:creationId xmlns:p14="http://schemas.microsoft.com/office/powerpoint/2010/main" val="4159569703"/>
       </p:ext>
     </p:extLst>
   </p:cSld>
@@ -17947,7 +19610,7 @@
         <p:spPr/>
         <p:txBody>
           <a:bodyPr>
-            <a:normAutofit lnSpcReduction="10000"/>
+            <a:normAutofit fontScale="85000" lnSpcReduction="20000"/>
           </a:bodyPr>
           <a:lstStyle/>
           <a:p>
@@ -17957,16 +19620,13 @@
                   <a:srgbClr val="E46C0A"/>
                 </a:solidFill>
               </a:rPr>
-              <a:t>MouseListener</a:t>
-            </a:r>
-            <a:r>
-              <a:rPr lang="en-US" dirty="0">
-                <a:solidFill>
-                  <a:srgbClr val="E46C0A"/>
-                </a:solidFill>
-              </a:rPr>
-              <a:t> </a:t>
-            </a:r>
+              <a:t>KeyListener</a:t>
+            </a:r>
+            <a:endParaRPr lang="en-US" dirty="0">
+              <a:solidFill>
+                <a:srgbClr val="E46C0A"/>
+              </a:solidFill>
+            </a:endParaRPr>
           </a:p>
           <a:p>
             <a:pPr lvl="1"/>
@@ -17976,7 +19636,7 @@
             </a:r>
             <a:r>
               <a:rPr lang="en-US" dirty="0" err="1"/>
-              <a:t>mouseClicked</a:t>
+              <a:t>keyPressed</a:t>
             </a:r>
             <a:r>
               <a:rPr lang="en-US" dirty="0"/>
@@ -17984,7 +19644,7 @@
             </a:r>
             <a:r>
               <a:rPr lang="en-US" dirty="0" err="1"/>
-              <a:t>MouseEvent</a:t>
+              <a:t>KeyEvent</a:t>
             </a:r>
             <a:r>
               <a:rPr lang="en-US" dirty="0"/>
@@ -18007,15 +19667,15 @@
             </a:r>
             <a:r>
               <a:rPr lang="en-US" dirty="0" err="1"/>
-              <a:t>mouseEntered</a:t>
-            </a:r>
-            <a:r>
-              <a:rPr lang="en-US" dirty="0"/>
-              <a:t> (</a:t>
+              <a:t>keyReleased</a:t>
+            </a:r>
+            <a:r>
+              <a:rPr lang="en-US" dirty="0"/>
+              <a:t>(</a:t>
             </a:r>
             <a:r>
               <a:rPr lang="en-US" dirty="0" err="1"/>
-              <a:t>MouseEvent</a:t>
+              <a:t>KeyEvent</a:t>
             </a:r>
             <a:r>
               <a:rPr lang="en-US" dirty="0"/>
@@ -18038,77 +19698,15 @@
             </a:r>
             <a:r>
               <a:rPr lang="en-US" dirty="0" err="1"/>
-              <a:t>mouseExited</a:t>
-            </a:r>
-            <a:r>
-              <a:rPr lang="en-US" dirty="0"/>
-              <a:t> (</a:t>
+              <a:t>keyTyped</a:t>
+            </a:r>
+            <a:r>
+              <a:rPr lang="en-US" dirty="0"/>
+              <a:t>(</a:t>
             </a:r>
             <a:r>
               <a:rPr lang="en-US" dirty="0" err="1"/>
-              <a:t>MouseEvent</a:t>
-            </a:r>
-            <a:r>
-              <a:rPr lang="en-US" dirty="0"/>
-              <a:t> </a:t>
-            </a:r>
-            <a:r>
-              <a:rPr lang="en-US" dirty="0" err="1"/>
-              <a:t>evt</a:t>
-            </a:r>
-            <a:r>
-              <a:rPr lang="en-US" dirty="0"/>
-              <a:t>) </a:t>
-            </a:r>
-          </a:p>
-          <a:p>
-            <a:pPr lvl="1"/>
-            <a:r>
-              <a:rPr lang="en-US" dirty="0"/>
-              <a:t>void </a:t>
-            </a:r>
-            <a:r>
-              <a:rPr lang="en-US" dirty="0" err="1"/>
-              <a:t>mousePressed</a:t>
-            </a:r>
-            <a:r>
-              <a:rPr lang="en-US" dirty="0"/>
-              <a:t> (</a:t>
-            </a:r>
-            <a:r>
-              <a:rPr lang="en-US" dirty="0" err="1"/>
-              <a:t>MouseEvent</a:t>
-            </a:r>
-            <a:r>
-              <a:rPr lang="en-US" dirty="0"/>
-              <a:t> </a:t>
-            </a:r>
-            <a:r>
-              <a:rPr lang="en-US" dirty="0" err="1"/>
-              <a:t>evt</a:t>
-            </a:r>
-            <a:r>
-              <a:rPr lang="en-US" dirty="0"/>
-              <a:t>) </a:t>
-            </a:r>
-          </a:p>
-          <a:p>
-            <a:pPr lvl="1"/>
-            <a:r>
-              <a:rPr lang="en-US" dirty="0"/>
-              <a:t>void </a:t>
-            </a:r>
-            <a:r>
-              <a:rPr lang="en-US" dirty="0" err="1"/>
-              <a:t>mouseReleased</a:t>
-            </a:r>
-            <a:r>
-              <a:rPr lang="en-US" dirty="0"/>
-              <a:t> (</a:t>
-            </a:r>
-            <a:r>
-              <a:rPr lang="en-US" dirty="0" err="1"/>
-              <a:t>MouseEvent</a:t>
+              <a:t>KeyEvent</a:t>
             </a:r>
             <a:r>
               <a:rPr lang="en-US" dirty="0"/>
@@ -18130,16 +19728,13 @@
                   <a:srgbClr val="E46C0A"/>
                 </a:solidFill>
               </a:rPr>
-              <a:t>MouseMotionListener</a:t>
-            </a:r>
-            <a:r>
-              <a:rPr lang="en-US" dirty="0">
-                <a:solidFill>
-                  <a:srgbClr val="E46C0A"/>
-                </a:solidFill>
-              </a:rPr>
-              <a:t> </a:t>
-            </a:r>
+              <a:t>WindowListener</a:t>
+            </a:r>
+            <a:endParaRPr lang="en-US" dirty="0">
+              <a:solidFill>
+                <a:srgbClr val="E46C0A"/>
+              </a:solidFill>
+            </a:endParaRPr>
           </a:p>
           <a:p>
             <a:pPr lvl="1"/>
@@ -18149,15 +19744,15 @@
             </a:r>
             <a:r>
               <a:rPr lang="en-US" dirty="0" err="1"/>
-              <a:t>mouseDragged</a:t>
-            </a:r>
-            <a:r>
-              <a:rPr lang="en-US" dirty="0"/>
-              <a:t> (</a:t>
+              <a:t>windowActivated</a:t>
+            </a:r>
+            <a:r>
+              <a:rPr lang="en-US" dirty="0"/>
+              <a:t>(</a:t>
             </a:r>
             <a:r>
               <a:rPr lang="en-US" dirty="0" err="1"/>
-              <a:t>MouseEvent</a:t>
+              <a:t>WindowEvent</a:t>
             </a:r>
             <a:r>
               <a:rPr lang="en-US" dirty="0"/>
@@ -18169,6 +19764,37 @@
             </a:r>
             <a:r>
               <a:rPr lang="en-US" dirty="0"/>
+              <a:t>) </a:t>
+            </a:r>
+          </a:p>
+          <a:p>
+            <a:pPr lvl="1"/>
+            <a:r>
+              <a:rPr lang="en-US" dirty="0"/>
+              <a:t>void </a:t>
+            </a:r>
+            <a:r>
+              <a:rPr lang="en-US" dirty="0" err="1"/>
+              <a:t>windowClosed</a:t>
+            </a:r>
+            <a:r>
+              <a:rPr lang="en-US" dirty="0"/>
+              <a:t> (</a:t>
+            </a:r>
+            <a:r>
+              <a:rPr lang="en-US" dirty="0" err="1"/>
+              <a:t>WindowEvent</a:t>
+            </a:r>
+            <a:r>
+              <a:rPr lang="en-US" dirty="0"/>
+              <a:t> </a:t>
+            </a:r>
+            <a:r>
+              <a:rPr lang="en-US" dirty="0" err="1"/>
+              <a:t>evt</a:t>
+            </a:r>
+            <a:r>
+              <a:rPr lang="en-US" dirty="0"/>
               <a:t>)</a:t>
             </a:r>
           </a:p>
@@ -18180,7 +19806,7 @@
             </a:r>
             <a:r>
               <a:rPr lang="en-US" dirty="0" err="1"/>
-              <a:t>mouseMoved</a:t>
+              <a:t>windowClosing</a:t>
             </a:r>
             <a:r>
               <a:rPr lang="en-US" dirty="0"/>
@@ -18188,7 +19814,131 @@
             </a:r>
             <a:r>
               <a:rPr lang="en-US" dirty="0" err="1"/>
-              <a:t>MouseEvent</a:t>
+              <a:t>WindowEvent</a:t>
+            </a:r>
+            <a:r>
+              <a:rPr lang="en-US" dirty="0"/>
+              <a:t> </a:t>
+            </a:r>
+            <a:r>
+              <a:rPr lang="en-US" dirty="0" err="1"/>
+              <a:t>evt</a:t>
+            </a:r>
+            <a:r>
+              <a:rPr lang="en-US" dirty="0"/>
+              <a:t>) </a:t>
+            </a:r>
+          </a:p>
+          <a:p>
+            <a:pPr lvl="1"/>
+            <a:r>
+              <a:rPr lang="en-US" dirty="0"/>
+              <a:t>void </a:t>
+            </a:r>
+            <a:r>
+              <a:rPr lang="en-US" dirty="0" err="1"/>
+              <a:t>windowDeactivated</a:t>
+            </a:r>
+            <a:r>
+              <a:rPr lang="en-US" dirty="0"/>
+              <a:t> (</a:t>
+            </a:r>
+            <a:r>
+              <a:rPr lang="en-US" dirty="0" err="1"/>
+              <a:t>WindowEvent</a:t>
+            </a:r>
+            <a:r>
+              <a:rPr lang="en-US" dirty="0"/>
+              <a:t> </a:t>
+            </a:r>
+            <a:r>
+              <a:rPr lang="en-US" dirty="0" err="1"/>
+              <a:t>evt</a:t>
+            </a:r>
+            <a:r>
+              <a:rPr lang="en-US" dirty="0"/>
+              <a:t>) </a:t>
+            </a:r>
+          </a:p>
+          <a:p>
+            <a:pPr lvl="1"/>
+            <a:r>
+              <a:rPr lang="en-US" dirty="0"/>
+              <a:t>void </a:t>
+            </a:r>
+            <a:r>
+              <a:rPr lang="en-US" dirty="0" err="1"/>
+              <a:t>windowDeiconified</a:t>
+            </a:r>
+            <a:r>
+              <a:rPr lang="en-US" dirty="0"/>
+              <a:t> (</a:t>
+            </a:r>
+            <a:r>
+              <a:rPr lang="en-US" dirty="0" err="1"/>
+              <a:t>WindowEvent</a:t>
+            </a:r>
+            <a:r>
+              <a:rPr lang="en-US" dirty="0"/>
+              <a:t> </a:t>
+            </a:r>
+            <a:r>
+              <a:rPr lang="en-US" dirty="0" err="1"/>
+              <a:t>evt</a:t>
+            </a:r>
+            <a:r>
+              <a:rPr lang="en-US" dirty="0"/>
+              <a:t>) </a:t>
+            </a:r>
+          </a:p>
+          <a:p>
+            <a:pPr lvl="1"/>
+            <a:r>
+              <a:rPr lang="en-US" dirty="0"/>
+              <a:t>void </a:t>
+            </a:r>
+            <a:r>
+              <a:rPr lang="en-US" dirty="0" err="1"/>
+              <a:t>windowIconified</a:t>
+            </a:r>
+            <a:r>
+              <a:rPr lang="en-US" dirty="0"/>
+              <a:t> (</a:t>
+            </a:r>
+            <a:r>
+              <a:rPr lang="en-US" dirty="0" err="1"/>
+              <a:t>WindowEvent</a:t>
+            </a:r>
+            <a:r>
+              <a:rPr lang="en-US" dirty="0"/>
+              <a:t> </a:t>
+            </a:r>
+            <a:r>
+              <a:rPr lang="en-US" dirty="0" err="1"/>
+              <a:t>evt</a:t>
+            </a:r>
+            <a:r>
+              <a:rPr lang="en-US" dirty="0"/>
+              <a:t>)</a:t>
+            </a:r>
+          </a:p>
+          <a:p>
+            <a:pPr lvl="1"/>
+            <a:r>
+              <a:rPr lang="en-US" dirty="0"/>
+              <a:t>void </a:t>
+            </a:r>
+            <a:r>
+              <a:rPr lang="en-US" dirty="0" err="1"/>
+              <a:t>windowOpened</a:t>
+            </a:r>
+            <a:r>
+              <a:rPr lang="en-US" dirty="0"/>
+              <a:t> (</a:t>
+            </a:r>
+            <a:r>
+              <a:rPr lang="en-US" dirty="0" err="1"/>
+              <a:t>WindowEvent</a:t>
             </a:r>
             <a:r>
               <a:rPr lang="en-US" dirty="0"/>
@@ -18208,7 +19958,7 @@
     </p:spTree>
     <p:extLst>
       <p:ext uri="{BB962C8B-B14F-4D97-AF65-F5344CB8AC3E}">
-        <p14:creationId xmlns:p14="http://schemas.microsoft.com/office/powerpoint/2010/main" val="4159569703"/>
+        <p14:creationId xmlns:p14="http://schemas.microsoft.com/office/powerpoint/2010/main" val="820336514"/>
       </p:ext>
     </p:extLst>
   </p:cSld>
@@ -18291,416 +20041,6 @@
     <p:extLst>
       <p:ext uri="{BB962C8B-B14F-4D97-AF65-F5344CB8AC3E}">
         <p14:creationId xmlns:p14="http://schemas.microsoft.com/office/powerpoint/2010/main" val="1848760127"/>
-      </p:ext>
-    </p:extLst>
-  </p:cSld>
-  <p:clrMapOvr>
-    <a:masterClrMapping/>
-  </p:clrMapOvr>
-</p:sld>
-</file>
-
-<file path=ppt/slides/slide60.xml><?xml version="1.0" encoding="utf-8"?>
-<p:sld xmlns:a="http://schemas.openxmlformats.org/drawingml/2006/main" xmlns:r="http://schemas.openxmlformats.org/officeDocument/2006/relationships" xmlns:p="http://schemas.openxmlformats.org/presentationml/2006/main">
-  <p:cSld>
-    <p:spTree>
-      <p:nvGrpSpPr>
-        <p:cNvPr id="1" name=""/>
-        <p:cNvGrpSpPr/>
-        <p:nvPr/>
-      </p:nvGrpSpPr>
-      <p:grpSpPr>
-        <a:xfrm>
-          <a:off x="0" y="0"/>
-          <a:ext cx="0" cy="0"/>
-          <a:chOff x="0" y="0"/>
-          <a:chExt cx="0" cy="0"/>
-        </a:xfrm>
-      </p:grpSpPr>
-      <p:sp>
-        <p:nvSpPr>
-          <p:cNvPr id="2" name="Title 1"/>
-          <p:cNvSpPr>
-            <a:spLocks noGrp="1"/>
-          </p:cNvSpPr>
-          <p:nvPr>
-            <p:ph type="title"/>
-          </p:nvPr>
-        </p:nvSpPr>
-        <p:spPr/>
-        <p:txBody>
-          <a:bodyPr/>
-          <a:lstStyle/>
-          <a:p>
-            <a:r>
-              <a:rPr lang="en-US" dirty="0"/>
-              <a:t>Event Interfaces</a:t>
-            </a:r>
-          </a:p>
-        </p:txBody>
-      </p:sp>
-      <p:sp>
-        <p:nvSpPr>
-          <p:cNvPr id="3" name="Content Placeholder 2"/>
-          <p:cNvSpPr>
-            <a:spLocks noGrp="1"/>
-          </p:cNvSpPr>
-          <p:nvPr>
-            <p:ph idx="1"/>
-          </p:nvPr>
-        </p:nvSpPr>
-        <p:spPr/>
-        <p:txBody>
-          <a:bodyPr>
-            <a:normAutofit fontScale="85000" lnSpcReduction="20000"/>
-          </a:bodyPr>
-          <a:lstStyle/>
-          <a:p>
-            <a:r>
-              <a:rPr lang="en-US" dirty="0" err="1">
-                <a:solidFill>
-                  <a:srgbClr val="E46C0A"/>
-                </a:solidFill>
-              </a:rPr>
-              <a:t>KeyListener</a:t>
-            </a:r>
-            <a:endParaRPr lang="en-US" dirty="0">
-              <a:solidFill>
-                <a:srgbClr val="E46C0A"/>
-              </a:solidFill>
-            </a:endParaRPr>
-          </a:p>
-          <a:p>
-            <a:pPr lvl="1"/>
-            <a:r>
-              <a:rPr lang="en-US" dirty="0"/>
-              <a:t>void </a:t>
-            </a:r>
-            <a:r>
-              <a:rPr lang="en-US" dirty="0" err="1"/>
-              <a:t>keyPressed</a:t>
-            </a:r>
-            <a:r>
-              <a:rPr lang="en-US" dirty="0"/>
-              <a:t> (</a:t>
-            </a:r>
-            <a:r>
-              <a:rPr lang="en-US" dirty="0" err="1"/>
-              <a:t>KeyEvent</a:t>
-            </a:r>
-            <a:r>
-              <a:rPr lang="en-US" dirty="0"/>
-              <a:t> </a:t>
-            </a:r>
-            <a:r>
-              <a:rPr lang="en-US" dirty="0" err="1"/>
-              <a:t>evt</a:t>
-            </a:r>
-            <a:r>
-              <a:rPr lang="en-US" dirty="0"/>
-              <a:t>) </a:t>
-            </a:r>
-          </a:p>
-          <a:p>
-            <a:pPr lvl="1"/>
-            <a:r>
-              <a:rPr lang="en-US" dirty="0"/>
-              <a:t>void </a:t>
-            </a:r>
-            <a:r>
-              <a:rPr lang="en-US" dirty="0" err="1"/>
-              <a:t>keyReleased</a:t>
-            </a:r>
-            <a:r>
-              <a:rPr lang="en-US" dirty="0"/>
-              <a:t>(</a:t>
-            </a:r>
-            <a:r>
-              <a:rPr lang="en-US" dirty="0" err="1"/>
-              <a:t>KeyEvent</a:t>
-            </a:r>
-            <a:r>
-              <a:rPr lang="en-US" dirty="0"/>
-              <a:t> </a:t>
-            </a:r>
-            <a:r>
-              <a:rPr lang="en-US" dirty="0" err="1"/>
-              <a:t>evt</a:t>
-            </a:r>
-            <a:r>
-              <a:rPr lang="en-US" dirty="0"/>
-              <a:t>) </a:t>
-            </a:r>
-          </a:p>
-          <a:p>
-            <a:pPr lvl="1"/>
-            <a:r>
-              <a:rPr lang="en-US" dirty="0"/>
-              <a:t>void </a:t>
-            </a:r>
-            <a:r>
-              <a:rPr lang="en-US" dirty="0" err="1"/>
-              <a:t>keyTyped</a:t>
-            </a:r>
-            <a:r>
-              <a:rPr lang="en-US" dirty="0"/>
-              <a:t>(</a:t>
-            </a:r>
-            <a:r>
-              <a:rPr lang="en-US" dirty="0" err="1"/>
-              <a:t>KeyEvent</a:t>
-            </a:r>
-            <a:r>
-              <a:rPr lang="en-US" dirty="0"/>
-              <a:t> </a:t>
-            </a:r>
-            <a:r>
-              <a:rPr lang="en-US" dirty="0" err="1"/>
-              <a:t>evt</a:t>
-            </a:r>
-            <a:r>
-              <a:rPr lang="en-US" dirty="0"/>
-              <a:t>)</a:t>
-            </a:r>
-          </a:p>
-          <a:p>
-            <a:r>
-              <a:rPr lang="en-US" dirty="0" err="1">
-                <a:solidFill>
-                  <a:srgbClr val="E46C0A"/>
-                </a:solidFill>
-              </a:rPr>
-              <a:t>WindowListener</a:t>
-            </a:r>
-            <a:endParaRPr lang="en-US" dirty="0">
-              <a:solidFill>
-                <a:srgbClr val="E46C0A"/>
-              </a:solidFill>
-            </a:endParaRPr>
-          </a:p>
-          <a:p>
-            <a:pPr lvl="1"/>
-            <a:r>
-              <a:rPr lang="en-US" dirty="0"/>
-              <a:t>void </a:t>
-            </a:r>
-            <a:r>
-              <a:rPr lang="en-US" dirty="0" err="1"/>
-              <a:t>windowActivated</a:t>
-            </a:r>
-            <a:r>
-              <a:rPr lang="en-US" dirty="0"/>
-              <a:t>(</a:t>
-            </a:r>
-            <a:r>
-              <a:rPr lang="en-US" dirty="0" err="1"/>
-              <a:t>WindowEvent</a:t>
-            </a:r>
-            <a:r>
-              <a:rPr lang="en-US" dirty="0"/>
-              <a:t> </a:t>
-            </a:r>
-            <a:r>
-              <a:rPr lang="en-US" dirty="0" err="1"/>
-              <a:t>evt</a:t>
-            </a:r>
-            <a:r>
-              <a:rPr lang="en-US" dirty="0"/>
-              <a:t>) </a:t>
-            </a:r>
-          </a:p>
-          <a:p>
-            <a:pPr lvl="1"/>
-            <a:r>
-              <a:rPr lang="en-US" dirty="0"/>
-              <a:t>void </a:t>
-            </a:r>
-            <a:r>
-              <a:rPr lang="en-US" dirty="0" err="1"/>
-              <a:t>windowClosed</a:t>
-            </a:r>
-            <a:r>
-              <a:rPr lang="en-US" dirty="0"/>
-              <a:t> (</a:t>
-            </a:r>
-            <a:r>
-              <a:rPr lang="en-US" dirty="0" err="1"/>
-              <a:t>WindowEvent</a:t>
-            </a:r>
-            <a:r>
-              <a:rPr lang="en-US" dirty="0"/>
-              <a:t> </a:t>
-            </a:r>
-            <a:r>
-              <a:rPr lang="en-US" dirty="0" err="1"/>
-              <a:t>evt</a:t>
-            </a:r>
-            <a:r>
-              <a:rPr lang="en-US" dirty="0"/>
-              <a:t>)</a:t>
-            </a:r>
-          </a:p>
-          <a:p>
-            <a:pPr lvl="1"/>
-            <a:r>
-              <a:rPr lang="en-US" dirty="0"/>
-              <a:t>void </a:t>
-            </a:r>
-            <a:r>
-              <a:rPr lang="en-US" dirty="0" err="1"/>
-              <a:t>windowClosing</a:t>
-            </a:r>
-            <a:r>
-              <a:rPr lang="en-US" dirty="0"/>
-              <a:t> (</a:t>
-            </a:r>
-            <a:r>
-              <a:rPr lang="en-US" dirty="0" err="1"/>
-              <a:t>WindowEvent</a:t>
-            </a:r>
-            <a:r>
-              <a:rPr lang="en-US" dirty="0"/>
-              <a:t> </a:t>
-            </a:r>
-            <a:r>
-              <a:rPr lang="en-US" dirty="0" err="1"/>
-              <a:t>evt</a:t>
-            </a:r>
-            <a:r>
-              <a:rPr lang="en-US" dirty="0"/>
-              <a:t>) </a:t>
-            </a:r>
-          </a:p>
-          <a:p>
-            <a:pPr lvl="1"/>
-            <a:r>
-              <a:rPr lang="en-US" dirty="0"/>
-              <a:t>void </a:t>
-            </a:r>
-            <a:r>
-              <a:rPr lang="en-US" dirty="0" err="1"/>
-              <a:t>windowDeactivated</a:t>
-            </a:r>
-            <a:r>
-              <a:rPr lang="en-US" dirty="0"/>
-              <a:t> (</a:t>
-            </a:r>
-            <a:r>
-              <a:rPr lang="en-US" dirty="0" err="1"/>
-              <a:t>WindowEvent</a:t>
-            </a:r>
-            <a:r>
-              <a:rPr lang="en-US" dirty="0"/>
-              <a:t> </a:t>
-            </a:r>
-            <a:r>
-              <a:rPr lang="en-US" dirty="0" err="1"/>
-              <a:t>evt</a:t>
-            </a:r>
-            <a:r>
-              <a:rPr lang="en-US" dirty="0"/>
-              <a:t>) </a:t>
-            </a:r>
-          </a:p>
-          <a:p>
-            <a:pPr lvl="1"/>
-            <a:r>
-              <a:rPr lang="en-US" dirty="0"/>
-              <a:t>void </a:t>
-            </a:r>
-            <a:r>
-              <a:rPr lang="en-US" dirty="0" err="1"/>
-              <a:t>windowDeiconified</a:t>
-            </a:r>
-            <a:r>
-              <a:rPr lang="en-US" dirty="0"/>
-              <a:t> (</a:t>
-            </a:r>
-            <a:r>
-              <a:rPr lang="en-US" dirty="0" err="1"/>
-              <a:t>WindowEvent</a:t>
-            </a:r>
-            <a:r>
-              <a:rPr lang="en-US" dirty="0"/>
-              <a:t> </a:t>
-            </a:r>
-            <a:r>
-              <a:rPr lang="en-US" dirty="0" err="1"/>
-              <a:t>evt</a:t>
-            </a:r>
-            <a:r>
-              <a:rPr lang="en-US" dirty="0"/>
-              <a:t>) </a:t>
-            </a:r>
-          </a:p>
-          <a:p>
-            <a:pPr lvl="1"/>
-            <a:r>
-              <a:rPr lang="en-US" dirty="0"/>
-              <a:t>void </a:t>
-            </a:r>
-            <a:r>
-              <a:rPr lang="en-US" dirty="0" err="1"/>
-              <a:t>windowIconified</a:t>
-            </a:r>
-            <a:r>
-              <a:rPr lang="en-US" dirty="0"/>
-              <a:t> (</a:t>
-            </a:r>
-            <a:r>
-              <a:rPr lang="en-US" dirty="0" err="1"/>
-              <a:t>WindowEvent</a:t>
-            </a:r>
-            <a:r>
-              <a:rPr lang="en-US" dirty="0"/>
-              <a:t> </a:t>
-            </a:r>
-            <a:r>
-              <a:rPr lang="en-US" dirty="0" err="1"/>
-              <a:t>evt</a:t>
-            </a:r>
-            <a:r>
-              <a:rPr lang="en-US" dirty="0"/>
-              <a:t>)</a:t>
-            </a:r>
-          </a:p>
-          <a:p>
-            <a:pPr lvl="1"/>
-            <a:r>
-              <a:rPr lang="en-US" dirty="0"/>
-              <a:t>void </a:t>
-            </a:r>
-            <a:r>
-              <a:rPr lang="en-US" dirty="0" err="1"/>
-              <a:t>windowOpened</a:t>
-            </a:r>
-            <a:r>
-              <a:rPr lang="en-US" dirty="0"/>
-              <a:t> (</a:t>
-            </a:r>
-            <a:r>
-              <a:rPr lang="en-US" dirty="0" err="1"/>
-              <a:t>WindowEvent</a:t>
-            </a:r>
-            <a:r>
-              <a:rPr lang="en-US" dirty="0"/>
-              <a:t> </a:t>
-            </a:r>
-            <a:r>
-              <a:rPr lang="en-US" dirty="0" err="1"/>
-              <a:t>evt</a:t>
-            </a:r>
-            <a:r>
-              <a:rPr lang="en-US" dirty="0"/>
-              <a:t>)</a:t>
-            </a:r>
-          </a:p>
-        </p:txBody>
-      </p:sp>
-    </p:spTree>
-    <p:extLst>
-      <p:ext uri="{BB962C8B-B14F-4D97-AF65-F5344CB8AC3E}">
-        <p14:creationId xmlns:p14="http://schemas.microsoft.com/office/powerpoint/2010/main" val="820336514"/>
       </p:ext>
     </p:extLst>
   </p:cSld>
@@ -18886,55 +20226,46 @@
               <a:rPr lang="en-US" sz="2000" dirty="0" err="1"/>
               <a:t>JDialog</a:t>
             </a:r>
+            <a:endParaRPr lang="en-US" sz="2000" dirty="0"/>
+          </a:p>
+          <a:p>
+            <a:pPr lvl="1"/>
             <a:r>
               <a:rPr lang="en-US" sz="2000" dirty="0"/>
+              <a:t>Add components to the containers</a:t>
+            </a:r>
+          </a:p>
+          <a:p>
+            <a:pPr lvl="2"/>
+            <a:r>
+              <a:rPr lang="en-US" sz="1600" dirty="0" err="1"/>
+              <a:t>JButton</a:t>
+            </a:r>
+            <a:r>
+              <a:rPr lang="en-US" sz="1600" dirty="0"/>
               <a:t>, </a:t>
             </a:r>
             <a:r>
-              <a:rPr lang="en-US" sz="2000" dirty="0" err="1"/>
-              <a:t>JApplet</a:t>
-            </a:r>
-            <a:endParaRPr lang="en-US" sz="2000" dirty="0"/>
-          </a:p>
-          <a:p>
-            <a:r>
-              <a:rPr lang="en-US" sz="2400" dirty="0"/>
-              <a:t>Add components to the containers</a:t>
-            </a:r>
-          </a:p>
-          <a:p>
-            <a:pPr lvl="1">
-              <a:buFont typeface="Arial"/>
-              <a:buChar char="•"/>
-            </a:pPr>
-            <a:r>
-              <a:rPr lang="en-US" sz="2000" dirty="0" err="1"/>
-              <a:t>JButton</a:t>
-            </a:r>
+              <a:rPr lang="en-US" sz="1600" dirty="0" err="1"/>
+              <a:t>JComboBox</a:t>
+            </a:r>
+            <a:r>
+              <a:rPr lang="en-US" sz="1600" dirty="0"/>
+              <a:t>, </a:t>
+            </a:r>
+            <a:r>
+              <a:rPr lang="en-US" sz="1600" dirty="0" err="1"/>
+              <a:t>JSlider</a:t>
+            </a:r>
+            <a:r>
+              <a:rPr lang="en-US" sz="1600" dirty="0"/>
+              <a:t>, …</a:t>
+            </a:r>
+          </a:p>
+          <a:p>
+            <a:pPr lvl="1"/>
             <a:r>
               <a:rPr lang="en-US" sz="2000" dirty="0"/>
-              <a:t>, </a:t>
-            </a:r>
-            <a:r>
-              <a:rPr lang="en-US" sz="2000" dirty="0" err="1"/>
-              <a:t>JComboBox</a:t>
-            </a:r>
-            <a:r>
-              <a:rPr lang="en-US" sz="2000" dirty="0"/>
-              <a:t>, </a:t>
-            </a:r>
-            <a:r>
-              <a:rPr lang="en-US" sz="2000" dirty="0" err="1"/>
-              <a:t>JSlider</a:t>
-            </a:r>
-            <a:r>
-              <a:rPr lang="en-US" sz="2000" dirty="0"/>
-              <a:t>, …</a:t>
-            </a:r>
-          </a:p>
-          <a:p>
-            <a:r>
-              <a:rPr lang="en-US" sz="2400" dirty="0"/>
               <a:t>Add secondary containers</a:t>
             </a:r>
           </a:p>

--- a/slides/ppt/07_Swing.pptx
+++ b/slides/ppt/07_Swing.pptx
@@ -18078,7 +18078,7 @@
                 <a:latin typeface="Consolas"/>
                 <a:cs typeface="Consolas"/>
               </a:rPr>
-              <a:t>Jbutton</a:t>
+              <a:t>JButton</a:t>
             </a:r>
             <a:r>
               <a:rPr lang="en-US" sz="1600" dirty="0">

--- a/slides/ppt/07_Swing.pptx
+++ b/slides/ppt/07_Swing.pptx
@@ -12486,28 +12486,28 @@
       </p:sp>
       <p:pic>
         <p:nvPicPr>
-          <p:cNvPr id="4" name="Picture 3" descr="Screen Shot 2014-11-11 at 11.15.55.png"/>
+          <p:cNvPr id="7" name="Picture 6">
+            <a:extLst>
+              <a:ext uri="{FF2B5EF4-FFF2-40B4-BE49-F238E27FC236}">
+                <a16:creationId xmlns:a16="http://schemas.microsoft.com/office/drawing/2014/main" id="{EC008B12-353E-B242-B33E-E8139388184E}"/>
+              </a:ext>
+            </a:extLst>
+          </p:cNvPr>
           <p:cNvPicPr>
             <a:picLocks noChangeAspect="1"/>
           </p:cNvPicPr>
           <p:nvPr/>
         </p:nvPicPr>
         <p:blipFill>
-          <a:blip r:embed="rId2">
-            <a:extLst>
-              <a:ext uri="{28A0092B-C50C-407E-A947-70E740481C1C}">
-                <a14:useLocalDpi xmlns:a14="http://schemas.microsoft.com/office/drawing/2010/main" val="0"/>
-              </a:ext>
-            </a:extLst>
-          </a:blip>
+          <a:blip r:embed="rId2"/>
           <a:stretch>
             <a:fillRect/>
           </a:stretch>
         </p:blipFill>
         <p:spPr>
           <a:xfrm>
-            <a:off x="1864605" y="4472243"/>
-            <a:ext cx="3218401" cy="1575169"/>
+            <a:off x="1676400" y="4762500"/>
+            <a:ext cx="3006811" cy="1854200"/>
           </a:xfrm>
           <a:prstGeom prst="rect">
             <a:avLst/>
@@ -12516,28 +12516,28 @@
       </p:pic>
       <p:pic>
         <p:nvPicPr>
-          <p:cNvPr id="5" name="Picture 4" descr="Screen Shot 2014-11-11 at 11.16.01.png"/>
+          <p:cNvPr id="9" name="Picture 8">
+            <a:extLst>
+              <a:ext uri="{FF2B5EF4-FFF2-40B4-BE49-F238E27FC236}">
+                <a16:creationId xmlns:a16="http://schemas.microsoft.com/office/drawing/2014/main" id="{C1F74AE8-6CEA-8949-A155-AE2068E5E682}"/>
+              </a:ext>
+            </a:extLst>
+          </p:cNvPr>
           <p:cNvPicPr>
             <a:picLocks noChangeAspect="1"/>
           </p:cNvPicPr>
           <p:nvPr/>
         </p:nvPicPr>
         <p:blipFill>
-          <a:blip r:embed="rId3">
-            <a:extLst>
-              <a:ext uri="{28A0092B-C50C-407E-A947-70E740481C1C}">
-                <a14:useLocalDpi xmlns:a14="http://schemas.microsoft.com/office/drawing/2010/main" val="0"/>
-              </a:ext>
-            </a:extLst>
-          </a:blip>
+          <a:blip r:embed="rId3"/>
           <a:stretch>
             <a:fillRect/>
           </a:stretch>
         </p:blipFill>
         <p:spPr>
           <a:xfrm>
-            <a:off x="5230729" y="4435699"/>
-            <a:ext cx="2933700" cy="2438400"/>
+            <a:off x="4683211" y="4914901"/>
+            <a:ext cx="4186713" cy="1791430"/>
           </a:xfrm>
           <a:prstGeom prst="rect">
             <a:avLst/>
@@ -12688,7 +12688,7 @@
             </a:r>
             <a:r>
               <a:rPr lang="en-US" sz="2400" dirty="0" err="1"/>
-              <a:t>Jpanel</a:t>
+              <a:t>JPanel</a:t>
             </a:r>
             <a:r>
               <a:rPr lang="en-US" sz="2400" dirty="0"/>
@@ -13372,10 +13372,15 @@
             <p:ph idx="1"/>
           </p:nvPr>
         </p:nvSpPr>
-        <p:spPr/>
+        <p:spPr>
+          <a:xfrm>
+            <a:off x="457200" y="1587500"/>
+            <a:ext cx="8229600" cy="4525963"/>
+          </a:xfrm>
+        </p:spPr>
         <p:txBody>
           <a:bodyPr>
-            <a:normAutofit fontScale="92500" lnSpcReduction="10000"/>
+            <a:normAutofit fontScale="92500" lnSpcReduction="20000"/>
           </a:bodyPr>
           <a:lstStyle/>
           <a:p>
@@ -13459,14 +13464,82 @@
                 <a:latin typeface="Consolas"/>
                 <a:cs typeface="Consolas"/>
               </a:rPr>
-              <a:t>(int1, int2); </a:t>
+              <a:t>(</a:t>
+            </a:r>
+            <a:r>
+              <a:rPr lang="en-US" sz="2200" dirty="0" err="1">
+                <a:latin typeface="Consolas"/>
+                <a:cs typeface="Consolas"/>
+              </a:rPr>
+              <a:t>int</a:t>
+            </a:r>
+            <a:r>
+              <a:rPr lang="en-US" sz="2200" dirty="0">
+                <a:latin typeface="Consolas"/>
+                <a:cs typeface="Consolas"/>
+              </a:rPr>
+              <a:t> </a:t>
+            </a:r>
+            <a:r>
+              <a:rPr lang="en-US" sz="2200" dirty="0" err="1">
+                <a:latin typeface="Consolas"/>
+                <a:cs typeface="Consolas"/>
+              </a:rPr>
+              <a:t>hgap</a:t>
+            </a:r>
+            <a:r>
+              <a:rPr lang="en-US" sz="2200" dirty="0">
+                <a:latin typeface="Consolas"/>
+                <a:cs typeface="Consolas"/>
+              </a:rPr>
+              <a:t>, </a:t>
+            </a:r>
+            <a:r>
+              <a:rPr lang="en-US" sz="2200" dirty="0" err="1">
+                <a:latin typeface="Consolas"/>
+                <a:cs typeface="Consolas"/>
+              </a:rPr>
+              <a:t>int</a:t>
+            </a:r>
+            <a:r>
+              <a:rPr lang="en-US" sz="2200" dirty="0">
+                <a:latin typeface="Consolas"/>
+                <a:cs typeface="Consolas"/>
+              </a:rPr>
+              <a:t> </a:t>
+            </a:r>
+            <a:r>
+              <a:rPr lang="en-US" sz="2200" dirty="0" err="1">
+                <a:latin typeface="Consolas"/>
+                <a:cs typeface="Consolas"/>
+              </a:rPr>
+              <a:t>vgap</a:t>
+            </a:r>
+            <a:r>
+              <a:rPr lang="en-US" sz="2200" dirty="0">
+                <a:latin typeface="Consolas"/>
+                <a:cs typeface="Consolas"/>
+              </a:rPr>
+              <a:t>); </a:t>
             </a:r>
           </a:p>
           <a:p>
             <a:pPr lvl="2"/>
             <a:r>
-              <a:rPr lang="en-US" dirty="0"/>
-              <a:t>int1, int2 are the spaces between the components related horizontal and vertical</a:t>
+              <a:rPr lang="en-US" dirty="0" err="1"/>
+              <a:t>hgap</a:t>
+            </a:r>
+            <a:r>
+              <a:rPr lang="en-US" dirty="0"/>
+              <a:t>, </a:t>
+            </a:r>
+            <a:r>
+              <a:rPr lang="en-US" dirty="0" err="1"/>
+              <a:t>vgap</a:t>
+            </a:r>
+            <a:r>
+              <a:rPr lang="en-US" dirty="0"/>
+              <a:t> are the spaces between the components related horizontal and vertical</a:t>
             </a:r>
           </a:p>
           <a:p>
@@ -13895,13 +13968,55 @@
                 <a:latin typeface="Consolas"/>
                 <a:cs typeface="Consolas"/>
               </a:rPr>
-              <a:t>(rows, cols, </a:t>
+              <a:t>(</a:t>
             </a:r>
             <a:r>
               <a:rPr lang="en-US" sz="2100" dirty="0" err="1">
                 <a:latin typeface="Consolas"/>
                 <a:cs typeface="Consolas"/>
               </a:rPr>
+              <a:t>int</a:t>
+            </a:r>
+            <a:r>
+              <a:rPr lang="en-US" sz="2100" dirty="0">
+                <a:latin typeface="Consolas"/>
+                <a:cs typeface="Consolas"/>
+              </a:rPr>
+              <a:t> rows, </a:t>
+            </a:r>
+            <a:r>
+              <a:rPr lang="en-US" sz="2100" dirty="0" err="1">
+                <a:latin typeface="Consolas"/>
+                <a:cs typeface="Consolas"/>
+              </a:rPr>
+              <a:t>int</a:t>
+            </a:r>
+            <a:r>
+              <a:rPr lang="en-US" sz="2100" dirty="0">
+                <a:latin typeface="Consolas"/>
+                <a:cs typeface="Consolas"/>
+              </a:rPr>
+              <a:t> cols, </a:t>
+            </a:r>
+            <a:r>
+              <a:rPr lang="en-US" sz="2100" dirty="0" err="1">
+                <a:latin typeface="Consolas"/>
+                <a:cs typeface="Consolas"/>
+              </a:rPr>
+              <a:t>int</a:t>
+            </a:r>
+            <a:r>
+              <a:rPr lang="en-US" sz="2100" dirty="0">
+                <a:latin typeface="Consolas"/>
+                <a:cs typeface="Consolas"/>
+              </a:rPr>
+              <a:t> </a:t>
+            </a:r>
+            <a:r>
+              <a:rPr lang="en-US" sz="2100" dirty="0" err="1">
+                <a:latin typeface="Consolas"/>
+                <a:cs typeface="Consolas"/>
+              </a:rPr>
               <a:t>hgap</a:t>
             </a:r>
             <a:r>
@@ -13910,6 +14025,20 @@
                 <a:cs typeface="Consolas"/>
               </a:rPr>
               <a:t>, </a:t>
+            </a:r>
+            <a:r>
+              <a:rPr lang="en-US" sz="2100" dirty="0" err="1">
+                <a:latin typeface="Consolas"/>
+                <a:cs typeface="Consolas"/>
+              </a:rPr>
+              <a:t>int</a:t>
+            </a:r>
+            <a:r>
+              <a:rPr lang="en-US" sz="2100" dirty="0">
+                <a:latin typeface="Consolas"/>
+                <a:cs typeface="Consolas"/>
+              </a:rPr>
+              <a:t> </a:t>
             </a:r>
             <a:r>
               <a:rPr lang="en-US" sz="2100" dirty="0" err="1">
